--- a/presentation-of-findings.pptx
+++ b/presentation-of-findings.pptx
@@ -5,7 +5,7 @@
     <p:sldMasterId id="2147483663" r:id="rId1"/>
   </p:sldMasterIdLst>
   <p:notesMasterIdLst>
-    <p:notesMasterId r:id="rId20"/>
+    <p:notesMasterId r:id="rId13"/>
   </p:notesMasterIdLst>
   <p:sldIdLst>
     <p:sldId id="256" r:id="rId2"/>
@@ -19,30 +19,23 @@
     <p:sldId id="264" r:id="rId10"/>
     <p:sldId id="265" r:id="rId11"/>
     <p:sldId id="266" r:id="rId12"/>
-    <p:sldId id="267" r:id="rId13"/>
-    <p:sldId id="268" r:id="rId14"/>
-    <p:sldId id="269" r:id="rId15"/>
-    <p:sldId id="270" r:id="rId16"/>
-    <p:sldId id="271" r:id="rId17"/>
-    <p:sldId id="272" r:id="rId18"/>
-    <p:sldId id="273" r:id="rId19"/>
   </p:sldIdLst>
   <p:sldSz cx="9144000" cy="5143500" type="screen16x9"/>
   <p:notesSz cx="6858000" cy="9144000"/>
   <p:embeddedFontLst>
     <p:embeddedFont>
       <p:font typeface="Raleway" charset="0"/>
-      <p:regular r:id="rId21"/>
-      <p:bold r:id="rId22"/>
-      <p:italic r:id="rId23"/>
-      <p:boldItalic r:id="rId24"/>
+      <p:regular r:id="rId14"/>
+      <p:bold r:id="rId15"/>
+      <p:italic r:id="rId16"/>
+      <p:boldItalic r:id="rId17"/>
     </p:embeddedFont>
     <p:embeddedFont>
       <p:font typeface="Lato" charset="0"/>
-      <p:regular r:id="rId25"/>
-      <p:bold r:id="rId26"/>
-      <p:italic r:id="rId27"/>
-      <p:boldItalic r:id="rId28"/>
+      <p:regular r:id="rId18"/>
+      <p:bold r:id="rId19"/>
+      <p:italic r:id="rId20"/>
+      <p:boldItalic r:id="rId21"/>
     </p:embeddedFont>
   </p:embeddedFontLst>
   <p:defaultTextStyle>
@@ -843,7 +836,7 @@
   <p:cSld>
     <p:spTree>
       <p:nvGrpSpPr>
-        <p:cNvPr id="1" name="Shape 197"/>
+        <p:cNvPr id="1" name="Shape 191"/>
         <p:cNvGrpSpPr/>
         <p:nvPr/>
       </p:nvGrpSpPr>
@@ -857,7 +850,7 @@
       </p:grpSpPr>
       <p:sp>
         <p:nvSpPr>
-          <p:cNvPr id="198" name="Google Shape;198;g1d9c67055b_0_128:notes"/>
+          <p:cNvPr id="192" name="Google Shape;192;g1d9c67055b_0_167:notes"/>
           <p:cNvSpPr>
             <a:spLocks noGrp="1" noRot="1" noChangeAspect="1"/>
           </p:cNvSpPr>
@@ -898,7 +891,7 @@
       </p:sp>
       <p:sp>
         <p:nvSpPr>
-          <p:cNvPr id="199" name="Google Shape;199;g1d9c67055b_0_128:notes"/>
+          <p:cNvPr id="193" name="Google Shape;193;g1d9c67055b_0_167:notes"/>
           <p:cNvSpPr txBox="1">
             <a:spLocks noGrp="1"/>
           </p:cNvSpPr>
@@ -947,7 +940,7 @@
   <p:cSld>
     <p:spTree>
       <p:nvGrpSpPr>
-        <p:cNvPr id="1" name="Shape 204"/>
+        <p:cNvPr id="1" name="Shape 196"/>
         <p:cNvGrpSpPr/>
         <p:nvPr/>
       </p:nvGrpSpPr>
@@ -961,7 +954,7 @@
       </p:grpSpPr>
       <p:sp>
         <p:nvSpPr>
-          <p:cNvPr id="205" name="Google Shape;205;g1d9c67055b_0_132:notes"/>
+          <p:cNvPr id="197" name="Google Shape;197;g1d9c67055b_0_150:notes"/>
           <p:cNvSpPr>
             <a:spLocks noGrp="1" noRot="1" noChangeAspect="1"/>
           </p:cNvSpPr>
@@ -1002,735 +995,7 @@
       </p:sp>
       <p:sp>
         <p:nvSpPr>
-          <p:cNvPr id="206" name="Google Shape;206;g1d9c67055b_0_132:notes"/>
-          <p:cNvSpPr txBox="1">
-            <a:spLocks noGrp="1"/>
-          </p:cNvSpPr>
-          <p:nvPr>
-            <p:ph type="body" idx="1"/>
-          </p:nvPr>
-        </p:nvSpPr>
-        <p:spPr>
-          <a:xfrm>
-            <a:off x="685800" y="4343400"/>
-            <a:ext cx="5486400" cy="4114800"/>
-          </a:xfrm>
-          <a:prstGeom prst="rect">
-            <a:avLst/>
-          </a:prstGeom>
-        </p:spPr>
-        <p:txBody>
-          <a:bodyPr spcFirstLastPara="1" wrap="square" lIns="91425" tIns="91425" rIns="91425" bIns="91425" anchor="t" anchorCtr="0">
-            <a:noAutofit/>
-          </a:bodyPr>
-          <a:lstStyle/>
-          <a:p>
-            <a:pPr marL="0" lvl="0" indent="0" algn="l" rtl="0">
-              <a:spcBef>
-                <a:spcPts val="0"/>
-              </a:spcBef>
-              <a:spcAft>
-                <a:spcPts val="0"/>
-              </a:spcAft>
-              <a:buNone/>
-            </a:pPr>
-            <a:endParaRPr/>
-          </a:p>
-        </p:txBody>
-      </p:sp>
-    </p:spTree>
-  </p:cSld>
-  <p:clrMapOvr>
-    <a:masterClrMapping/>
-  </p:clrMapOvr>
-</p:notes>
-</file>
-
-<file path=ppt/notesSlides/notesSlide12.xml><?xml version="1.0" encoding="utf-8"?>
-<p:notes xmlns:a="http://schemas.openxmlformats.org/drawingml/2006/main" xmlns:r="http://schemas.openxmlformats.org/officeDocument/2006/relationships" xmlns:p="http://schemas.openxmlformats.org/presentationml/2006/main" showMasterSp="0" showMasterPhAnim="0">
-  <p:cSld>
-    <p:spTree>
-      <p:nvGrpSpPr>
-        <p:cNvPr id="1" name="Shape 215"/>
-        <p:cNvGrpSpPr/>
-        <p:nvPr/>
-      </p:nvGrpSpPr>
-      <p:grpSpPr>
-        <a:xfrm>
-          <a:off x="0" y="0"/>
-          <a:ext cx="0" cy="0"/>
-          <a:chOff x="0" y="0"/>
-          <a:chExt cx="0" cy="0"/>
-        </a:xfrm>
-      </p:grpSpPr>
-      <p:sp>
-        <p:nvSpPr>
-          <p:cNvPr id="216" name="Google Shape;216;g2521b97941_0_38:notes"/>
-          <p:cNvSpPr>
-            <a:spLocks noGrp="1" noRot="1" noChangeAspect="1"/>
-          </p:cNvSpPr>
-          <p:nvPr>
-            <p:ph type="sldImg" idx="2"/>
-          </p:nvPr>
-        </p:nvSpPr>
-        <p:spPr>
-          <a:xfrm>
-            <a:off x="381300" y="685800"/>
-            <a:ext cx="6096000" cy="3429000"/>
-          </a:xfrm>
-          <a:custGeom>
-            <a:avLst/>
-            <a:gdLst/>
-            <a:ahLst/>
-            <a:cxnLst/>
-            <a:rect l="l" t="t" r="r" b="b"/>
-            <a:pathLst>
-              <a:path w="120000" h="120000" extrusionOk="0">
-                <a:moveTo>
-                  <a:pt x="0" y="0"/>
-                </a:moveTo>
-                <a:lnTo>
-                  <a:pt x="120000" y="0"/>
-                </a:lnTo>
-                <a:lnTo>
-                  <a:pt x="120000" y="120000"/>
-                </a:lnTo>
-                <a:lnTo>
-                  <a:pt x="0" y="120000"/>
-                </a:lnTo>
-                <a:close/>
-              </a:path>
-            </a:pathLst>
-          </a:custGeom>
-        </p:spPr>
-      </p:sp>
-      <p:sp>
-        <p:nvSpPr>
-          <p:cNvPr id="217" name="Google Shape;217;g2521b97941_0_38:notes"/>
-          <p:cNvSpPr txBox="1">
-            <a:spLocks noGrp="1"/>
-          </p:cNvSpPr>
-          <p:nvPr>
-            <p:ph type="body" idx="1"/>
-          </p:nvPr>
-        </p:nvSpPr>
-        <p:spPr>
-          <a:xfrm>
-            <a:off x="685800" y="4343400"/>
-            <a:ext cx="5486400" cy="4114800"/>
-          </a:xfrm>
-          <a:prstGeom prst="rect">
-            <a:avLst/>
-          </a:prstGeom>
-        </p:spPr>
-        <p:txBody>
-          <a:bodyPr spcFirstLastPara="1" wrap="square" lIns="91425" tIns="91425" rIns="91425" bIns="91425" anchor="t" anchorCtr="0">
-            <a:noAutofit/>
-          </a:bodyPr>
-          <a:lstStyle/>
-          <a:p>
-            <a:pPr marL="0" lvl="0" indent="0" algn="l" rtl="0">
-              <a:spcBef>
-                <a:spcPts val="0"/>
-              </a:spcBef>
-              <a:spcAft>
-                <a:spcPts val="0"/>
-              </a:spcAft>
-              <a:buNone/>
-            </a:pPr>
-            <a:endParaRPr/>
-          </a:p>
-        </p:txBody>
-      </p:sp>
-    </p:spTree>
-  </p:cSld>
-  <p:clrMapOvr>
-    <a:masterClrMapping/>
-  </p:clrMapOvr>
-</p:notes>
-</file>
-
-<file path=ppt/notesSlides/notesSlide13.xml><?xml version="1.0" encoding="utf-8"?>
-<p:notes xmlns:a="http://schemas.openxmlformats.org/drawingml/2006/main" xmlns:r="http://schemas.openxmlformats.org/officeDocument/2006/relationships" xmlns:p="http://schemas.openxmlformats.org/presentationml/2006/main" showMasterSp="0" showMasterPhAnim="0">
-  <p:cSld>
-    <p:spTree>
-      <p:nvGrpSpPr>
-        <p:cNvPr id="1" name="Shape 222"/>
-        <p:cNvGrpSpPr/>
-        <p:nvPr/>
-      </p:nvGrpSpPr>
-      <p:grpSpPr>
-        <a:xfrm>
-          <a:off x="0" y="0"/>
-          <a:ext cx="0" cy="0"/>
-          <a:chOff x="0" y="0"/>
-          <a:chExt cx="0" cy="0"/>
-        </a:xfrm>
-      </p:grpSpPr>
-      <p:sp>
-        <p:nvSpPr>
-          <p:cNvPr id="223" name="Google Shape;223;g2521b97941_0_43:notes"/>
-          <p:cNvSpPr>
-            <a:spLocks noGrp="1" noRot="1" noChangeAspect="1"/>
-          </p:cNvSpPr>
-          <p:nvPr>
-            <p:ph type="sldImg" idx="2"/>
-          </p:nvPr>
-        </p:nvSpPr>
-        <p:spPr>
-          <a:xfrm>
-            <a:off x="381300" y="685800"/>
-            <a:ext cx="6096000" cy="3429000"/>
-          </a:xfrm>
-          <a:custGeom>
-            <a:avLst/>
-            <a:gdLst/>
-            <a:ahLst/>
-            <a:cxnLst/>
-            <a:rect l="l" t="t" r="r" b="b"/>
-            <a:pathLst>
-              <a:path w="120000" h="120000" extrusionOk="0">
-                <a:moveTo>
-                  <a:pt x="0" y="0"/>
-                </a:moveTo>
-                <a:lnTo>
-                  <a:pt x="120000" y="0"/>
-                </a:lnTo>
-                <a:lnTo>
-                  <a:pt x="120000" y="120000"/>
-                </a:lnTo>
-                <a:lnTo>
-                  <a:pt x="0" y="120000"/>
-                </a:lnTo>
-                <a:close/>
-              </a:path>
-            </a:pathLst>
-          </a:custGeom>
-        </p:spPr>
-      </p:sp>
-      <p:sp>
-        <p:nvSpPr>
-          <p:cNvPr id="224" name="Google Shape;224;g2521b97941_0_43:notes"/>
-          <p:cNvSpPr txBox="1">
-            <a:spLocks noGrp="1"/>
-          </p:cNvSpPr>
-          <p:nvPr>
-            <p:ph type="body" idx="1"/>
-          </p:nvPr>
-        </p:nvSpPr>
-        <p:spPr>
-          <a:xfrm>
-            <a:off x="685800" y="4343400"/>
-            <a:ext cx="5486400" cy="4114800"/>
-          </a:xfrm>
-          <a:prstGeom prst="rect">
-            <a:avLst/>
-          </a:prstGeom>
-        </p:spPr>
-        <p:txBody>
-          <a:bodyPr spcFirstLastPara="1" wrap="square" lIns="91425" tIns="91425" rIns="91425" bIns="91425" anchor="t" anchorCtr="0">
-            <a:noAutofit/>
-          </a:bodyPr>
-          <a:lstStyle/>
-          <a:p>
-            <a:pPr marL="0" lvl="0" indent="0" algn="l" rtl="0">
-              <a:spcBef>
-                <a:spcPts val="0"/>
-              </a:spcBef>
-              <a:spcAft>
-                <a:spcPts val="0"/>
-              </a:spcAft>
-              <a:buNone/>
-            </a:pPr>
-            <a:endParaRPr/>
-          </a:p>
-        </p:txBody>
-      </p:sp>
-    </p:spTree>
-  </p:cSld>
-  <p:clrMapOvr>
-    <a:masterClrMapping/>
-  </p:clrMapOvr>
-</p:notes>
-</file>
-
-<file path=ppt/notesSlides/notesSlide14.xml><?xml version="1.0" encoding="utf-8"?>
-<p:notes xmlns:a="http://schemas.openxmlformats.org/drawingml/2006/main" xmlns:r="http://schemas.openxmlformats.org/officeDocument/2006/relationships" xmlns:p="http://schemas.openxmlformats.org/presentationml/2006/main" showMasterSp="0" showMasterPhAnim="0">
-  <p:cSld>
-    <p:spTree>
-      <p:nvGrpSpPr>
-        <p:cNvPr id="1" name="Shape 229"/>
-        <p:cNvGrpSpPr/>
-        <p:nvPr/>
-      </p:nvGrpSpPr>
-      <p:grpSpPr>
-        <a:xfrm>
-          <a:off x="0" y="0"/>
-          <a:ext cx="0" cy="0"/>
-          <a:chOff x="0" y="0"/>
-          <a:chExt cx="0" cy="0"/>
-        </a:xfrm>
-      </p:grpSpPr>
-      <p:sp>
-        <p:nvSpPr>
-          <p:cNvPr id="230" name="Google Shape;230;g1d9c67055b_0_167:notes"/>
-          <p:cNvSpPr>
-            <a:spLocks noGrp="1" noRot="1" noChangeAspect="1"/>
-          </p:cNvSpPr>
-          <p:nvPr>
-            <p:ph type="sldImg" idx="2"/>
-          </p:nvPr>
-        </p:nvSpPr>
-        <p:spPr>
-          <a:xfrm>
-            <a:off x="381300" y="685800"/>
-            <a:ext cx="6096000" cy="3429000"/>
-          </a:xfrm>
-          <a:custGeom>
-            <a:avLst/>
-            <a:gdLst/>
-            <a:ahLst/>
-            <a:cxnLst/>
-            <a:rect l="l" t="t" r="r" b="b"/>
-            <a:pathLst>
-              <a:path w="120000" h="120000" extrusionOk="0">
-                <a:moveTo>
-                  <a:pt x="0" y="0"/>
-                </a:moveTo>
-                <a:lnTo>
-                  <a:pt x="120000" y="0"/>
-                </a:lnTo>
-                <a:lnTo>
-                  <a:pt x="120000" y="120000"/>
-                </a:lnTo>
-                <a:lnTo>
-                  <a:pt x="0" y="120000"/>
-                </a:lnTo>
-                <a:close/>
-              </a:path>
-            </a:pathLst>
-          </a:custGeom>
-        </p:spPr>
-      </p:sp>
-      <p:sp>
-        <p:nvSpPr>
-          <p:cNvPr id="231" name="Google Shape;231;g1d9c67055b_0_167:notes"/>
-          <p:cNvSpPr txBox="1">
-            <a:spLocks noGrp="1"/>
-          </p:cNvSpPr>
-          <p:nvPr>
-            <p:ph type="body" idx="1"/>
-          </p:nvPr>
-        </p:nvSpPr>
-        <p:spPr>
-          <a:xfrm>
-            <a:off x="685800" y="4343400"/>
-            <a:ext cx="5486400" cy="4114800"/>
-          </a:xfrm>
-          <a:prstGeom prst="rect">
-            <a:avLst/>
-          </a:prstGeom>
-        </p:spPr>
-        <p:txBody>
-          <a:bodyPr spcFirstLastPara="1" wrap="square" lIns="91425" tIns="91425" rIns="91425" bIns="91425" anchor="t" anchorCtr="0">
-            <a:noAutofit/>
-          </a:bodyPr>
-          <a:lstStyle/>
-          <a:p>
-            <a:pPr marL="0" lvl="0" indent="0" algn="l" rtl="0">
-              <a:spcBef>
-                <a:spcPts val="0"/>
-              </a:spcBef>
-              <a:spcAft>
-                <a:spcPts val="0"/>
-              </a:spcAft>
-              <a:buNone/>
-            </a:pPr>
-            <a:endParaRPr/>
-          </a:p>
-        </p:txBody>
-      </p:sp>
-    </p:spTree>
-  </p:cSld>
-  <p:clrMapOvr>
-    <a:masterClrMapping/>
-  </p:clrMapOvr>
-</p:notes>
-</file>
-
-<file path=ppt/notesSlides/notesSlide15.xml><?xml version="1.0" encoding="utf-8"?>
-<p:notes xmlns:a="http://schemas.openxmlformats.org/drawingml/2006/main" xmlns:r="http://schemas.openxmlformats.org/officeDocument/2006/relationships" xmlns:p="http://schemas.openxmlformats.org/presentationml/2006/main" showMasterSp="0" showMasterPhAnim="0">
-  <p:cSld>
-    <p:spTree>
-      <p:nvGrpSpPr>
-        <p:cNvPr id="1" name="Shape 234"/>
-        <p:cNvGrpSpPr/>
-        <p:nvPr/>
-      </p:nvGrpSpPr>
-      <p:grpSpPr>
-        <a:xfrm>
-          <a:off x="0" y="0"/>
-          <a:ext cx="0" cy="0"/>
-          <a:chOff x="0" y="0"/>
-          <a:chExt cx="0" cy="0"/>
-        </a:xfrm>
-      </p:grpSpPr>
-      <p:sp>
-        <p:nvSpPr>
-          <p:cNvPr id="235" name="Google Shape;235;g251e213838_1_2:notes"/>
-          <p:cNvSpPr>
-            <a:spLocks noGrp="1" noRot="1" noChangeAspect="1"/>
-          </p:cNvSpPr>
-          <p:nvPr>
-            <p:ph type="sldImg" idx="2"/>
-          </p:nvPr>
-        </p:nvSpPr>
-        <p:spPr>
-          <a:xfrm>
-            <a:off x="381300" y="685800"/>
-            <a:ext cx="6096000" cy="3429000"/>
-          </a:xfrm>
-          <a:custGeom>
-            <a:avLst/>
-            <a:gdLst/>
-            <a:ahLst/>
-            <a:cxnLst/>
-            <a:rect l="l" t="t" r="r" b="b"/>
-            <a:pathLst>
-              <a:path w="120000" h="120000" extrusionOk="0">
-                <a:moveTo>
-                  <a:pt x="0" y="0"/>
-                </a:moveTo>
-                <a:lnTo>
-                  <a:pt x="120000" y="0"/>
-                </a:lnTo>
-                <a:lnTo>
-                  <a:pt x="120000" y="120000"/>
-                </a:lnTo>
-                <a:lnTo>
-                  <a:pt x="0" y="120000"/>
-                </a:lnTo>
-                <a:close/>
-              </a:path>
-            </a:pathLst>
-          </a:custGeom>
-        </p:spPr>
-      </p:sp>
-      <p:sp>
-        <p:nvSpPr>
-          <p:cNvPr id="236" name="Google Shape;236;g251e213838_1_2:notes"/>
-          <p:cNvSpPr txBox="1">
-            <a:spLocks noGrp="1"/>
-          </p:cNvSpPr>
-          <p:nvPr>
-            <p:ph type="body" idx="1"/>
-          </p:nvPr>
-        </p:nvSpPr>
-        <p:spPr>
-          <a:xfrm>
-            <a:off x="685800" y="4343400"/>
-            <a:ext cx="5486400" cy="4114800"/>
-          </a:xfrm>
-          <a:prstGeom prst="rect">
-            <a:avLst/>
-          </a:prstGeom>
-        </p:spPr>
-        <p:txBody>
-          <a:bodyPr spcFirstLastPara="1" wrap="square" lIns="91425" tIns="91425" rIns="91425" bIns="91425" anchor="t" anchorCtr="0">
-            <a:noAutofit/>
-          </a:bodyPr>
-          <a:lstStyle/>
-          <a:p>
-            <a:pPr marL="0" lvl="0" indent="0" algn="l" rtl="0">
-              <a:spcBef>
-                <a:spcPts val="0"/>
-              </a:spcBef>
-              <a:spcAft>
-                <a:spcPts val="0"/>
-              </a:spcAft>
-              <a:buNone/>
-            </a:pPr>
-            <a:endParaRPr/>
-          </a:p>
-        </p:txBody>
-      </p:sp>
-    </p:spTree>
-  </p:cSld>
-  <p:clrMapOvr>
-    <a:masterClrMapping/>
-  </p:clrMapOvr>
-</p:notes>
-</file>
-
-<file path=ppt/notesSlides/notesSlide16.xml><?xml version="1.0" encoding="utf-8"?>
-<p:notes xmlns:a="http://schemas.openxmlformats.org/drawingml/2006/main" xmlns:r="http://schemas.openxmlformats.org/officeDocument/2006/relationships" xmlns:p="http://schemas.openxmlformats.org/presentationml/2006/main" showMasterSp="0" showMasterPhAnim="0">
-  <p:cSld>
-    <p:spTree>
-      <p:nvGrpSpPr>
-        <p:cNvPr id="1" name="Shape 240"/>
-        <p:cNvGrpSpPr/>
-        <p:nvPr/>
-      </p:nvGrpSpPr>
-      <p:grpSpPr>
-        <a:xfrm>
-          <a:off x="0" y="0"/>
-          <a:ext cx="0" cy="0"/>
-          <a:chOff x="0" y="0"/>
-          <a:chExt cx="0" cy="0"/>
-        </a:xfrm>
-      </p:grpSpPr>
-      <p:sp>
-        <p:nvSpPr>
-          <p:cNvPr id="241" name="Google Shape;241;g246ee7dff8_1_5:notes"/>
-          <p:cNvSpPr>
-            <a:spLocks noGrp="1" noRot="1" noChangeAspect="1"/>
-          </p:cNvSpPr>
-          <p:nvPr>
-            <p:ph type="sldImg" idx="2"/>
-          </p:nvPr>
-        </p:nvSpPr>
-        <p:spPr>
-          <a:xfrm>
-            <a:off x="381300" y="685800"/>
-            <a:ext cx="6096000" cy="3429000"/>
-          </a:xfrm>
-          <a:custGeom>
-            <a:avLst/>
-            <a:gdLst/>
-            <a:ahLst/>
-            <a:cxnLst/>
-            <a:rect l="l" t="t" r="r" b="b"/>
-            <a:pathLst>
-              <a:path w="120000" h="120000" extrusionOk="0">
-                <a:moveTo>
-                  <a:pt x="0" y="0"/>
-                </a:moveTo>
-                <a:lnTo>
-                  <a:pt x="120000" y="0"/>
-                </a:lnTo>
-                <a:lnTo>
-                  <a:pt x="120000" y="120000"/>
-                </a:lnTo>
-                <a:lnTo>
-                  <a:pt x="0" y="120000"/>
-                </a:lnTo>
-                <a:close/>
-              </a:path>
-            </a:pathLst>
-          </a:custGeom>
-        </p:spPr>
-      </p:sp>
-      <p:sp>
-        <p:nvSpPr>
-          <p:cNvPr id="242" name="Google Shape;242;g246ee7dff8_1_5:notes"/>
-          <p:cNvSpPr txBox="1">
-            <a:spLocks noGrp="1"/>
-          </p:cNvSpPr>
-          <p:nvPr>
-            <p:ph type="body" idx="1"/>
-          </p:nvPr>
-        </p:nvSpPr>
-        <p:spPr>
-          <a:xfrm>
-            <a:off x="685800" y="4343400"/>
-            <a:ext cx="5486400" cy="4114800"/>
-          </a:xfrm>
-          <a:prstGeom prst="rect">
-            <a:avLst/>
-          </a:prstGeom>
-        </p:spPr>
-        <p:txBody>
-          <a:bodyPr spcFirstLastPara="1" wrap="square" lIns="91425" tIns="91425" rIns="91425" bIns="91425" anchor="t" anchorCtr="0">
-            <a:noAutofit/>
-          </a:bodyPr>
-          <a:lstStyle/>
-          <a:p>
-            <a:pPr marL="0" lvl="0" indent="0" algn="l" rtl="0">
-              <a:spcBef>
-                <a:spcPts val="0"/>
-              </a:spcBef>
-              <a:spcAft>
-                <a:spcPts val="0"/>
-              </a:spcAft>
-              <a:buNone/>
-            </a:pPr>
-            <a:endParaRPr/>
-          </a:p>
-        </p:txBody>
-      </p:sp>
-    </p:spTree>
-  </p:cSld>
-  <p:clrMapOvr>
-    <a:masterClrMapping/>
-  </p:clrMapOvr>
-</p:notes>
-</file>
-
-<file path=ppt/notesSlides/notesSlide17.xml><?xml version="1.0" encoding="utf-8"?>
-<p:notes xmlns:a="http://schemas.openxmlformats.org/drawingml/2006/main" xmlns:r="http://schemas.openxmlformats.org/officeDocument/2006/relationships" xmlns:p="http://schemas.openxmlformats.org/presentationml/2006/main" showMasterSp="0" showMasterPhAnim="0">
-  <p:cSld>
-    <p:spTree>
-      <p:nvGrpSpPr>
-        <p:cNvPr id="1" name="Shape 274"/>
-        <p:cNvGrpSpPr/>
-        <p:nvPr/>
-      </p:nvGrpSpPr>
-      <p:grpSpPr>
-        <a:xfrm>
-          <a:off x="0" y="0"/>
-          <a:ext cx="0" cy="0"/>
-          <a:chOff x="0" y="0"/>
-          <a:chExt cx="0" cy="0"/>
-        </a:xfrm>
-      </p:grpSpPr>
-      <p:sp>
-        <p:nvSpPr>
-          <p:cNvPr id="275" name="Google Shape;275;g1d9c67055b_0_150:notes"/>
-          <p:cNvSpPr>
-            <a:spLocks noGrp="1" noRot="1" noChangeAspect="1"/>
-          </p:cNvSpPr>
-          <p:nvPr>
-            <p:ph type="sldImg" idx="2"/>
-          </p:nvPr>
-        </p:nvSpPr>
-        <p:spPr>
-          <a:xfrm>
-            <a:off x="381300" y="685800"/>
-            <a:ext cx="6096000" cy="3429000"/>
-          </a:xfrm>
-          <a:custGeom>
-            <a:avLst/>
-            <a:gdLst/>
-            <a:ahLst/>
-            <a:cxnLst/>
-            <a:rect l="l" t="t" r="r" b="b"/>
-            <a:pathLst>
-              <a:path w="120000" h="120000" extrusionOk="0">
-                <a:moveTo>
-                  <a:pt x="0" y="0"/>
-                </a:moveTo>
-                <a:lnTo>
-                  <a:pt x="120000" y="0"/>
-                </a:lnTo>
-                <a:lnTo>
-                  <a:pt x="120000" y="120000"/>
-                </a:lnTo>
-                <a:lnTo>
-                  <a:pt x="0" y="120000"/>
-                </a:lnTo>
-                <a:close/>
-              </a:path>
-            </a:pathLst>
-          </a:custGeom>
-        </p:spPr>
-      </p:sp>
-      <p:sp>
-        <p:nvSpPr>
-          <p:cNvPr id="276" name="Google Shape;276;g1d9c67055b_0_150:notes"/>
-          <p:cNvSpPr txBox="1">
-            <a:spLocks noGrp="1"/>
-          </p:cNvSpPr>
-          <p:nvPr>
-            <p:ph type="body" idx="1"/>
-          </p:nvPr>
-        </p:nvSpPr>
-        <p:spPr>
-          <a:xfrm>
-            <a:off x="685800" y="4343400"/>
-            <a:ext cx="5486400" cy="4114800"/>
-          </a:xfrm>
-          <a:prstGeom prst="rect">
-            <a:avLst/>
-          </a:prstGeom>
-        </p:spPr>
-        <p:txBody>
-          <a:bodyPr spcFirstLastPara="1" wrap="square" lIns="91425" tIns="91425" rIns="91425" bIns="91425" anchor="t" anchorCtr="0">
-            <a:noAutofit/>
-          </a:bodyPr>
-          <a:lstStyle/>
-          <a:p>
-            <a:pPr marL="0" lvl="0" indent="0" algn="l" rtl="0">
-              <a:spcBef>
-                <a:spcPts val="0"/>
-              </a:spcBef>
-              <a:spcAft>
-                <a:spcPts val="0"/>
-              </a:spcAft>
-              <a:buNone/>
-            </a:pPr>
-            <a:endParaRPr/>
-          </a:p>
-        </p:txBody>
-      </p:sp>
-    </p:spTree>
-  </p:cSld>
-  <p:clrMapOvr>
-    <a:masterClrMapping/>
-  </p:clrMapOvr>
-</p:notes>
-</file>
-
-<file path=ppt/notesSlides/notesSlide18.xml><?xml version="1.0" encoding="utf-8"?>
-<p:notes xmlns:a="http://schemas.openxmlformats.org/drawingml/2006/main" xmlns:r="http://schemas.openxmlformats.org/officeDocument/2006/relationships" xmlns:p="http://schemas.openxmlformats.org/presentationml/2006/main" showMasterSp="0" showMasterPhAnim="0">
-  <p:cSld>
-    <p:spTree>
-      <p:nvGrpSpPr>
-        <p:cNvPr id="1" name="Shape 279"/>
-        <p:cNvGrpSpPr/>
-        <p:nvPr/>
-      </p:nvGrpSpPr>
-      <p:grpSpPr>
-        <a:xfrm>
-          <a:off x="0" y="0"/>
-          <a:ext cx="0" cy="0"/>
-          <a:chOff x="0" y="0"/>
-          <a:chExt cx="0" cy="0"/>
-        </a:xfrm>
-      </p:grpSpPr>
-      <p:sp>
-        <p:nvSpPr>
-          <p:cNvPr id="280" name="Google Shape;280;g1d9c67055b_0_154:notes"/>
-          <p:cNvSpPr>
-            <a:spLocks noGrp="1" noRot="1" noChangeAspect="1"/>
-          </p:cNvSpPr>
-          <p:nvPr>
-            <p:ph type="sldImg" idx="2"/>
-          </p:nvPr>
-        </p:nvSpPr>
-        <p:spPr>
-          <a:xfrm>
-            <a:off x="381300" y="685800"/>
-            <a:ext cx="6096000" cy="3429000"/>
-          </a:xfrm>
-          <a:custGeom>
-            <a:avLst/>
-            <a:gdLst/>
-            <a:ahLst/>
-            <a:cxnLst/>
-            <a:rect l="l" t="t" r="r" b="b"/>
-            <a:pathLst>
-              <a:path w="120000" h="120000" extrusionOk="0">
-                <a:moveTo>
-                  <a:pt x="0" y="0"/>
-                </a:moveTo>
-                <a:lnTo>
-                  <a:pt x="120000" y="0"/>
-                </a:lnTo>
-                <a:lnTo>
-                  <a:pt x="120000" y="120000"/>
-                </a:lnTo>
-                <a:lnTo>
-                  <a:pt x="0" y="120000"/>
-                </a:lnTo>
-                <a:close/>
-              </a:path>
-            </a:pathLst>
-          </a:custGeom>
-        </p:spPr>
-      </p:sp>
-      <p:sp>
-        <p:nvSpPr>
-          <p:cNvPr id="281" name="Google Shape;281;g1d9c67055b_0_154:notes"/>
+          <p:cNvPr id="198" name="Google Shape;198;g1d9c67055b_0_150:notes"/>
           <p:cNvSpPr txBox="1">
             <a:spLocks noGrp="1"/>
           </p:cNvSpPr>
@@ -1970,6 +1235,14 @@
               </a:spcAft>
               <a:buNone/>
             </a:pPr>
+            <a:r>
+              <a:rPr lang="en" sz="1050">
+                <a:highlight>
+                  <a:srgbClr val="FFFFFF"/>
+                </a:highlight>
+              </a:rPr>
+              <a:t>In the mid to late 1980's, there was a big push to put a warning label on records and CD's that were deemed 'explicit' and had suggestive or 'satanic' lyrics. This was supposed to help parents monitor the music their children were buying. I propose it had the opposite effect. Albums and music with explicit lyrics and images were more popular after the mid to late 1980's.</a:t>
+            </a:r>
             <a:endParaRPr/>
           </a:p>
         </p:txBody>
@@ -1987,7 +1260,7 @@
   <p:cSld>
     <p:spTree>
       <p:nvGrpSpPr>
-        <p:cNvPr id="1" name="Shape 149"/>
+        <p:cNvPr id="1" name="Shape 151"/>
         <p:cNvGrpSpPr/>
         <p:nvPr/>
       </p:nvGrpSpPr>
@@ -2001,7 +1274,7 @@
       </p:grpSpPr>
       <p:sp>
         <p:nvSpPr>
-          <p:cNvPr id="150" name="Google Shape;150;g1d9c67055b_0_159:notes"/>
+          <p:cNvPr id="152" name="Google Shape;152;g1d9c67055b_0_159:notes"/>
           <p:cNvSpPr>
             <a:spLocks noGrp="1" noRot="1" noChangeAspect="1"/>
           </p:cNvSpPr>
@@ -2042,7 +1315,7 @@
       </p:sp>
       <p:sp>
         <p:nvSpPr>
-          <p:cNvPr id="151" name="Google Shape;151;g1d9c67055b_0_159:notes"/>
+          <p:cNvPr id="153" name="Google Shape;153;g1d9c67055b_0_159:notes"/>
           <p:cNvSpPr txBox="1">
             <a:spLocks noGrp="1"/>
           </p:cNvSpPr>
@@ -2091,7 +1364,7 @@
   <p:cSld>
     <p:spTree>
       <p:nvGrpSpPr>
-        <p:cNvPr id="1" name="Shape 154"/>
+        <p:cNvPr id="1" name="Shape 156"/>
         <p:cNvGrpSpPr/>
         <p:nvPr/>
       </p:nvGrpSpPr>
@@ -2105,7 +1378,7 @@
       </p:grpSpPr>
       <p:sp>
         <p:nvSpPr>
-          <p:cNvPr id="155" name="Google Shape;155;g251622d556_0_36:notes"/>
+          <p:cNvPr id="157" name="Google Shape;157;g25430e6bdd_5_18:notes"/>
           <p:cNvSpPr>
             <a:spLocks noGrp="1" noRot="1" noChangeAspect="1"/>
           </p:cNvSpPr>
@@ -2146,7 +1419,7 @@
       </p:sp>
       <p:sp>
         <p:nvSpPr>
-          <p:cNvPr id="156" name="Google Shape;156;g251622d556_0_36:notes"/>
+          <p:cNvPr id="158" name="Google Shape;158;g25430e6bdd_5_18:notes"/>
           <p:cNvSpPr txBox="1">
             <a:spLocks noGrp="1"/>
           </p:cNvSpPr>
@@ -2169,16 +1442,30 @@
           </a:bodyPr>
           <a:lstStyle/>
           <a:p>
-            <a:pPr marL="0" lvl="0" indent="0" algn="l" rtl="0">
-              <a:spcBef>
-                <a:spcPts val="0"/>
-              </a:spcBef>
-              <a:spcAft>
-                <a:spcPts val="0"/>
-              </a:spcAft>
-              <a:buNone/>
+            <a:pPr marL="457200" lvl="0" indent="-304800" algn="l" rtl="0">
+              <a:spcBef>
+                <a:spcPts val="0"/>
+              </a:spcBef>
+              <a:spcAft>
+                <a:spcPts val="0"/>
+              </a:spcAft>
+              <a:buClr>
+                <a:srgbClr val="000000"/>
+              </a:buClr>
+              <a:buSzPts val="1200"/>
+              <a:buFont typeface="Lato"/>
+              <a:buChar char="➔"/>
             </a:pPr>
-            <a:endParaRPr/>
+            <a:r>
+              <a:rPr lang="en" sz="1200">
+                <a:latin typeface="Lato"/>
+                <a:ea typeface="Lato"/>
+                <a:cs typeface="Lato"/>
+                <a:sym typeface="Lato"/>
+              </a:rPr>
+              <a:t>My determination of a single genre for each song is accurate</a:t>
+            </a:r>
+            <a:endParaRPr sz="1200"/>
           </a:p>
         </p:txBody>
       </p:sp>
@@ -2195,7 +1482,7 @@
   <p:cSld>
     <p:spTree>
       <p:nvGrpSpPr>
-        <p:cNvPr id="1" name="Shape 160"/>
+        <p:cNvPr id="1" name="Shape 162"/>
         <p:cNvGrpSpPr/>
         <p:nvPr/>
       </p:nvGrpSpPr>
@@ -2209,7 +1496,7 @@
       </p:grpSpPr>
       <p:sp>
         <p:nvSpPr>
-          <p:cNvPr id="161" name="Google Shape;161;g25430e6bdd_5_18:notes"/>
+          <p:cNvPr id="163" name="Google Shape;163;g1d9c67055b_0_120:notes"/>
           <p:cNvSpPr>
             <a:spLocks noGrp="1" noRot="1" noChangeAspect="1"/>
           </p:cNvSpPr>
@@ -2250,7 +1537,7 @@
       </p:sp>
       <p:sp>
         <p:nvSpPr>
-          <p:cNvPr id="162" name="Google Shape;162;g25430e6bdd_5_18:notes"/>
+          <p:cNvPr id="164" name="Google Shape;164;g1d9c67055b_0_120:notes"/>
           <p:cNvSpPr txBox="1">
             <a:spLocks noGrp="1"/>
           </p:cNvSpPr>
@@ -2299,7 +1586,7 @@
   <p:cSld>
     <p:spTree>
       <p:nvGrpSpPr>
-        <p:cNvPr id="1" name="Shape 166"/>
+        <p:cNvPr id="1" name="Shape 167"/>
         <p:cNvGrpSpPr/>
         <p:nvPr/>
       </p:nvGrpSpPr>
@@ -2313,7 +1600,7 @@
       </p:grpSpPr>
       <p:sp>
         <p:nvSpPr>
-          <p:cNvPr id="167" name="Google Shape;167;g1d9c67055b_0_120:notes"/>
+          <p:cNvPr id="168" name="Google Shape;168;g903233e63b_1_33:notes"/>
           <p:cNvSpPr>
             <a:spLocks noGrp="1" noRot="1" noChangeAspect="1"/>
           </p:cNvSpPr>
@@ -2354,7 +1641,7 @@
       </p:sp>
       <p:sp>
         <p:nvSpPr>
-          <p:cNvPr id="168" name="Google Shape;168;g1d9c67055b_0_120:notes"/>
+          <p:cNvPr id="169" name="Google Shape;169;g903233e63b_1_33:notes"/>
           <p:cNvSpPr txBox="1">
             <a:spLocks noGrp="1"/>
           </p:cNvSpPr>
@@ -2403,7 +1690,7 @@
   <p:cSld>
     <p:spTree>
       <p:nvGrpSpPr>
-        <p:cNvPr id="1" name="Shape 171"/>
+        <p:cNvPr id="1" name="Shape 175"/>
         <p:cNvGrpSpPr/>
         <p:nvPr/>
       </p:nvGrpSpPr>
@@ -2417,7 +1704,7 @@
       </p:grpSpPr>
       <p:sp>
         <p:nvSpPr>
-          <p:cNvPr id="172" name="Google Shape;172;g1d9c67055b_0_116:notes"/>
+          <p:cNvPr id="176" name="Google Shape;176;g903233e63b_1_39:notes"/>
           <p:cNvSpPr>
             <a:spLocks noGrp="1" noRot="1" noChangeAspect="1"/>
           </p:cNvSpPr>
@@ -2458,7 +1745,7 @@
       </p:sp>
       <p:sp>
         <p:nvSpPr>
-          <p:cNvPr id="173" name="Google Shape;173;g1d9c67055b_0_116:notes"/>
+          <p:cNvPr id="177" name="Google Shape;177;g903233e63b_1_39:notes"/>
           <p:cNvSpPr txBox="1">
             <a:spLocks noGrp="1"/>
           </p:cNvSpPr>
@@ -2507,7 +1794,7 @@
   <p:cSld>
     <p:spTree>
       <p:nvGrpSpPr>
-        <p:cNvPr id="1" name="Shape 182"/>
+        <p:cNvPr id="1" name="Shape 183"/>
         <p:cNvGrpSpPr/>
         <p:nvPr/>
       </p:nvGrpSpPr>
@@ -2521,7 +1808,7 @@
       </p:grpSpPr>
       <p:sp>
         <p:nvSpPr>
-          <p:cNvPr id="183" name="Google Shape;183;g1d9c67055b_0_124:notes"/>
+          <p:cNvPr id="184" name="Google Shape;184;g903233e63b_1_45:notes"/>
           <p:cNvSpPr>
             <a:spLocks noGrp="1" noRot="1" noChangeAspect="1"/>
           </p:cNvSpPr>
@@ -2562,7 +1849,7 @@
       </p:sp>
       <p:sp>
         <p:nvSpPr>
-          <p:cNvPr id="184" name="Google Shape;184;g1d9c67055b_0_124:notes"/>
+          <p:cNvPr id="185" name="Google Shape;185;g903233e63b_1_45:notes"/>
           <p:cNvSpPr txBox="1">
             <a:spLocks noGrp="1"/>
           </p:cNvSpPr>
@@ -12435,8 +11722,8 @@
         </p:nvSpPr>
         <p:spPr>
           <a:xfrm>
-            <a:off x="729450" y="1322450"/>
-            <a:ext cx="7534200" cy="1988100"/>
+            <a:off x="-150" y="1322450"/>
+            <a:ext cx="9144000" cy="1988100"/>
           </a:xfrm>
           <a:prstGeom prst="rect">
             <a:avLst/>
@@ -12459,7 +11746,7 @@
             </a:pPr>
             <a:r>
               <a:rPr lang="en" sz="5300"/>
-              <a:t>The PMRC Its Effect on Music Popularity</a:t>
+              <a:t>The PMRC and Its Effect on Music Popularity</a:t>
             </a:r>
             <a:endParaRPr sz="5300"/>
           </a:p>
@@ -12514,17 +11801,9 @@
 <file path=ppt/slides/slide10.xml><?xml version="1.0" encoding="utf-8"?>
 <p:sld xmlns:a="http://schemas.openxmlformats.org/drawingml/2006/main" xmlns:r="http://schemas.openxmlformats.org/officeDocument/2006/relationships" xmlns:p="http://schemas.openxmlformats.org/presentationml/2006/main">
   <p:cSld>
-    <p:bg>
-      <p:bgPr>
-        <a:solidFill>
-          <a:schemeClr val="lt1"/>
-        </a:solidFill>
-        <a:effectLst/>
-      </p:bgPr>
-    </p:bg>
     <p:spTree>
       <p:nvGrpSpPr>
-        <p:cNvPr id="1" name="Shape 200"/>
+        <p:cNvPr id="1" name="Shape 194"/>
         <p:cNvGrpSpPr/>
         <p:nvPr/>
       </p:nvGrpSpPr>
@@ -12538,27 +11817,25 @@
       </p:grpSpPr>
       <p:sp>
         <p:nvSpPr>
-          <p:cNvPr id="201" name="Google Shape;201;p26"/>
-          <p:cNvSpPr/>
-          <p:nvPr/>
+          <p:cNvPr id="195" name="Google Shape;195;p26"/>
+          <p:cNvSpPr txBox="1">
+            <a:spLocks noGrp="1"/>
+          </p:cNvSpPr>
+          <p:nvPr>
+            <p:ph type="title"/>
+          </p:nvPr>
         </p:nvSpPr>
         <p:spPr>
           <a:xfrm>
-            <a:off x="0" y="4747100"/>
-            <a:ext cx="9144000" cy="396300"/>
+            <a:off x="729450" y="1322450"/>
+            <a:ext cx="7688400" cy="3446100"/>
           </a:xfrm>
           <a:prstGeom prst="rect">
             <a:avLst/>
           </a:prstGeom>
-          <a:solidFill>
-            <a:schemeClr val="dk1"/>
-          </a:solidFill>
-          <a:ln>
-            <a:noFill/>
-          </a:ln>
         </p:spPr>
         <p:txBody>
-          <a:bodyPr spcFirstLastPara="1" wrap="square" lIns="91425" tIns="91425" rIns="91425" bIns="91425" anchor="ctr" anchorCtr="0">
+          <a:bodyPr spcFirstLastPara="1" wrap="square" lIns="91425" tIns="91425" rIns="91425" bIns="91425" anchor="t" anchorCtr="0">
             <a:noAutofit/>
           </a:bodyPr>
           <a:lstStyle/>
@@ -12572,86 +11849,135 @@
               </a:spcAft>
               <a:buNone/>
             </a:pPr>
-            <a:endParaRPr>
+            <a:r>
+              <a:rPr lang="en" sz="4000"/>
+              <a:t>Conclusions</a:t>
+            </a:r>
+            <a:endParaRPr sz="4000"/>
+          </a:p>
+          <a:p>
+            <a:pPr marL="0" lvl="0" indent="0" algn="l" rtl="0">
+              <a:spcBef>
+                <a:spcPts val="0"/>
+              </a:spcBef>
+              <a:spcAft>
+                <a:spcPts val="0"/>
+              </a:spcAft>
+              <a:buNone/>
+            </a:pPr>
+            <a:endParaRPr sz="900"/>
+          </a:p>
+          <a:p>
+            <a:pPr marL="457200" lvl="0" indent="-355600" algn="l" rtl="0">
+              <a:lnSpc>
+                <a:spcPct val="115000"/>
+              </a:lnSpc>
+              <a:spcBef>
+                <a:spcPts val="0"/>
+              </a:spcBef>
+              <a:spcAft>
+                <a:spcPts val="0"/>
+              </a:spcAft>
+              <a:buClr>
+                <a:srgbClr val="FFFFFF"/>
+              </a:buClr>
+              <a:buSzPts val="2000"/>
+              <a:buFont typeface="Lato"/>
+              <a:buChar char="●"/>
+            </a:pPr>
+            <a:r>
+              <a:rPr lang="en" sz="2000" b="0">
+                <a:solidFill>
+                  <a:srgbClr val="FFFFFF"/>
+                </a:solidFill>
+                <a:latin typeface="Lato"/>
+                <a:ea typeface="Lato"/>
+                <a:cs typeface="Lato"/>
+                <a:sym typeface="Lato"/>
+              </a:rPr>
+              <a:t>Explicit music became significantly more popular after the PMRC was formed in 1985</a:t>
+            </a:r>
+            <a:endParaRPr sz="2000" b="0">
+              <a:solidFill>
+                <a:srgbClr val="FFFFFF"/>
+              </a:solidFill>
               <a:latin typeface="Lato"/>
               <a:ea typeface="Lato"/>
               <a:cs typeface="Lato"/>
               <a:sym typeface="Lato"/>
             </a:endParaRPr>
           </a:p>
-        </p:txBody>
-      </p:sp>
-      <p:pic>
-        <p:nvPicPr>
-          <p:cNvPr id="202" name="Google Shape;202;p26" descr="Component Detail"/>
-          <p:cNvPicPr preferRelativeResize="0"/>
-          <p:nvPr/>
-        </p:nvPicPr>
-        <p:blipFill rotWithShape="1">
-          <a:blip r:embed="rId3">
-            <a:alphaModFix/>
-          </a:blip>
-          <a:srcRect/>
-          <a:stretch/>
-        </p:blipFill>
-        <p:spPr>
-          <a:xfrm>
-            <a:off x="1609000" y="197100"/>
-            <a:ext cx="5926001" cy="4444675"/>
-          </a:xfrm>
-          <a:prstGeom prst="rect">
-            <a:avLst/>
-          </a:prstGeom>
-          <a:noFill/>
-          <a:ln>
-            <a:noFill/>
-          </a:ln>
-        </p:spPr>
-      </p:pic>
-      <p:sp>
-        <p:nvSpPr>
-          <p:cNvPr id="203" name="Google Shape;203;p26"/>
-          <p:cNvSpPr txBox="1">
-            <a:spLocks noGrp="1"/>
-          </p:cNvSpPr>
-          <p:nvPr>
-            <p:ph type="title" idx="4294967295"/>
-          </p:nvPr>
-        </p:nvSpPr>
-        <p:spPr>
-          <a:xfrm>
-            <a:off x="346425" y="4747100"/>
-            <a:ext cx="2280600" cy="394200"/>
-          </a:xfrm>
-          <a:prstGeom prst="rect">
-            <a:avLst/>
-          </a:prstGeom>
-          <a:noFill/>
-        </p:spPr>
-        <p:txBody>
-          <a:bodyPr spcFirstLastPara="1" wrap="square" lIns="91425" tIns="91425" rIns="91425" bIns="91425" anchor="b" anchorCtr="0">
-            <a:noAutofit/>
-          </a:bodyPr>
-          <a:lstStyle/>
           <a:p>
-            <a:pPr marL="0" lvl="0" indent="0" algn="l" rtl="0">
-              <a:spcBef>
-                <a:spcPts val="0"/>
-              </a:spcBef>
-              <a:spcAft>
-                <a:spcPts val="0"/>
-              </a:spcAft>
-              <a:buNone/>
+            <a:pPr marL="457200" lvl="0" indent="-355600" algn="l" rtl="0">
+              <a:lnSpc>
+                <a:spcPct val="115000"/>
+              </a:lnSpc>
+              <a:spcBef>
+                <a:spcPts val="0"/>
+              </a:spcBef>
+              <a:spcAft>
+                <a:spcPts val="0"/>
+              </a:spcAft>
+              <a:buClr>
+                <a:srgbClr val="FFFFFF"/>
+              </a:buClr>
+              <a:buSzPts val="2000"/>
+              <a:buFont typeface="Lato"/>
+              <a:buChar char="●"/>
             </a:pPr>
             <a:r>
-              <a:rPr lang="en" sz="1400">
-                <a:solidFill>
-                  <a:schemeClr val="lt1"/>
-                </a:solidFill>
+              <a:rPr lang="en" sz="2000" b="0">
+                <a:solidFill>
+                  <a:srgbClr val="FFFFFF"/>
+                </a:solidFill>
+                <a:latin typeface="Lato"/>
+                <a:ea typeface="Lato"/>
+                <a:cs typeface="Lato"/>
+                <a:sym typeface="Lato"/>
               </a:rPr>
-              <a:t>Component Detail</a:t>
+              <a:t>Rap and Hip-Hop are more explicit on average than other types of music</a:t>
             </a:r>
-            <a:endParaRPr sz="1400">
+            <a:endParaRPr sz="2000" b="0">
+              <a:solidFill>
+                <a:srgbClr val="FFFFFF"/>
+              </a:solidFill>
+              <a:latin typeface="Lato"/>
+              <a:ea typeface="Lato"/>
+              <a:cs typeface="Lato"/>
+              <a:sym typeface="Lato"/>
+            </a:endParaRPr>
+          </a:p>
+          <a:p>
+            <a:pPr marL="457200" lvl="0" indent="-355600" algn="l" rtl="0">
+              <a:lnSpc>
+                <a:spcPct val="115000"/>
+              </a:lnSpc>
+              <a:spcBef>
+                <a:spcPts val="0"/>
+              </a:spcBef>
+              <a:spcAft>
+                <a:spcPts val="0"/>
+              </a:spcAft>
+              <a:buClr>
+                <a:srgbClr val="FFFFFF"/>
+              </a:buClr>
+              <a:buSzPts val="2000"/>
+              <a:buFont typeface="Lato"/>
+              <a:buChar char="●"/>
+            </a:pPr>
+            <a:r>
+              <a:rPr lang="en" sz="2000" b="0">
+                <a:solidFill>
+                  <a:srgbClr val="FFFFFF"/>
+                </a:solidFill>
+                <a:latin typeface="Lato"/>
+                <a:ea typeface="Lato"/>
+                <a:cs typeface="Lato"/>
+                <a:sym typeface="Lato"/>
+              </a:rPr>
+              <a:t>Because explicit music is more popular now,  sales of explicit music have significantly increased in recent years</a:t>
+            </a:r>
+            <a:endParaRPr sz="4700">
               <a:solidFill>
                 <a:srgbClr val="FFFFFF"/>
               </a:solidFill>
@@ -12670,317 +11996,9 @@
 <file path=ppt/slides/slide11.xml><?xml version="1.0" encoding="utf-8"?>
 <p:sld xmlns:a="http://schemas.openxmlformats.org/drawingml/2006/main" xmlns:r="http://schemas.openxmlformats.org/officeDocument/2006/relationships" xmlns:p="http://schemas.openxmlformats.org/presentationml/2006/main">
   <p:cSld>
-    <p:bg>
-      <p:bgPr>
-        <a:solidFill>
-          <a:schemeClr val="lt1"/>
-        </a:solidFill>
-        <a:effectLst/>
-      </p:bgPr>
-    </p:bg>
     <p:spTree>
       <p:nvGrpSpPr>
-        <p:cNvPr id="1" name="Shape 207"/>
-        <p:cNvGrpSpPr/>
-        <p:nvPr/>
-      </p:nvGrpSpPr>
-      <p:grpSpPr>
-        <a:xfrm>
-          <a:off x="0" y="0"/>
-          <a:ext cx="0" cy="0"/>
-          <a:chOff x="0" y="0"/>
-          <a:chExt cx="0" cy="0"/>
-        </a:xfrm>
-      </p:grpSpPr>
-      <p:pic>
-        <p:nvPicPr>
-          <p:cNvPr id="208" name="Google Shape;208;p27" descr="Mobile View"/>
-          <p:cNvPicPr preferRelativeResize="0"/>
-          <p:nvPr/>
-        </p:nvPicPr>
-        <p:blipFill rotWithShape="1">
-          <a:blip r:embed="rId3">
-            <a:alphaModFix/>
-          </a:blip>
-          <a:srcRect/>
-          <a:stretch/>
-        </p:blipFill>
-        <p:spPr>
-          <a:xfrm>
-            <a:off x="3424213" y="197100"/>
-            <a:ext cx="2295581" cy="4444499"/>
-          </a:xfrm>
-          <a:prstGeom prst="rect">
-            <a:avLst/>
-          </a:prstGeom>
-          <a:noFill/>
-          <a:ln>
-            <a:noFill/>
-          </a:ln>
-        </p:spPr>
-      </p:pic>
-      <p:grpSp>
-        <p:nvGrpSpPr>
-          <p:cNvPr id="209" name="Google Shape;209;p27"/>
-          <p:cNvGrpSpPr/>
-          <p:nvPr/>
-        </p:nvGrpSpPr>
-        <p:grpSpPr>
-          <a:xfrm>
-            <a:off x="5156800" y="2381050"/>
-            <a:ext cx="3132325" cy="566100"/>
-            <a:chOff x="5330350" y="2313675"/>
-            <a:chExt cx="3132325" cy="566100"/>
-          </a:xfrm>
-        </p:grpSpPr>
-        <p:sp>
-          <p:nvSpPr>
-            <p:cNvPr id="210" name="Google Shape;210;p27"/>
-            <p:cNvSpPr/>
-            <p:nvPr/>
-          </p:nvSpPr>
-          <p:spPr>
-            <a:xfrm>
-              <a:off x="6175750" y="2313675"/>
-              <a:ext cx="2286900" cy="566100"/>
-            </a:xfrm>
-            <a:prstGeom prst="roundRect">
-              <a:avLst>
-                <a:gd name="adj" fmla="val 10171"/>
-              </a:avLst>
-            </a:prstGeom>
-            <a:solidFill>
-              <a:srgbClr val="1A9988"/>
-            </a:solidFill>
-            <a:ln>
-              <a:noFill/>
-            </a:ln>
-          </p:spPr>
-          <p:txBody>
-            <a:bodyPr spcFirstLastPara="1" wrap="square" lIns="91425" tIns="91425" rIns="91425" bIns="91425" anchor="ctr" anchorCtr="0">
-              <a:noAutofit/>
-            </a:bodyPr>
-            <a:lstStyle/>
-            <a:p>
-              <a:pPr marL="0" lvl="0" indent="0" algn="l" rtl="0">
-                <a:spcBef>
-                  <a:spcPts val="0"/>
-                </a:spcBef>
-                <a:spcAft>
-                  <a:spcPts val="0"/>
-                </a:spcAft>
-                <a:buNone/>
-              </a:pPr>
-              <a:endParaRPr/>
-            </a:p>
-          </p:txBody>
-        </p:sp>
-        <p:sp>
-          <p:nvSpPr>
-            <p:cNvPr id="211" name="Google Shape;211;p27"/>
-            <p:cNvSpPr txBox="1"/>
-            <p:nvPr/>
-          </p:nvSpPr>
-          <p:spPr>
-            <a:xfrm>
-              <a:off x="6225275" y="2313675"/>
-              <a:ext cx="2237400" cy="566100"/>
-            </a:xfrm>
-            <a:prstGeom prst="rect">
-              <a:avLst/>
-            </a:prstGeom>
-            <a:noFill/>
-            <a:ln>
-              <a:noFill/>
-            </a:ln>
-          </p:spPr>
-          <p:txBody>
-            <a:bodyPr spcFirstLastPara="1" wrap="square" lIns="91425" tIns="91425" rIns="91425" bIns="91425" anchor="t" anchorCtr="0">
-              <a:noAutofit/>
-            </a:bodyPr>
-            <a:lstStyle/>
-            <a:p>
-              <a:pPr marL="0" lvl="0" indent="0" algn="l" rtl="0">
-                <a:lnSpc>
-                  <a:spcPct val="115000"/>
-                </a:lnSpc>
-                <a:spcBef>
-                  <a:spcPts val="0"/>
-                </a:spcBef>
-                <a:spcAft>
-                  <a:spcPts val="0"/>
-                </a:spcAft>
-                <a:buNone/>
-              </a:pPr>
-              <a:r>
-                <a:rPr lang="en" sz="1100">
-                  <a:solidFill>
-                    <a:srgbClr val="FFFFFF"/>
-                  </a:solidFill>
-                  <a:latin typeface="Lato"/>
-                  <a:ea typeface="Lato"/>
-                  <a:cs typeface="Lato"/>
-                  <a:sym typeface="Lato"/>
-                </a:rPr>
-                <a:t>Articulate your design decisions by adding justifications</a:t>
-              </a:r>
-              <a:endParaRPr sz="1100">
-                <a:solidFill>
-                  <a:srgbClr val="FFFFFF"/>
-                </a:solidFill>
-                <a:latin typeface="Lato"/>
-                <a:ea typeface="Lato"/>
-                <a:cs typeface="Lato"/>
-                <a:sym typeface="Lato"/>
-              </a:endParaRPr>
-            </a:p>
-          </p:txBody>
-        </p:sp>
-        <p:cxnSp>
-          <p:nvCxnSpPr>
-            <p:cNvPr id="212" name="Google Shape;212;p27"/>
-            <p:cNvCxnSpPr/>
-            <p:nvPr/>
-          </p:nvCxnSpPr>
-          <p:spPr>
-            <a:xfrm>
-              <a:off x="5330350" y="2606478"/>
-              <a:ext cx="845400" cy="0"/>
-            </a:xfrm>
-            <a:prstGeom prst="straightConnector1">
-              <a:avLst/>
-            </a:prstGeom>
-            <a:noFill/>
-            <a:ln w="28575" cap="flat" cmpd="sng">
-              <a:solidFill>
-                <a:srgbClr val="1A9988"/>
-              </a:solidFill>
-              <a:prstDash val="solid"/>
-              <a:round/>
-              <a:headEnd type="oval" w="med" len="med"/>
-              <a:tailEnd type="none" w="med" len="med"/>
-            </a:ln>
-          </p:spPr>
-        </p:cxnSp>
-      </p:grpSp>
-      <p:sp>
-        <p:nvSpPr>
-          <p:cNvPr id="213" name="Google Shape;213;p27"/>
-          <p:cNvSpPr/>
-          <p:nvPr/>
-        </p:nvSpPr>
-        <p:spPr>
-          <a:xfrm>
-            <a:off x="0" y="4747100"/>
-            <a:ext cx="9144000" cy="396300"/>
-          </a:xfrm>
-          <a:prstGeom prst="rect">
-            <a:avLst/>
-          </a:prstGeom>
-          <a:solidFill>
-            <a:schemeClr val="dk1"/>
-          </a:solidFill>
-          <a:ln>
-            <a:noFill/>
-          </a:ln>
-        </p:spPr>
-        <p:txBody>
-          <a:bodyPr spcFirstLastPara="1" wrap="square" lIns="91425" tIns="91425" rIns="91425" bIns="91425" anchor="ctr" anchorCtr="0">
-            <a:noAutofit/>
-          </a:bodyPr>
-          <a:lstStyle/>
-          <a:p>
-            <a:pPr marL="0" lvl="0" indent="0" algn="l" rtl="0">
-              <a:spcBef>
-                <a:spcPts val="0"/>
-              </a:spcBef>
-              <a:spcAft>
-                <a:spcPts val="0"/>
-              </a:spcAft>
-              <a:buNone/>
-            </a:pPr>
-            <a:endParaRPr>
-              <a:latin typeface="Lato"/>
-              <a:ea typeface="Lato"/>
-              <a:cs typeface="Lato"/>
-              <a:sym typeface="Lato"/>
-            </a:endParaRPr>
-          </a:p>
-        </p:txBody>
-      </p:sp>
-      <p:sp>
-        <p:nvSpPr>
-          <p:cNvPr id="214" name="Google Shape;214;p27"/>
-          <p:cNvSpPr txBox="1">
-            <a:spLocks noGrp="1"/>
-          </p:cNvSpPr>
-          <p:nvPr>
-            <p:ph type="title" idx="4294967295"/>
-          </p:nvPr>
-        </p:nvSpPr>
-        <p:spPr>
-          <a:xfrm>
-            <a:off x="346425" y="4747100"/>
-            <a:ext cx="3409500" cy="394200"/>
-          </a:xfrm>
-          <a:prstGeom prst="rect">
-            <a:avLst/>
-          </a:prstGeom>
-          <a:noFill/>
-        </p:spPr>
-        <p:txBody>
-          <a:bodyPr spcFirstLastPara="1" wrap="square" lIns="91425" tIns="91425" rIns="91425" bIns="91425" anchor="b" anchorCtr="0">
-            <a:noAutofit/>
-          </a:bodyPr>
-          <a:lstStyle/>
-          <a:p>
-            <a:pPr marL="0" lvl="0" indent="0" algn="l" rtl="0">
-              <a:spcBef>
-                <a:spcPts val="0"/>
-              </a:spcBef>
-              <a:spcAft>
-                <a:spcPts val="0"/>
-              </a:spcAft>
-              <a:buNone/>
-            </a:pPr>
-            <a:r>
-              <a:rPr lang="en" sz="1400">
-                <a:solidFill>
-                  <a:schemeClr val="lt1"/>
-                </a:solidFill>
-              </a:rPr>
-              <a:t>Component Detail (Mobile)</a:t>
-            </a:r>
-            <a:endParaRPr sz="1400">
-              <a:solidFill>
-                <a:srgbClr val="FFFFFF"/>
-              </a:solidFill>
-            </a:endParaRPr>
-          </a:p>
-        </p:txBody>
-      </p:sp>
-    </p:spTree>
-  </p:cSld>
-  <p:clrMapOvr>
-    <a:masterClrMapping/>
-  </p:clrMapOvr>
-</p:sld>
-</file>
-
-<file path=ppt/slides/slide12.xml><?xml version="1.0" encoding="utf-8"?>
-<p:sld xmlns:a="http://schemas.openxmlformats.org/drawingml/2006/main" xmlns:r="http://schemas.openxmlformats.org/officeDocument/2006/relationships" xmlns:p="http://schemas.openxmlformats.org/presentationml/2006/main">
-  <p:cSld>
-    <p:bg>
-      <p:bgPr>
-        <a:solidFill>
-          <a:schemeClr val="lt1"/>
-        </a:solidFill>
-        <a:effectLst/>
-      </p:bgPr>
-    </p:bg>
-    <p:spTree>
-      <p:nvGrpSpPr>
-        <p:cNvPr id="1" name="Shape 218"/>
+        <p:cNvPr id="1" name="Shape 199"/>
         <p:cNvGrpSpPr/>
         <p:nvPr/>
       </p:nvGrpSpPr>
@@ -12994,1794 +12012,7 @@
       </p:grpSpPr>
       <p:sp>
         <p:nvSpPr>
-          <p:cNvPr id="219" name="Google Shape;219;p28"/>
-          <p:cNvSpPr/>
-          <p:nvPr/>
-        </p:nvSpPr>
-        <p:spPr>
-          <a:xfrm>
-            <a:off x="0" y="4747100"/>
-            <a:ext cx="9144000" cy="396300"/>
-          </a:xfrm>
-          <a:prstGeom prst="rect">
-            <a:avLst/>
-          </a:prstGeom>
-          <a:solidFill>
-            <a:schemeClr val="dk1"/>
-          </a:solidFill>
-          <a:ln>
-            <a:noFill/>
-          </a:ln>
-        </p:spPr>
-        <p:txBody>
-          <a:bodyPr spcFirstLastPara="1" wrap="square" lIns="91425" tIns="91425" rIns="91425" bIns="91425" anchor="ctr" anchorCtr="0">
-            <a:noAutofit/>
-          </a:bodyPr>
-          <a:lstStyle/>
-          <a:p>
-            <a:pPr marL="0" lvl="0" indent="0" algn="l" rtl="0">
-              <a:spcBef>
-                <a:spcPts val="0"/>
-              </a:spcBef>
-              <a:spcAft>
-                <a:spcPts val="0"/>
-              </a:spcAft>
-              <a:buNone/>
-            </a:pPr>
-            <a:endParaRPr>
-              <a:latin typeface="Lato"/>
-              <a:ea typeface="Lato"/>
-              <a:cs typeface="Lato"/>
-              <a:sym typeface="Lato"/>
-            </a:endParaRPr>
-          </a:p>
-        </p:txBody>
-      </p:sp>
-      <p:sp>
-        <p:nvSpPr>
-          <p:cNvPr id="220" name="Google Shape;220;p28"/>
-          <p:cNvSpPr txBox="1">
-            <a:spLocks noGrp="1"/>
-          </p:cNvSpPr>
-          <p:nvPr>
-            <p:ph type="title" idx="4294967295"/>
-          </p:nvPr>
-        </p:nvSpPr>
-        <p:spPr>
-          <a:xfrm>
-            <a:off x="346425" y="4747100"/>
-            <a:ext cx="3409500" cy="394200"/>
-          </a:xfrm>
-          <a:prstGeom prst="rect">
-            <a:avLst/>
-          </a:prstGeom>
-          <a:noFill/>
-        </p:spPr>
-        <p:txBody>
-          <a:bodyPr spcFirstLastPara="1" wrap="square" lIns="91425" tIns="91425" rIns="91425" bIns="91425" anchor="b" anchorCtr="0">
-            <a:noAutofit/>
-          </a:bodyPr>
-          <a:lstStyle/>
-          <a:p>
-            <a:pPr marL="0" lvl="0" indent="0" algn="l" rtl="0">
-              <a:spcBef>
-                <a:spcPts val="0"/>
-              </a:spcBef>
-              <a:spcAft>
-                <a:spcPts val="0"/>
-              </a:spcAft>
-              <a:buNone/>
-            </a:pPr>
-            <a:r>
-              <a:rPr lang="en" sz="1400">
-                <a:solidFill>
-                  <a:schemeClr val="lt1"/>
-                </a:solidFill>
-              </a:rPr>
-              <a:t>Contacts</a:t>
-            </a:r>
-            <a:endParaRPr sz="1400">
-              <a:solidFill>
-                <a:srgbClr val="FFFFFF"/>
-              </a:solidFill>
-            </a:endParaRPr>
-          </a:p>
-        </p:txBody>
-      </p:sp>
-      <p:pic>
-        <p:nvPicPr>
-          <p:cNvPr id="221" name="Google Shape;221;p28" descr="Contacts"/>
-          <p:cNvPicPr preferRelativeResize="0"/>
-          <p:nvPr/>
-        </p:nvPicPr>
-        <p:blipFill rotWithShape="1">
-          <a:blip r:embed="rId3">
-            <a:alphaModFix/>
-          </a:blip>
-          <a:srcRect/>
-          <a:stretch/>
-        </p:blipFill>
-        <p:spPr>
-          <a:xfrm>
-            <a:off x="1593475" y="180675"/>
-            <a:ext cx="5957025" cy="4444499"/>
-          </a:xfrm>
-          <a:prstGeom prst="rect">
-            <a:avLst/>
-          </a:prstGeom>
-          <a:noFill/>
-          <a:ln>
-            <a:noFill/>
-          </a:ln>
-        </p:spPr>
-      </p:pic>
-    </p:spTree>
-  </p:cSld>
-  <p:clrMapOvr>
-    <a:masterClrMapping/>
-  </p:clrMapOvr>
-</p:sld>
-</file>
-
-<file path=ppt/slides/slide13.xml><?xml version="1.0" encoding="utf-8"?>
-<p:sld xmlns:a="http://schemas.openxmlformats.org/drawingml/2006/main" xmlns:r="http://schemas.openxmlformats.org/officeDocument/2006/relationships" xmlns:p="http://schemas.openxmlformats.org/presentationml/2006/main">
-  <p:cSld>
-    <p:bg>
-      <p:bgPr>
-        <a:solidFill>
-          <a:schemeClr val="lt1"/>
-        </a:solidFill>
-        <a:effectLst/>
-      </p:bgPr>
-    </p:bg>
-    <p:spTree>
-      <p:nvGrpSpPr>
-        <p:cNvPr id="1" name="Shape 225"/>
-        <p:cNvGrpSpPr/>
-        <p:nvPr/>
-      </p:nvGrpSpPr>
-      <p:grpSpPr>
-        <a:xfrm>
-          <a:off x="0" y="0"/>
-          <a:ext cx="0" cy="0"/>
-          <a:chOff x="0" y="0"/>
-          <a:chExt cx="0" cy="0"/>
-        </a:xfrm>
-      </p:grpSpPr>
-      <p:pic>
-        <p:nvPicPr>
-          <p:cNvPr id="226" name="Google Shape;226;p29" descr="Mobile View"/>
-          <p:cNvPicPr preferRelativeResize="0"/>
-          <p:nvPr/>
-        </p:nvPicPr>
-        <p:blipFill rotWithShape="1">
-          <a:blip r:embed="rId3">
-            <a:alphaModFix/>
-          </a:blip>
-          <a:srcRect/>
-          <a:stretch/>
-        </p:blipFill>
-        <p:spPr>
-          <a:xfrm>
-            <a:off x="3424200" y="197100"/>
-            <a:ext cx="2295581" cy="4444499"/>
-          </a:xfrm>
-          <a:prstGeom prst="rect">
-            <a:avLst/>
-          </a:prstGeom>
-          <a:noFill/>
-          <a:ln>
-            <a:noFill/>
-          </a:ln>
-        </p:spPr>
-      </p:pic>
-      <p:sp>
-        <p:nvSpPr>
-          <p:cNvPr id="227" name="Google Shape;227;p29"/>
-          <p:cNvSpPr/>
-          <p:nvPr/>
-        </p:nvSpPr>
-        <p:spPr>
-          <a:xfrm>
-            <a:off x="0" y="4747100"/>
-            <a:ext cx="9144000" cy="396300"/>
-          </a:xfrm>
-          <a:prstGeom prst="rect">
-            <a:avLst/>
-          </a:prstGeom>
-          <a:solidFill>
-            <a:schemeClr val="dk1"/>
-          </a:solidFill>
-          <a:ln>
-            <a:noFill/>
-          </a:ln>
-        </p:spPr>
-        <p:txBody>
-          <a:bodyPr spcFirstLastPara="1" wrap="square" lIns="91425" tIns="91425" rIns="91425" bIns="91425" anchor="ctr" anchorCtr="0">
-            <a:noAutofit/>
-          </a:bodyPr>
-          <a:lstStyle/>
-          <a:p>
-            <a:pPr marL="0" lvl="0" indent="0" algn="l" rtl="0">
-              <a:spcBef>
-                <a:spcPts val="0"/>
-              </a:spcBef>
-              <a:spcAft>
-                <a:spcPts val="0"/>
-              </a:spcAft>
-              <a:buNone/>
-            </a:pPr>
-            <a:endParaRPr>
-              <a:latin typeface="Lato"/>
-              <a:ea typeface="Lato"/>
-              <a:cs typeface="Lato"/>
-              <a:sym typeface="Lato"/>
-            </a:endParaRPr>
-          </a:p>
-        </p:txBody>
-      </p:sp>
-      <p:sp>
-        <p:nvSpPr>
-          <p:cNvPr id="228" name="Google Shape;228;p29"/>
-          <p:cNvSpPr txBox="1">
-            <a:spLocks noGrp="1"/>
-          </p:cNvSpPr>
-          <p:nvPr>
-            <p:ph type="title" idx="4294967295"/>
-          </p:nvPr>
-        </p:nvSpPr>
-        <p:spPr>
-          <a:xfrm>
-            <a:off x="346425" y="4747100"/>
-            <a:ext cx="3409500" cy="394200"/>
-          </a:xfrm>
-          <a:prstGeom prst="rect">
-            <a:avLst/>
-          </a:prstGeom>
-          <a:noFill/>
-        </p:spPr>
-        <p:txBody>
-          <a:bodyPr spcFirstLastPara="1" wrap="square" lIns="91425" tIns="91425" rIns="91425" bIns="91425" anchor="b" anchorCtr="0">
-            <a:noAutofit/>
-          </a:bodyPr>
-          <a:lstStyle/>
-          <a:p>
-            <a:pPr marL="0" lvl="0" indent="0" algn="l" rtl="0">
-              <a:spcBef>
-                <a:spcPts val="0"/>
-              </a:spcBef>
-              <a:spcAft>
-                <a:spcPts val="0"/>
-              </a:spcAft>
-              <a:buNone/>
-            </a:pPr>
-            <a:r>
-              <a:rPr lang="en" sz="1400">
-                <a:solidFill>
-                  <a:schemeClr val="lt1"/>
-                </a:solidFill>
-              </a:rPr>
-              <a:t>Contacts (Mobile)</a:t>
-            </a:r>
-            <a:endParaRPr sz="1400">
-              <a:solidFill>
-                <a:schemeClr val="lt1"/>
-              </a:solidFill>
-            </a:endParaRPr>
-          </a:p>
-        </p:txBody>
-      </p:sp>
-    </p:spTree>
-  </p:cSld>
-  <p:clrMapOvr>
-    <a:masterClrMapping/>
-  </p:clrMapOvr>
-</p:sld>
-</file>
-
-<file path=ppt/slides/slide14.xml><?xml version="1.0" encoding="utf-8"?>
-<p:sld xmlns:a="http://schemas.openxmlformats.org/drawingml/2006/main" xmlns:r="http://schemas.openxmlformats.org/officeDocument/2006/relationships" xmlns:p="http://schemas.openxmlformats.org/presentationml/2006/main">
-  <p:cSld>
-    <p:spTree>
-      <p:nvGrpSpPr>
-        <p:cNvPr id="1" name="Shape 232"/>
-        <p:cNvGrpSpPr/>
-        <p:nvPr/>
-      </p:nvGrpSpPr>
-      <p:grpSpPr>
-        <a:xfrm>
-          <a:off x="0" y="0"/>
-          <a:ext cx="0" cy="0"/>
-          <a:chOff x="0" y="0"/>
-          <a:chExt cx="0" cy="0"/>
-        </a:xfrm>
-      </p:grpSpPr>
-      <p:sp>
-        <p:nvSpPr>
-          <p:cNvPr id="233" name="Google Shape;233;p30"/>
-          <p:cNvSpPr txBox="1">
-            <a:spLocks noGrp="1"/>
-          </p:cNvSpPr>
-          <p:nvPr>
-            <p:ph type="title"/>
-          </p:nvPr>
-        </p:nvSpPr>
-        <p:spPr>
-          <a:xfrm>
-            <a:off x="729450" y="1322450"/>
-            <a:ext cx="7688400" cy="1518600"/>
-          </a:xfrm>
-          <a:prstGeom prst="rect">
-            <a:avLst/>
-          </a:prstGeom>
-        </p:spPr>
-        <p:txBody>
-          <a:bodyPr spcFirstLastPara="1" wrap="square" lIns="91425" tIns="91425" rIns="91425" bIns="91425" anchor="t" anchorCtr="0">
-            <a:noAutofit/>
-          </a:bodyPr>
-          <a:lstStyle/>
-          <a:p>
-            <a:pPr marL="0" lvl="0" indent="0" algn="l" rtl="0">
-              <a:spcBef>
-                <a:spcPts val="0"/>
-              </a:spcBef>
-              <a:spcAft>
-                <a:spcPts val="0"/>
-              </a:spcAft>
-              <a:buNone/>
-            </a:pPr>
-            <a:r>
-              <a:rPr lang="en"/>
-              <a:t>Conclusion</a:t>
-            </a:r>
-            <a:endParaRPr/>
-          </a:p>
-        </p:txBody>
-      </p:sp>
-    </p:spTree>
-  </p:cSld>
-  <p:clrMapOvr>
-    <a:masterClrMapping/>
-  </p:clrMapOvr>
-</p:sld>
-</file>
-
-<file path=ppt/slides/slide15.xml><?xml version="1.0" encoding="utf-8"?>
-<p:sld xmlns:a="http://schemas.openxmlformats.org/drawingml/2006/main" xmlns:r="http://schemas.openxmlformats.org/officeDocument/2006/relationships" xmlns:p="http://schemas.openxmlformats.org/presentationml/2006/main">
-  <p:cSld>
-    <p:spTree>
-      <p:nvGrpSpPr>
-        <p:cNvPr id="1" name="Shape 237"/>
-        <p:cNvGrpSpPr/>
-        <p:nvPr/>
-      </p:nvGrpSpPr>
-      <p:grpSpPr>
-        <a:xfrm>
-          <a:off x="0" y="0"/>
-          <a:ext cx="0" cy="0"/>
-          <a:chOff x="0" y="0"/>
-          <a:chExt cx="0" cy="0"/>
-        </a:xfrm>
-      </p:grpSpPr>
-      <p:sp>
-        <p:nvSpPr>
-          <p:cNvPr id="238" name="Google Shape;238;p31"/>
-          <p:cNvSpPr txBox="1">
-            <a:spLocks noGrp="1"/>
-          </p:cNvSpPr>
-          <p:nvPr>
-            <p:ph type="title"/>
-          </p:nvPr>
-        </p:nvSpPr>
-        <p:spPr>
-          <a:xfrm>
-            <a:off x="729450" y="1318650"/>
-            <a:ext cx="7688700" cy="535200"/>
-          </a:xfrm>
-          <a:prstGeom prst="rect">
-            <a:avLst/>
-          </a:prstGeom>
-        </p:spPr>
-        <p:txBody>
-          <a:bodyPr spcFirstLastPara="1" wrap="square" lIns="91425" tIns="91425" rIns="91425" bIns="91425" anchor="t" anchorCtr="0">
-            <a:noAutofit/>
-          </a:bodyPr>
-          <a:lstStyle/>
-          <a:p>
-            <a:pPr marL="0" lvl="0" indent="0" algn="l" rtl="0">
-              <a:spcBef>
-                <a:spcPts val="0"/>
-              </a:spcBef>
-              <a:spcAft>
-                <a:spcPts val="0"/>
-              </a:spcAft>
-              <a:buNone/>
-            </a:pPr>
-            <a:r>
-              <a:rPr lang="en" sz="3000"/>
-              <a:t>What next?</a:t>
-            </a:r>
-            <a:endParaRPr sz="3000"/>
-          </a:p>
-        </p:txBody>
-      </p:sp>
-      <p:sp>
-        <p:nvSpPr>
-          <p:cNvPr id="239" name="Google Shape;239;p31"/>
-          <p:cNvSpPr txBox="1">
-            <a:spLocks noGrp="1"/>
-          </p:cNvSpPr>
-          <p:nvPr>
-            <p:ph type="body" idx="1"/>
-          </p:nvPr>
-        </p:nvSpPr>
-        <p:spPr>
-          <a:xfrm>
-            <a:off x="729450" y="2078875"/>
-            <a:ext cx="7688700" cy="2261100"/>
-          </a:xfrm>
-          <a:prstGeom prst="rect">
-            <a:avLst/>
-          </a:prstGeom>
-        </p:spPr>
-        <p:txBody>
-          <a:bodyPr spcFirstLastPara="1" wrap="square" lIns="91425" tIns="91425" rIns="91425" bIns="91425" anchor="t" anchorCtr="0">
-            <a:noAutofit/>
-          </a:bodyPr>
-          <a:lstStyle/>
-          <a:p>
-            <a:pPr marL="457200" lvl="0" indent="-311150" algn="l" rtl="0">
-              <a:spcBef>
-                <a:spcPts val="0"/>
-              </a:spcBef>
-              <a:spcAft>
-                <a:spcPts val="0"/>
-              </a:spcAft>
-              <a:buSzPts val="1300"/>
-              <a:buChar char="➔"/>
-            </a:pPr>
-            <a:r>
-              <a:rPr lang="en"/>
-              <a:t>Present the timeline.</a:t>
-            </a:r>
-            <a:endParaRPr/>
-          </a:p>
-          <a:p>
-            <a:pPr marL="457200" lvl="0" indent="-311150" algn="l" rtl="0">
-              <a:spcBef>
-                <a:spcPts val="1000"/>
-              </a:spcBef>
-              <a:spcAft>
-                <a:spcPts val="0"/>
-              </a:spcAft>
-              <a:buSzPts val="1300"/>
-              <a:buChar char="➔"/>
-            </a:pPr>
-            <a:r>
-              <a:rPr lang="en"/>
-              <a:t>Solicit comments on these slides or reviews on these wireframes in the Balsamiq add-on.</a:t>
-            </a:r>
-            <a:endParaRPr/>
-          </a:p>
-          <a:p>
-            <a:pPr marL="457200" lvl="0" indent="-311150" algn="l" rtl="0">
-              <a:spcBef>
-                <a:spcPts val="1000"/>
-              </a:spcBef>
-              <a:spcAft>
-                <a:spcPts val="1000"/>
-              </a:spcAft>
-              <a:buSzPts val="1300"/>
-              <a:buChar char="➔"/>
-            </a:pPr>
-            <a:r>
-              <a:rPr lang="en"/>
-              <a:t>User testing plan.</a:t>
-            </a:r>
-            <a:endParaRPr/>
-          </a:p>
-        </p:txBody>
-      </p:sp>
-    </p:spTree>
-  </p:cSld>
-  <p:clrMapOvr>
-    <a:masterClrMapping/>
-  </p:clrMapOvr>
-</p:sld>
-</file>
-
-<file path=ppt/slides/slide16.xml><?xml version="1.0" encoding="utf-8"?>
-<p:sld xmlns:a="http://schemas.openxmlformats.org/drawingml/2006/main" xmlns:r="http://schemas.openxmlformats.org/officeDocument/2006/relationships" xmlns:p="http://schemas.openxmlformats.org/presentationml/2006/main">
-  <p:cSld>
-    <p:spTree>
-      <p:nvGrpSpPr>
-        <p:cNvPr id="1" name="Shape 243"/>
-        <p:cNvGrpSpPr/>
-        <p:nvPr/>
-      </p:nvGrpSpPr>
-      <p:grpSpPr>
-        <a:xfrm>
-          <a:off x="0" y="0"/>
-          <a:ext cx="0" cy="0"/>
-          <a:chOff x="0" y="0"/>
-          <a:chExt cx="0" cy="0"/>
-        </a:xfrm>
-      </p:grpSpPr>
-      <p:cxnSp>
-        <p:nvCxnSpPr>
-          <p:cNvPr id="244" name="Google Shape;244;p32"/>
-          <p:cNvCxnSpPr/>
-          <p:nvPr/>
-        </p:nvCxnSpPr>
-        <p:spPr>
-          <a:xfrm>
-            <a:off x="4067669" y="3263604"/>
-            <a:ext cx="4650900" cy="0"/>
-          </a:xfrm>
-          <a:prstGeom prst="straightConnector1">
-            <a:avLst/>
-          </a:prstGeom>
-          <a:noFill/>
-          <a:ln w="38100" cap="flat" cmpd="sng">
-            <a:solidFill>
-              <a:srgbClr val="666666"/>
-            </a:solidFill>
-            <a:prstDash val="solid"/>
-            <a:round/>
-            <a:headEnd type="none" w="med" len="med"/>
-            <a:tailEnd type="none" w="med" len="med"/>
-          </a:ln>
-        </p:spPr>
-      </p:cxnSp>
-      <p:cxnSp>
-        <p:nvCxnSpPr>
-          <p:cNvPr id="245" name="Google Shape;245;p32"/>
-          <p:cNvCxnSpPr/>
-          <p:nvPr/>
-        </p:nvCxnSpPr>
-        <p:spPr>
-          <a:xfrm>
-            <a:off x="662650" y="3263604"/>
-            <a:ext cx="3218400" cy="0"/>
-          </a:xfrm>
-          <a:prstGeom prst="straightConnector1">
-            <a:avLst/>
-          </a:prstGeom>
-          <a:noFill/>
-          <a:ln w="38100" cap="flat" cmpd="sng">
-            <a:solidFill>
-              <a:srgbClr val="B7B7B7"/>
-            </a:solidFill>
-            <a:prstDash val="solid"/>
-            <a:round/>
-            <a:headEnd type="none" w="med" len="med"/>
-            <a:tailEnd type="none" w="med" len="med"/>
-          </a:ln>
-        </p:spPr>
-      </p:cxnSp>
-      <p:sp>
-        <p:nvSpPr>
-          <p:cNvPr id="246" name="Google Shape;246;p32"/>
-          <p:cNvSpPr txBox="1">
-            <a:spLocks noGrp="1"/>
-          </p:cNvSpPr>
-          <p:nvPr>
-            <p:ph type="title"/>
-          </p:nvPr>
-        </p:nvSpPr>
-        <p:spPr>
-          <a:xfrm>
-            <a:off x="729450" y="1318650"/>
-            <a:ext cx="7688700" cy="535200"/>
-          </a:xfrm>
-          <a:prstGeom prst="rect">
-            <a:avLst/>
-          </a:prstGeom>
-        </p:spPr>
-        <p:txBody>
-          <a:bodyPr spcFirstLastPara="1" wrap="square" lIns="91425" tIns="91425" rIns="91425" bIns="91425" anchor="t" anchorCtr="0">
-            <a:noAutofit/>
-          </a:bodyPr>
-          <a:lstStyle/>
-          <a:p>
-            <a:pPr marL="0" lvl="0" indent="0" algn="l" rtl="0">
-              <a:spcBef>
-                <a:spcPts val="0"/>
-              </a:spcBef>
-              <a:spcAft>
-                <a:spcPts val="0"/>
-              </a:spcAft>
-              <a:buNone/>
-            </a:pPr>
-            <a:r>
-              <a:rPr lang="en" sz="3000"/>
-              <a:t>Timeline</a:t>
-            </a:r>
-            <a:endParaRPr sz="3000"/>
-          </a:p>
-        </p:txBody>
-      </p:sp>
-      <p:grpSp>
-        <p:nvGrpSpPr>
-          <p:cNvPr id="247" name="Google Shape;247;p32"/>
-          <p:cNvGrpSpPr/>
-          <p:nvPr/>
-        </p:nvGrpSpPr>
-        <p:grpSpPr>
-          <a:xfrm>
-            <a:off x="5293201" y="2678680"/>
-            <a:ext cx="1040700" cy="1039104"/>
-            <a:chOff x="5293201" y="2678680"/>
-            <a:chExt cx="1040700" cy="1039104"/>
-          </a:xfrm>
-        </p:grpSpPr>
-        <p:sp>
-          <p:nvSpPr>
-            <p:cNvPr id="248" name="Google Shape;248;p32"/>
-            <p:cNvSpPr txBox="1"/>
-            <p:nvPr/>
-          </p:nvSpPr>
-          <p:spPr>
-            <a:xfrm>
-              <a:off x="5297801" y="2856485"/>
-              <a:ext cx="1029000" cy="861300"/>
-            </a:xfrm>
-            <a:prstGeom prst="rect">
-              <a:avLst/>
-            </a:prstGeom>
-            <a:solidFill>
-              <a:srgbClr val="F3F3F3"/>
-            </a:solidFill>
-            <a:ln w="9525" cap="flat" cmpd="sng">
-              <a:solidFill>
-                <a:schemeClr val="accent1"/>
-              </a:solidFill>
-              <a:prstDash val="dash"/>
-              <a:round/>
-              <a:headEnd type="none" w="sm" len="sm"/>
-              <a:tailEnd type="none" w="sm" len="sm"/>
-            </a:ln>
-          </p:spPr>
-          <p:txBody>
-            <a:bodyPr spcFirstLastPara="1" wrap="square" lIns="91425" tIns="91425" rIns="91425" bIns="91425" anchor="ctr" anchorCtr="0">
-              <a:noAutofit/>
-            </a:bodyPr>
-            <a:lstStyle/>
-            <a:p>
-              <a:pPr marL="0" lvl="0" indent="0" algn="ctr" rtl="0">
-                <a:spcBef>
-                  <a:spcPts val="0"/>
-                </a:spcBef>
-                <a:spcAft>
-                  <a:spcPts val="0"/>
-                </a:spcAft>
-                <a:buNone/>
-              </a:pPr>
-              <a:r>
-                <a:rPr lang="en" sz="900">
-                  <a:solidFill>
-                    <a:schemeClr val="accent1"/>
-                  </a:solidFill>
-                  <a:latin typeface="Lato"/>
-                  <a:ea typeface="Lato"/>
-                  <a:cs typeface="Lato"/>
-                  <a:sym typeface="Lato"/>
-                </a:rPr>
-                <a:t>Prototype</a:t>
-              </a:r>
-              <a:endParaRPr sz="900">
-                <a:solidFill>
-                  <a:schemeClr val="accent1"/>
-                </a:solidFill>
-                <a:latin typeface="Lato"/>
-                <a:ea typeface="Lato"/>
-                <a:cs typeface="Lato"/>
-                <a:sym typeface="Lato"/>
-              </a:endParaRPr>
-            </a:p>
-          </p:txBody>
-        </p:sp>
-        <p:sp>
-          <p:nvSpPr>
-            <p:cNvPr id="249" name="Google Shape;249;p32"/>
-            <p:cNvSpPr txBox="1"/>
-            <p:nvPr/>
-          </p:nvSpPr>
-          <p:spPr>
-            <a:xfrm>
-              <a:off x="5293201" y="2678680"/>
-              <a:ext cx="1040700" cy="164100"/>
-            </a:xfrm>
-            <a:prstGeom prst="rect">
-              <a:avLst/>
-            </a:prstGeom>
-            <a:solidFill>
-              <a:srgbClr val="666666"/>
-            </a:solidFill>
-            <a:ln>
-              <a:noFill/>
-            </a:ln>
-          </p:spPr>
-          <p:txBody>
-            <a:bodyPr spcFirstLastPara="1" wrap="square" lIns="91425" tIns="91425" rIns="91425" bIns="91425" anchor="ctr" anchorCtr="0">
-              <a:noAutofit/>
-            </a:bodyPr>
-            <a:lstStyle/>
-            <a:p>
-              <a:pPr marL="0" lvl="0" indent="0" algn="ctr" rtl="0">
-                <a:spcBef>
-                  <a:spcPts val="0"/>
-                </a:spcBef>
-                <a:spcAft>
-                  <a:spcPts val="0"/>
-                </a:spcAft>
-                <a:buNone/>
-              </a:pPr>
-              <a:r>
-                <a:rPr lang="en" sz="700">
-                  <a:solidFill>
-                    <a:srgbClr val="FFFFFF"/>
-                  </a:solidFill>
-                  <a:latin typeface="Raleway"/>
-                  <a:ea typeface="Raleway"/>
-                  <a:cs typeface="Raleway"/>
-                  <a:sym typeface="Raleway"/>
-                </a:rPr>
-                <a:t>SEPT</a:t>
-              </a:r>
-              <a:endParaRPr sz="700">
-                <a:solidFill>
-                  <a:srgbClr val="FFFFFF"/>
-                </a:solidFill>
-                <a:latin typeface="Raleway"/>
-                <a:ea typeface="Raleway"/>
-                <a:cs typeface="Raleway"/>
-                <a:sym typeface="Raleway"/>
-              </a:endParaRPr>
-            </a:p>
-          </p:txBody>
-        </p:sp>
-      </p:grpSp>
-      <p:grpSp>
-        <p:nvGrpSpPr>
-          <p:cNvPr id="250" name="Google Shape;250;p32"/>
-          <p:cNvGrpSpPr/>
-          <p:nvPr/>
-        </p:nvGrpSpPr>
-        <p:grpSpPr>
-          <a:xfrm>
-            <a:off x="6415277" y="2678680"/>
-            <a:ext cx="1029017" cy="1039006"/>
-            <a:chOff x="6415277" y="2678680"/>
-            <a:chExt cx="1029017" cy="1039006"/>
-          </a:xfrm>
-        </p:grpSpPr>
-        <p:sp>
-          <p:nvSpPr>
-            <p:cNvPr id="251" name="Google Shape;251;p32"/>
-            <p:cNvSpPr txBox="1"/>
-            <p:nvPr/>
-          </p:nvSpPr>
-          <p:spPr>
-            <a:xfrm>
-              <a:off x="6415277" y="2856387"/>
-              <a:ext cx="1029000" cy="861300"/>
-            </a:xfrm>
-            <a:prstGeom prst="rect">
-              <a:avLst/>
-            </a:prstGeom>
-            <a:solidFill>
-              <a:srgbClr val="666666"/>
-            </a:solidFill>
-            <a:ln>
-              <a:noFill/>
-            </a:ln>
-          </p:spPr>
-          <p:txBody>
-            <a:bodyPr spcFirstLastPara="1" wrap="square" lIns="91425" tIns="91425" rIns="91425" bIns="91425" anchor="ctr" anchorCtr="0">
-              <a:noAutofit/>
-            </a:bodyPr>
-            <a:lstStyle/>
-            <a:p>
-              <a:pPr marL="0" lvl="0" indent="0" algn="ctr" rtl="0">
-                <a:spcBef>
-                  <a:spcPts val="0"/>
-                </a:spcBef>
-                <a:spcAft>
-                  <a:spcPts val="0"/>
-                </a:spcAft>
-                <a:buNone/>
-              </a:pPr>
-              <a:r>
-                <a:rPr lang="en" sz="900">
-                  <a:solidFill>
-                    <a:srgbClr val="FFFFFF"/>
-                  </a:solidFill>
-                  <a:latin typeface="Lato"/>
-                  <a:ea typeface="Lato"/>
-                  <a:cs typeface="Lato"/>
-                  <a:sym typeface="Lato"/>
-                </a:rPr>
-                <a:t>User testing</a:t>
-              </a:r>
-              <a:endParaRPr sz="900">
-                <a:solidFill>
-                  <a:srgbClr val="FFFFFF"/>
-                </a:solidFill>
-                <a:latin typeface="Lato"/>
-                <a:ea typeface="Lato"/>
-                <a:cs typeface="Lato"/>
-                <a:sym typeface="Lato"/>
-              </a:endParaRPr>
-            </a:p>
-          </p:txBody>
-        </p:sp>
-        <p:sp>
-          <p:nvSpPr>
-            <p:cNvPr id="252" name="Google Shape;252;p32"/>
-            <p:cNvSpPr txBox="1"/>
-            <p:nvPr/>
-          </p:nvSpPr>
-          <p:spPr>
-            <a:xfrm>
-              <a:off x="6415294" y="2678680"/>
-              <a:ext cx="1029000" cy="164100"/>
-            </a:xfrm>
-            <a:prstGeom prst="rect">
-              <a:avLst/>
-            </a:prstGeom>
-            <a:solidFill>
-              <a:srgbClr val="666666"/>
-            </a:solidFill>
-            <a:ln>
-              <a:noFill/>
-            </a:ln>
-          </p:spPr>
-          <p:txBody>
-            <a:bodyPr spcFirstLastPara="1" wrap="square" lIns="91425" tIns="91425" rIns="91425" bIns="91425" anchor="ctr" anchorCtr="0">
-              <a:noAutofit/>
-            </a:bodyPr>
-            <a:lstStyle/>
-            <a:p>
-              <a:pPr marL="0" lvl="0" indent="0" algn="ctr" rtl="0">
-                <a:spcBef>
-                  <a:spcPts val="0"/>
-                </a:spcBef>
-                <a:spcAft>
-                  <a:spcPts val="0"/>
-                </a:spcAft>
-                <a:buNone/>
-              </a:pPr>
-              <a:r>
-                <a:rPr lang="en" sz="700">
-                  <a:solidFill>
-                    <a:srgbClr val="FFFFFF"/>
-                  </a:solidFill>
-                  <a:latin typeface="Raleway"/>
-                  <a:ea typeface="Raleway"/>
-                  <a:cs typeface="Raleway"/>
-                  <a:sym typeface="Raleway"/>
-                </a:rPr>
-                <a:t>OCT</a:t>
-              </a:r>
-              <a:endParaRPr sz="700">
-                <a:solidFill>
-                  <a:srgbClr val="FFFFFF"/>
-                </a:solidFill>
-                <a:latin typeface="Raleway"/>
-                <a:ea typeface="Raleway"/>
-                <a:cs typeface="Raleway"/>
-                <a:sym typeface="Raleway"/>
-              </a:endParaRPr>
-            </a:p>
-          </p:txBody>
-        </p:sp>
-      </p:grpSp>
-      <p:grpSp>
-        <p:nvGrpSpPr>
-          <p:cNvPr id="253" name="Google Shape;253;p32"/>
-          <p:cNvGrpSpPr/>
-          <p:nvPr/>
-        </p:nvGrpSpPr>
-        <p:grpSpPr>
-          <a:xfrm>
-            <a:off x="7532731" y="2678680"/>
-            <a:ext cx="1029011" cy="1039104"/>
-            <a:chOff x="7532731" y="2678680"/>
-            <a:chExt cx="1029011" cy="1039104"/>
-          </a:xfrm>
-        </p:grpSpPr>
-        <p:sp>
-          <p:nvSpPr>
-            <p:cNvPr id="254" name="Google Shape;254;p32"/>
-            <p:cNvSpPr txBox="1"/>
-            <p:nvPr/>
-          </p:nvSpPr>
-          <p:spPr>
-            <a:xfrm>
-              <a:off x="7532731" y="2856484"/>
-              <a:ext cx="1029000" cy="861300"/>
-            </a:xfrm>
-            <a:prstGeom prst="rect">
-              <a:avLst/>
-            </a:prstGeom>
-            <a:solidFill>
-              <a:srgbClr val="666666"/>
-            </a:solidFill>
-            <a:ln>
-              <a:noFill/>
-            </a:ln>
-          </p:spPr>
-          <p:txBody>
-            <a:bodyPr spcFirstLastPara="1" wrap="square" lIns="91425" tIns="91425" rIns="91425" bIns="91425" anchor="ctr" anchorCtr="0">
-              <a:noAutofit/>
-            </a:bodyPr>
-            <a:lstStyle/>
-            <a:p>
-              <a:pPr marL="0" lvl="0" indent="0" algn="ctr" rtl="0">
-                <a:spcBef>
-                  <a:spcPts val="0"/>
-                </a:spcBef>
-                <a:spcAft>
-                  <a:spcPts val="0"/>
-                </a:spcAft>
-                <a:buNone/>
-              </a:pPr>
-              <a:r>
-                <a:rPr lang="en" sz="900">
-                  <a:solidFill>
-                    <a:srgbClr val="FFFFFF"/>
-                  </a:solidFill>
-                  <a:latin typeface="Lato"/>
-                  <a:ea typeface="Lato"/>
-                  <a:cs typeface="Lato"/>
-                  <a:sym typeface="Lato"/>
-                </a:rPr>
-                <a:t>Dev hand-off</a:t>
-              </a:r>
-              <a:endParaRPr sz="900">
-                <a:solidFill>
-                  <a:srgbClr val="FFFFFF"/>
-                </a:solidFill>
-                <a:latin typeface="Lato"/>
-                <a:ea typeface="Lato"/>
-                <a:cs typeface="Lato"/>
-                <a:sym typeface="Lato"/>
-              </a:endParaRPr>
-            </a:p>
-          </p:txBody>
-        </p:sp>
-        <p:sp>
-          <p:nvSpPr>
-            <p:cNvPr id="255" name="Google Shape;255;p32"/>
-            <p:cNvSpPr txBox="1"/>
-            <p:nvPr/>
-          </p:nvSpPr>
-          <p:spPr>
-            <a:xfrm>
-              <a:off x="7532742" y="2678680"/>
-              <a:ext cx="1029000" cy="164100"/>
-            </a:xfrm>
-            <a:prstGeom prst="rect">
-              <a:avLst/>
-            </a:prstGeom>
-            <a:solidFill>
-              <a:srgbClr val="666666"/>
-            </a:solidFill>
-            <a:ln>
-              <a:noFill/>
-            </a:ln>
-          </p:spPr>
-          <p:txBody>
-            <a:bodyPr spcFirstLastPara="1" wrap="square" lIns="91425" tIns="91425" rIns="91425" bIns="91425" anchor="ctr" anchorCtr="0">
-              <a:noAutofit/>
-            </a:bodyPr>
-            <a:lstStyle/>
-            <a:p>
-              <a:pPr marL="0" lvl="0" indent="0" algn="ctr" rtl="0">
-                <a:spcBef>
-                  <a:spcPts val="0"/>
-                </a:spcBef>
-                <a:spcAft>
-                  <a:spcPts val="0"/>
-                </a:spcAft>
-                <a:buNone/>
-              </a:pPr>
-              <a:r>
-                <a:rPr lang="en" sz="700">
-                  <a:solidFill>
-                    <a:srgbClr val="FFFFFF"/>
-                  </a:solidFill>
-                  <a:latin typeface="Raleway"/>
-                  <a:ea typeface="Raleway"/>
-                  <a:cs typeface="Raleway"/>
-                  <a:sym typeface="Raleway"/>
-                </a:rPr>
-                <a:t>NOV</a:t>
-              </a:r>
-              <a:endParaRPr sz="700">
-                <a:solidFill>
-                  <a:srgbClr val="FFFFFF"/>
-                </a:solidFill>
-                <a:latin typeface="Raleway"/>
-                <a:ea typeface="Raleway"/>
-                <a:cs typeface="Raleway"/>
-                <a:sym typeface="Raleway"/>
-              </a:endParaRPr>
-            </a:p>
-          </p:txBody>
-        </p:sp>
-      </p:grpSp>
-      <p:grpSp>
-        <p:nvGrpSpPr>
-          <p:cNvPr id="256" name="Google Shape;256;p32"/>
-          <p:cNvGrpSpPr/>
-          <p:nvPr/>
-        </p:nvGrpSpPr>
-        <p:grpSpPr>
-          <a:xfrm>
-            <a:off x="4180373" y="2678680"/>
-            <a:ext cx="1029024" cy="1039007"/>
-            <a:chOff x="4180373" y="2678680"/>
-            <a:chExt cx="1029024" cy="1039007"/>
-          </a:xfrm>
-        </p:grpSpPr>
-        <p:sp>
-          <p:nvSpPr>
-            <p:cNvPr id="257" name="Google Shape;257;p32"/>
-            <p:cNvSpPr txBox="1"/>
-            <p:nvPr/>
-          </p:nvSpPr>
-          <p:spPr>
-            <a:xfrm>
-              <a:off x="4180373" y="2856387"/>
-              <a:ext cx="1029000" cy="861300"/>
-            </a:xfrm>
-            <a:prstGeom prst="rect">
-              <a:avLst/>
-            </a:prstGeom>
-            <a:solidFill>
-              <a:srgbClr val="666666"/>
-            </a:solidFill>
-            <a:ln>
-              <a:noFill/>
-            </a:ln>
-          </p:spPr>
-          <p:txBody>
-            <a:bodyPr spcFirstLastPara="1" wrap="square" lIns="91425" tIns="91425" rIns="91425" bIns="91425" anchor="ctr" anchorCtr="0">
-              <a:noAutofit/>
-            </a:bodyPr>
-            <a:lstStyle/>
-            <a:p>
-              <a:pPr marL="0" lvl="0" indent="0" algn="ctr" rtl="0">
-                <a:spcBef>
-                  <a:spcPts val="0"/>
-                </a:spcBef>
-                <a:spcAft>
-                  <a:spcPts val="0"/>
-                </a:spcAft>
-                <a:buNone/>
-              </a:pPr>
-              <a:r>
-                <a:rPr lang="en" sz="900">
-                  <a:solidFill>
-                    <a:srgbClr val="FFFFFF"/>
-                  </a:solidFill>
-                  <a:latin typeface="Lato"/>
-                  <a:ea typeface="Lato"/>
-                  <a:cs typeface="Lato"/>
-                  <a:sym typeface="Lato"/>
-                </a:rPr>
-                <a:t>Review</a:t>
-              </a:r>
-              <a:endParaRPr sz="900">
-                <a:solidFill>
-                  <a:srgbClr val="FFFFFF"/>
-                </a:solidFill>
-                <a:latin typeface="Lato"/>
-                <a:ea typeface="Lato"/>
-                <a:cs typeface="Lato"/>
-                <a:sym typeface="Lato"/>
-              </a:endParaRPr>
-            </a:p>
-          </p:txBody>
-        </p:sp>
-        <p:sp>
-          <p:nvSpPr>
-            <p:cNvPr id="258" name="Google Shape;258;p32"/>
-            <p:cNvSpPr txBox="1"/>
-            <p:nvPr/>
-          </p:nvSpPr>
-          <p:spPr>
-            <a:xfrm>
-              <a:off x="4180397" y="2678680"/>
-              <a:ext cx="1029000" cy="164100"/>
-            </a:xfrm>
-            <a:prstGeom prst="rect">
-              <a:avLst/>
-            </a:prstGeom>
-            <a:solidFill>
-              <a:srgbClr val="666666"/>
-            </a:solidFill>
-            <a:ln>
-              <a:noFill/>
-            </a:ln>
-          </p:spPr>
-          <p:txBody>
-            <a:bodyPr spcFirstLastPara="1" wrap="square" lIns="91425" tIns="91425" rIns="91425" bIns="91425" anchor="ctr" anchorCtr="0">
-              <a:noAutofit/>
-            </a:bodyPr>
-            <a:lstStyle/>
-            <a:p>
-              <a:pPr marL="0" lvl="0" indent="0" algn="ctr" rtl="0">
-                <a:spcBef>
-                  <a:spcPts val="0"/>
-                </a:spcBef>
-                <a:spcAft>
-                  <a:spcPts val="0"/>
-                </a:spcAft>
-                <a:buNone/>
-              </a:pPr>
-              <a:r>
-                <a:rPr lang="en" sz="700">
-                  <a:solidFill>
-                    <a:srgbClr val="FFFFFF"/>
-                  </a:solidFill>
-                  <a:latin typeface="Raleway"/>
-                  <a:ea typeface="Raleway"/>
-                  <a:cs typeface="Raleway"/>
-                  <a:sym typeface="Raleway"/>
-                </a:rPr>
-                <a:t>AUG</a:t>
-              </a:r>
-              <a:endParaRPr sz="700">
-                <a:solidFill>
-                  <a:srgbClr val="FFFFFF"/>
-                </a:solidFill>
-                <a:latin typeface="Raleway"/>
-                <a:ea typeface="Raleway"/>
-                <a:cs typeface="Raleway"/>
-                <a:sym typeface="Raleway"/>
-              </a:endParaRPr>
-            </a:p>
-          </p:txBody>
-        </p:sp>
-      </p:grpSp>
-      <p:grpSp>
-        <p:nvGrpSpPr>
-          <p:cNvPr id="259" name="Google Shape;259;p32"/>
-          <p:cNvGrpSpPr/>
-          <p:nvPr/>
-        </p:nvGrpSpPr>
-        <p:grpSpPr>
-          <a:xfrm>
-            <a:off x="3062921" y="2678680"/>
-            <a:ext cx="1029028" cy="1039008"/>
-            <a:chOff x="3062921" y="2678680"/>
-            <a:chExt cx="1029028" cy="1039008"/>
-          </a:xfrm>
-        </p:grpSpPr>
-        <p:sp>
-          <p:nvSpPr>
-            <p:cNvPr id="260" name="Google Shape;260;p32"/>
-            <p:cNvSpPr txBox="1"/>
-            <p:nvPr/>
-          </p:nvSpPr>
-          <p:spPr>
-            <a:xfrm>
-              <a:off x="3062921" y="2856388"/>
-              <a:ext cx="1029000" cy="861300"/>
-            </a:xfrm>
-            <a:prstGeom prst="rect">
-              <a:avLst/>
-            </a:prstGeom>
-            <a:solidFill>
-              <a:schemeClr val="dk1"/>
-            </a:solidFill>
-            <a:ln>
-              <a:noFill/>
-            </a:ln>
-          </p:spPr>
-          <p:txBody>
-            <a:bodyPr spcFirstLastPara="1" wrap="square" lIns="91425" tIns="91425" rIns="91425" bIns="91425" anchor="ctr" anchorCtr="0">
-              <a:noAutofit/>
-            </a:bodyPr>
-            <a:lstStyle/>
-            <a:p>
-              <a:pPr marL="0" lvl="0" indent="0" algn="ctr" rtl="0">
-                <a:spcBef>
-                  <a:spcPts val="0"/>
-                </a:spcBef>
-                <a:spcAft>
-                  <a:spcPts val="0"/>
-                </a:spcAft>
-                <a:buNone/>
-              </a:pPr>
-              <a:r>
-                <a:rPr lang="en" sz="900">
-                  <a:solidFill>
-                    <a:srgbClr val="FFFFFF"/>
-                  </a:solidFill>
-                  <a:latin typeface="Lato"/>
-                  <a:ea typeface="Lato"/>
-                  <a:cs typeface="Lato"/>
-                  <a:sym typeface="Lato"/>
-                </a:rPr>
-                <a:t>Wireframes</a:t>
-              </a:r>
-              <a:endParaRPr sz="900">
-                <a:solidFill>
-                  <a:srgbClr val="FFFFFF"/>
-                </a:solidFill>
-                <a:latin typeface="Lato"/>
-                <a:ea typeface="Lato"/>
-                <a:cs typeface="Lato"/>
-                <a:sym typeface="Lato"/>
-              </a:endParaRPr>
-            </a:p>
-          </p:txBody>
-        </p:sp>
-        <p:sp>
-          <p:nvSpPr>
-            <p:cNvPr id="261" name="Google Shape;261;p32"/>
-            <p:cNvSpPr txBox="1"/>
-            <p:nvPr/>
-          </p:nvSpPr>
-          <p:spPr>
-            <a:xfrm>
-              <a:off x="3062949" y="2678680"/>
-              <a:ext cx="1029000" cy="164100"/>
-            </a:xfrm>
-            <a:prstGeom prst="rect">
-              <a:avLst/>
-            </a:prstGeom>
-            <a:solidFill>
-              <a:schemeClr val="dk1"/>
-            </a:solidFill>
-            <a:ln>
-              <a:noFill/>
-            </a:ln>
-          </p:spPr>
-          <p:txBody>
-            <a:bodyPr spcFirstLastPara="1" wrap="square" lIns="91425" tIns="91425" rIns="91425" bIns="91425" anchor="ctr" anchorCtr="0">
-              <a:noAutofit/>
-            </a:bodyPr>
-            <a:lstStyle/>
-            <a:p>
-              <a:pPr marL="0" lvl="0" indent="0" algn="ctr" rtl="0">
-                <a:spcBef>
-                  <a:spcPts val="0"/>
-                </a:spcBef>
-                <a:spcAft>
-                  <a:spcPts val="0"/>
-                </a:spcAft>
-                <a:buNone/>
-              </a:pPr>
-              <a:r>
-                <a:rPr lang="en" sz="700">
-                  <a:solidFill>
-                    <a:srgbClr val="FFFFFF"/>
-                  </a:solidFill>
-                  <a:latin typeface="Raleway"/>
-                  <a:ea typeface="Raleway"/>
-                  <a:cs typeface="Raleway"/>
-                  <a:sym typeface="Raleway"/>
-                </a:rPr>
-                <a:t>TODAY</a:t>
-              </a:r>
-              <a:endParaRPr sz="700">
-                <a:solidFill>
-                  <a:srgbClr val="FFFFFF"/>
-                </a:solidFill>
-                <a:latin typeface="Raleway"/>
-                <a:ea typeface="Raleway"/>
-                <a:cs typeface="Raleway"/>
-                <a:sym typeface="Raleway"/>
-              </a:endParaRPr>
-            </a:p>
-          </p:txBody>
-        </p:sp>
-      </p:grpSp>
-      <p:grpSp>
-        <p:nvGrpSpPr>
-          <p:cNvPr id="262" name="Google Shape;262;p32"/>
-          <p:cNvGrpSpPr/>
-          <p:nvPr/>
-        </p:nvGrpSpPr>
-        <p:grpSpPr>
-          <a:xfrm>
-            <a:off x="1945500" y="2678680"/>
-            <a:ext cx="1029000" cy="1038995"/>
-            <a:chOff x="1945500" y="2678680"/>
-            <a:chExt cx="1029000" cy="1038995"/>
-          </a:xfrm>
-        </p:grpSpPr>
-        <p:sp>
-          <p:nvSpPr>
-            <p:cNvPr id="263" name="Google Shape;263;p32"/>
-            <p:cNvSpPr txBox="1"/>
-            <p:nvPr/>
-          </p:nvSpPr>
-          <p:spPr>
-            <a:xfrm>
-              <a:off x="1945500" y="2856375"/>
-              <a:ext cx="1029000" cy="861300"/>
-            </a:xfrm>
-            <a:prstGeom prst="rect">
-              <a:avLst/>
-            </a:prstGeom>
-            <a:solidFill>
-              <a:srgbClr val="B7B7B7"/>
-            </a:solidFill>
-            <a:ln>
-              <a:noFill/>
-            </a:ln>
-          </p:spPr>
-          <p:txBody>
-            <a:bodyPr spcFirstLastPara="1" wrap="square" lIns="91425" tIns="91425" rIns="91425" bIns="91425" anchor="ctr" anchorCtr="0">
-              <a:noAutofit/>
-            </a:bodyPr>
-            <a:lstStyle/>
-            <a:p>
-              <a:pPr marL="0" lvl="0" indent="0" algn="ctr" rtl="0">
-                <a:spcBef>
-                  <a:spcPts val="0"/>
-                </a:spcBef>
-                <a:spcAft>
-                  <a:spcPts val="0"/>
-                </a:spcAft>
-                <a:buNone/>
-              </a:pPr>
-              <a:r>
-                <a:rPr lang="en" sz="900">
-                  <a:solidFill>
-                    <a:srgbClr val="FFFFFF"/>
-                  </a:solidFill>
-                  <a:latin typeface="Lato"/>
-                  <a:ea typeface="Lato"/>
-                  <a:cs typeface="Lato"/>
-                  <a:sym typeface="Lato"/>
-                </a:rPr>
-                <a:t>User research</a:t>
-              </a:r>
-              <a:endParaRPr sz="900">
-                <a:solidFill>
-                  <a:srgbClr val="FFFFFF"/>
-                </a:solidFill>
-                <a:latin typeface="Lato"/>
-                <a:ea typeface="Lato"/>
-                <a:cs typeface="Lato"/>
-                <a:sym typeface="Lato"/>
-              </a:endParaRPr>
-            </a:p>
-          </p:txBody>
-        </p:sp>
-        <p:sp>
-          <p:nvSpPr>
-            <p:cNvPr id="264" name="Google Shape;264;p32"/>
-            <p:cNvSpPr txBox="1"/>
-            <p:nvPr/>
-          </p:nvSpPr>
-          <p:spPr>
-            <a:xfrm>
-              <a:off x="1945500" y="2678680"/>
-              <a:ext cx="1029000" cy="164100"/>
-            </a:xfrm>
-            <a:prstGeom prst="rect">
-              <a:avLst/>
-            </a:prstGeom>
-            <a:solidFill>
-              <a:srgbClr val="B7B7B7"/>
-            </a:solidFill>
-            <a:ln>
-              <a:noFill/>
-            </a:ln>
-          </p:spPr>
-          <p:txBody>
-            <a:bodyPr spcFirstLastPara="1" wrap="square" lIns="91425" tIns="91425" rIns="91425" bIns="91425" anchor="ctr" anchorCtr="0">
-              <a:noAutofit/>
-            </a:bodyPr>
-            <a:lstStyle/>
-            <a:p>
-              <a:pPr marL="0" lvl="0" indent="0" algn="ctr" rtl="0">
-                <a:spcBef>
-                  <a:spcPts val="0"/>
-                </a:spcBef>
-                <a:spcAft>
-                  <a:spcPts val="0"/>
-                </a:spcAft>
-                <a:buNone/>
-              </a:pPr>
-              <a:r>
-                <a:rPr lang="en" sz="700">
-                  <a:solidFill>
-                    <a:srgbClr val="FFFFFF"/>
-                  </a:solidFill>
-                  <a:latin typeface="Raleway"/>
-                  <a:ea typeface="Raleway"/>
-                  <a:cs typeface="Raleway"/>
-                  <a:sym typeface="Raleway"/>
-                </a:rPr>
-                <a:t>JUN</a:t>
-              </a:r>
-              <a:endParaRPr sz="700">
-                <a:solidFill>
-                  <a:srgbClr val="FFFFFF"/>
-                </a:solidFill>
-                <a:latin typeface="Raleway"/>
-                <a:ea typeface="Raleway"/>
-                <a:cs typeface="Raleway"/>
-                <a:sym typeface="Raleway"/>
-              </a:endParaRPr>
-            </a:p>
-          </p:txBody>
-        </p:sp>
-      </p:grpSp>
-      <p:grpSp>
-        <p:nvGrpSpPr>
-          <p:cNvPr id="265" name="Google Shape;265;p32"/>
-          <p:cNvGrpSpPr/>
-          <p:nvPr/>
-        </p:nvGrpSpPr>
-        <p:grpSpPr>
-          <a:xfrm>
-            <a:off x="828040" y="2678680"/>
-            <a:ext cx="1029012" cy="1039104"/>
-            <a:chOff x="828040" y="2678680"/>
-            <a:chExt cx="1029012" cy="1039104"/>
-          </a:xfrm>
-        </p:grpSpPr>
-        <p:sp>
-          <p:nvSpPr>
-            <p:cNvPr id="266" name="Google Shape;266;p32"/>
-            <p:cNvSpPr txBox="1"/>
-            <p:nvPr/>
-          </p:nvSpPr>
-          <p:spPr>
-            <a:xfrm>
-              <a:off x="828040" y="2856484"/>
-              <a:ext cx="1029000" cy="861300"/>
-            </a:xfrm>
-            <a:prstGeom prst="rect">
-              <a:avLst/>
-            </a:prstGeom>
-            <a:solidFill>
-              <a:srgbClr val="B7B7B7"/>
-            </a:solidFill>
-            <a:ln>
-              <a:noFill/>
-            </a:ln>
-          </p:spPr>
-          <p:txBody>
-            <a:bodyPr spcFirstLastPara="1" wrap="square" lIns="91425" tIns="91425" rIns="91425" bIns="91425" anchor="ctr" anchorCtr="0">
-              <a:noAutofit/>
-            </a:bodyPr>
-            <a:lstStyle/>
-            <a:p>
-              <a:pPr marL="0" lvl="0" indent="0" algn="ctr" rtl="0">
-                <a:spcBef>
-                  <a:spcPts val="0"/>
-                </a:spcBef>
-                <a:spcAft>
-                  <a:spcPts val="0"/>
-                </a:spcAft>
-                <a:buNone/>
-              </a:pPr>
-              <a:r>
-                <a:rPr lang="en" sz="900">
-                  <a:solidFill>
-                    <a:srgbClr val="FFFFFF"/>
-                  </a:solidFill>
-                  <a:latin typeface="Lato"/>
-                  <a:ea typeface="Lato"/>
-                  <a:cs typeface="Lato"/>
-                  <a:sym typeface="Lato"/>
-                </a:rPr>
-                <a:t>Requirements gathering</a:t>
-              </a:r>
-              <a:endParaRPr sz="900">
-                <a:solidFill>
-                  <a:srgbClr val="FFFFFF"/>
-                </a:solidFill>
-                <a:latin typeface="Lato"/>
-                <a:ea typeface="Lato"/>
-                <a:cs typeface="Lato"/>
-                <a:sym typeface="Lato"/>
-              </a:endParaRPr>
-            </a:p>
-          </p:txBody>
-        </p:sp>
-        <p:sp>
-          <p:nvSpPr>
-            <p:cNvPr id="267" name="Google Shape;267;p32"/>
-            <p:cNvSpPr txBox="1"/>
-            <p:nvPr/>
-          </p:nvSpPr>
-          <p:spPr>
-            <a:xfrm>
-              <a:off x="828052" y="2678680"/>
-              <a:ext cx="1029000" cy="164100"/>
-            </a:xfrm>
-            <a:prstGeom prst="rect">
-              <a:avLst/>
-            </a:prstGeom>
-            <a:solidFill>
-              <a:srgbClr val="B7B7B7"/>
-            </a:solidFill>
-            <a:ln>
-              <a:noFill/>
-            </a:ln>
-          </p:spPr>
-          <p:txBody>
-            <a:bodyPr spcFirstLastPara="1" wrap="square" lIns="91425" tIns="91425" rIns="91425" bIns="91425" anchor="ctr" anchorCtr="0">
-              <a:noAutofit/>
-            </a:bodyPr>
-            <a:lstStyle/>
-            <a:p>
-              <a:pPr marL="0" lvl="0" indent="0" algn="ctr" rtl="0">
-                <a:spcBef>
-                  <a:spcPts val="0"/>
-                </a:spcBef>
-                <a:spcAft>
-                  <a:spcPts val="0"/>
-                </a:spcAft>
-                <a:buNone/>
-              </a:pPr>
-              <a:r>
-                <a:rPr lang="en" sz="700">
-                  <a:solidFill>
-                    <a:srgbClr val="FFFFFF"/>
-                  </a:solidFill>
-                  <a:latin typeface="Raleway"/>
-                  <a:ea typeface="Raleway"/>
-                  <a:cs typeface="Raleway"/>
-                  <a:sym typeface="Raleway"/>
-                </a:rPr>
-                <a:t>MAY</a:t>
-              </a:r>
-              <a:endParaRPr sz="700">
-                <a:solidFill>
-                  <a:srgbClr val="FFFFFF"/>
-                </a:solidFill>
-                <a:latin typeface="Raleway"/>
-                <a:ea typeface="Raleway"/>
-                <a:cs typeface="Raleway"/>
-                <a:sym typeface="Raleway"/>
-              </a:endParaRPr>
-            </a:p>
-          </p:txBody>
-        </p:sp>
-      </p:grpSp>
-      <p:grpSp>
-        <p:nvGrpSpPr>
-          <p:cNvPr id="268" name="Google Shape;268;p32"/>
-          <p:cNvGrpSpPr/>
-          <p:nvPr/>
-        </p:nvGrpSpPr>
-        <p:grpSpPr>
-          <a:xfrm>
-            <a:off x="3062590" y="2041983"/>
-            <a:ext cx="1368114" cy="1312853"/>
-            <a:chOff x="3588475" y="2010171"/>
-            <a:chExt cx="1318664" cy="1265400"/>
-          </a:xfrm>
-        </p:grpSpPr>
-        <p:sp>
-          <p:nvSpPr>
-            <p:cNvPr id="269" name="Google Shape;269;p32"/>
-            <p:cNvSpPr/>
-            <p:nvPr/>
-          </p:nvSpPr>
-          <p:spPr>
-            <a:xfrm>
-              <a:off x="3588475" y="2010171"/>
-              <a:ext cx="1265400" cy="1265400"/>
-            </a:xfrm>
-            <a:prstGeom prst="blockArc">
-              <a:avLst>
-                <a:gd name="adj1" fmla="val 10800000"/>
-                <a:gd name="adj2" fmla="val 21145742"/>
-                <a:gd name="adj3" fmla="val 4708"/>
-              </a:avLst>
-            </a:prstGeom>
-            <a:solidFill>
-              <a:schemeClr val="dk1"/>
-            </a:solidFill>
-            <a:ln>
-              <a:noFill/>
-            </a:ln>
-          </p:spPr>
-          <p:txBody>
-            <a:bodyPr spcFirstLastPara="1" wrap="square" lIns="91425" tIns="91425" rIns="91425" bIns="91425" anchor="ctr" anchorCtr="0">
-              <a:noAutofit/>
-            </a:bodyPr>
-            <a:lstStyle/>
-            <a:p>
-              <a:pPr marL="0" lvl="0" indent="0" algn="l" rtl="0">
-                <a:spcBef>
-                  <a:spcPts val="0"/>
-                </a:spcBef>
-                <a:spcAft>
-                  <a:spcPts val="0"/>
-                </a:spcAft>
-                <a:buNone/>
-              </a:pPr>
-              <a:endParaRPr/>
-            </a:p>
-          </p:txBody>
-        </p:sp>
-        <p:sp>
-          <p:nvSpPr>
-            <p:cNvPr id="270" name="Google Shape;270;p32"/>
-            <p:cNvSpPr/>
-            <p:nvPr/>
-          </p:nvSpPr>
-          <p:spPr>
-            <a:xfrm rot="10264840">
-              <a:off x="4745726" y="2501027"/>
-              <a:ext cx="150925" cy="143128"/>
-            </a:xfrm>
-            <a:prstGeom prst="triangle">
-              <a:avLst>
-                <a:gd name="adj" fmla="val 50000"/>
-              </a:avLst>
-            </a:prstGeom>
-            <a:solidFill>
-              <a:schemeClr val="dk1"/>
-            </a:solidFill>
-            <a:ln>
-              <a:noFill/>
-            </a:ln>
-          </p:spPr>
-          <p:txBody>
-            <a:bodyPr spcFirstLastPara="1" wrap="square" lIns="91425" tIns="91425" rIns="91425" bIns="91425" anchor="ctr" anchorCtr="0">
-              <a:noAutofit/>
-            </a:bodyPr>
-            <a:lstStyle/>
-            <a:p>
-              <a:pPr marL="0" lvl="0" indent="0" algn="l" rtl="0">
-                <a:spcBef>
-                  <a:spcPts val="0"/>
-                </a:spcBef>
-                <a:spcAft>
-                  <a:spcPts val="0"/>
-                </a:spcAft>
-                <a:buNone/>
-              </a:pPr>
-              <a:endParaRPr/>
-            </a:p>
-          </p:txBody>
-        </p:sp>
-      </p:grpSp>
-      <p:grpSp>
-        <p:nvGrpSpPr>
-          <p:cNvPr id="271" name="Google Shape;271;p32"/>
-          <p:cNvGrpSpPr/>
-          <p:nvPr/>
-        </p:nvGrpSpPr>
-        <p:grpSpPr>
-          <a:xfrm rot="10800000">
-            <a:off x="3841288" y="3035640"/>
-            <a:ext cx="1368114" cy="1312853"/>
-            <a:chOff x="3588475" y="2010171"/>
-            <a:chExt cx="1318664" cy="1265400"/>
-          </a:xfrm>
-        </p:grpSpPr>
-        <p:sp>
-          <p:nvSpPr>
-            <p:cNvPr id="272" name="Google Shape;272;p32"/>
-            <p:cNvSpPr/>
-            <p:nvPr/>
-          </p:nvSpPr>
-          <p:spPr>
-            <a:xfrm>
-              <a:off x="3588475" y="2010171"/>
-              <a:ext cx="1265400" cy="1265400"/>
-            </a:xfrm>
-            <a:prstGeom prst="blockArc">
-              <a:avLst>
-                <a:gd name="adj1" fmla="val 10800000"/>
-                <a:gd name="adj2" fmla="val 21145742"/>
-                <a:gd name="adj3" fmla="val 4708"/>
-              </a:avLst>
-            </a:prstGeom>
-            <a:solidFill>
-              <a:srgbClr val="666666"/>
-            </a:solidFill>
-            <a:ln>
-              <a:noFill/>
-            </a:ln>
-          </p:spPr>
-          <p:txBody>
-            <a:bodyPr spcFirstLastPara="1" wrap="square" lIns="91425" tIns="91425" rIns="91425" bIns="91425" anchor="ctr" anchorCtr="0">
-              <a:noAutofit/>
-            </a:bodyPr>
-            <a:lstStyle/>
-            <a:p>
-              <a:pPr marL="0" lvl="0" indent="0" algn="l" rtl="0">
-                <a:spcBef>
-                  <a:spcPts val="0"/>
-                </a:spcBef>
-                <a:spcAft>
-                  <a:spcPts val="0"/>
-                </a:spcAft>
-                <a:buNone/>
-              </a:pPr>
-              <a:endParaRPr/>
-            </a:p>
-          </p:txBody>
-        </p:sp>
-        <p:sp>
-          <p:nvSpPr>
-            <p:cNvPr id="273" name="Google Shape;273;p32"/>
-            <p:cNvSpPr/>
-            <p:nvPr/>
-          </p:nvSpPr>
-          <p:spPr>
-            <a:xfrm rot="10264840">
-              <a:off x="4745726" y="2501027"/>
-              <a:ext cx="150925" cy="143128"/>
-            </a:xfrm>
-            <a:prstGeom prst="triangle">
-              <a:avLst>
-                <a:gd name="adj" fmla="val 50000"/>
-              </a:avLst>
-            </a:prstGeom>
-            <a:solidFill>
-              <a:srgbClr val="666666"/>
-            </a:solidFill>
-            <a:ln>
-              <a:noFill/>
-            </a:ln>
-          </p:spPr>
-          <p:txBody>
-            <a:bodyPr spcFirstLastPara="1" wrap="square" lIns="91425" tIns="91425" rIns="91425" bIns="91425" anchor="ctr" anchorCtr="0">
-              <a:noAutofit/>
-            </a:bodyPr>
-            <a:lstStyle/>
-            <a:p>
-              <a:pPr marL="0" lvl="0" indent="0" algn="l" rtl="0">
-                <a:spcBef>
-                  <a:spcPts val="0"/>
-                </a:spcBef>
-                <a:spcAft>
-                  <a:spcPts val="0"/>
-                </a:spcAft>
-                <a:buNone/>
-              </a:pPr>
-              <a:endParaRPr/>
-            </a:p>
-          </p:txBody>
-        </p:sp>
-      </p:grpSp>
-    </p:spTree>
-  </p:cSld>
-  <p:clrMapOvr>
-    <a:masterClrMapping/>
-  </p:clrMapOvr>
-</p:sld>
-</file>
-
-<file path=ppt/slides/slide17.xml><?xml version="1.0" encoding="utf-8"?>
-<p:sld xmlns:a="http://schemas.openxmlformats.org/drawingml/2006/main" xmlns:r="http://schemas.openxmlformats.org/officeDocument/2006/relationships" xmlns:p="http://schemas.openxmlformats.org/presentationml/2006/main">
-  <p:cSld>
-    <p:spTree>
-      <p:nvGrpSpPr>
-        <p:cNvPr id="1" name="Shape 277"/>
-        <p:cNvGrpSpPr/>
-        <p:nvPr/>
-      </p:nvGrpSpPr>
-      <p:grpSpPr>
-        <a:xfrm>
-          <a:off x="0" y="0"/>
-          <a:ext cx="0" cy="0"/>
-          <a:chOff x="0" y="0"/>
-          <a:chExt cx="0" cy="0"/>
-        </a:xfrm>
-      </p:grpSpPr>
-      <p:sp>
-        <p:nvSpPr>
-          <p:cNvPr id="278" name="Google Shape;278;p33"/>
+          <p:cNvPr id="200" name="Google Shape;200;p27"/>
           <p:cNvSpPr txBox="1">
             <a:spLocks noGrp="1"/>
           </p:cNvSpPr>
@@ -14814,178 +12045,10 @@
               <a:buNone/>
             </a:pPr>
             <a:r>
-              <a:rPr lang="en"/>
+              <a:rPr lang="en" sz="4000"/>
               <a:t>Questions?</a:t>
             </a:r>
-            <a:endParaRPr/>
-          </a:p>
-        </p:txBody>
-      </p:sp>
-    </p:spTree>
-  </p:cSld>
-  <p:clrMapOvr>
-    <a:masterClrMapping/>
-  </p:clrMapOvr>
-</p:sld>
-</file>
-
-<file path=ppt/slides/slide18.xml><?xml version="1.0" encoding="utf-8"?>
-<p:sld xmlns:a="http://schemas.openxmlformats.org/drawingml/2006/main" xmlns:r="http://schemas.openxmlformats.org/officeDocument/2006/relationships" xmlns:p="http://schemas.openxmlformats.org/presentationml/2006/main">
-  <p:cSld>
-    <p:spTree>
-      <p:nvGrpSpPr>
-        <p:cNvPr id="1" name="Shape 282"/>
-        <p:cNvGrpSpPr/>
-        <p:nvPr/>
-      </p:nvGrpSpPr>
-      <p:grpSpPr>
-        <a:xfrm>
-          <a:off x="0" y="0"/>
-          <a:ext cx="0" cy="0"/>
-          <a:chOff x="0" y="0"/>
-          <a:chExt cx="0" cy="0"/>
-        </a:xfrm>
-      </p:grpSpPr>
-      <p:sp>
-        <p:nvSpPr>
-          <p:cNvPr id="283" name="Google Shape;283;p34"/>
-          <p:cNvSpPr txBox="1">
-            <a:spLocks noGrp="1"/>
-          </p:cNvSpPr>
-          <p:nvPr>
-            <p:ph type="title"/>
-          </p:nvPr>
-        </p:nvSpPr>
-        <p:spPr>
-          <a:xfrm>
-            <a:off x="729450" y="1318650"/>
-            <a:ext cx="7688700" cy="535200"/>
-          </a:xfrm>
-          <a:prstGeom prst="rect">
-            <a:avLst/>
-          </a:prstGeom>
-        </p:spPr>
-        <p:txBody>
-          <a:bodyPr spcFirstLastPara="1" wrap="square" lIns="91425" tIns="91425" rIns="91425" bIns="91425" anchor="t" anchorCtr="0">
-            <a:noAutofit/>
-          </a:bodyPr>
-          <a:lstStyle/>
-          <a:p>
-            <a:pPr marL="0" lvl="0" indent="0" algn="l" rtl="0">
-              <a:spcBef>
-                <a:spcPts val="0"/>
-              </a:spcBef>
-              <a:spcAft>
-                <a:spcPts val="0"/>
-              </a:spcAft>
-              <a:buNone/>
-            </a:pPr>
-            <a:r>
-              <a:rPr lang="en"/>
-              <a:t>References</a:t>
-            </a:r>
-            <a:endParaRPr/>
-          </a:p>
-        </p:txBody>
-      </p:sp>
-      <p:sp>
-        <p:nvSpPr>
-          <p:cNvPr id="284" name="Google Shape;284;p34"/>
-          <p:cNvSpPr txBox="1">
-            <a:spLocks noGrp="1"/>
-          </p:cNvSpPr>
-          <p:nvPr>
-            <p:ph type="body" idx="1"/>
-          </p:nvPr>
-        </p:nvSpPr>
-        <p:spPr>
-          <a:xfrm>
-            <a:off x="729450" y="2078875"/>
-            <a:ext cx="7688700" cy="2261100"/>
-          </a:xfrm>
-          <a:prstGeom prst="rect">
-            <a:avLst/>
-          </a:prstGeom>
-        </p:spPr>
-        <p:txBody>
-          <a:bodyPr spcFirstLastPara="1" wrap="square" lIns="91425" tIns="91425" rIns="91425" bIns="91425" anchor="t" anchorCtr="0">
-            <a:noAutofit/>
-          </a:bodyPr>
-          <a:lstStyle/>
-          <a:p>
-            <a:pPr marL="0" lvl="0" indent="0" algn="l" rtl="0">
-              <a:spcBef>
-                <a:spcPts val="0"/>
-              </a:spcBef>
-              <a:spcAft>
-                <a:spcPts val="0"/>
-              </a:spcAft>
-              <a:buNone/>
-            </a:pPr>
-            <a:r>
-              <a:rPr lang="en" u="sng">
-                <a:solidFill>
-                  <a:schemeClr val="accent5"/>
-                </a:solidFill>
-                <a:hlinkClick r:id="rId3"/>
-              </a:rPr>
-              <a:t>Tips for Presenting Your Wireframes</a:t>
-            </a:r>
-            <a:endParaRPr>
-              <a:solidFill>
-                <a:schemeClr val="accent5"/>
-              </a:solidFill>
-            </a:endParaRPr>
-          </a:p>
-          <a:p>
-            <a:pPr marL="0" lvl="0" indent="0" algn="l" rtl="0">
-              <a:spcBef>
-                <a:spcPts val="1000"/>
-              </a:spcBef>
-              <a:spcAft>
-                <a:spcPts val="0"/>
-              </a:spcAft>
-              <a:buNone/>
-            </a:pPr>
-            <a:r>
-              <a:rPr lang="en" u="sng">
-                <a:solidFill>
-                  <a:schemeClr val="accent5"/>
-                </a:solidFill>
-                <a:hlinkClick r:id="rId4"/>
-              </a:rPr>
-              <a:t>3 Steps to Better UI Wireframes</a:t>
-            </a:r>
-            <a:endParaRPr>
-              <a:solidFill>
-                <a:schemeClr val="accent5"/>
-              </a:solidFill>
-            </a:endParaRPr>
-          </a:p>
-          <a:p>
-            <a:pPr marL="0" lvl="0" indent="0" algn="l" rtl="0">
-              <a:spcBef>
-                <a:spcPts val="1000"/>
-              </a:spcBef>
-              <a:spcAft>
-                <a:spcPts val="1000"/>
-              </a:spcAft>
-              <a:buNone/>
-            </a:pPr>
-            <a:r>
-              <a:rPr lang="en" u="sng">
-                <a:solidFill>
-                  <a:schemeClr val="accent5"/>
-                </a:solidFill>
-                <a:hlinkClick r:id="rId5"/>
-              </a:rPr>
-              <a:t>Wireframing for Beginners</a:t>
-            </a:r>
-            <a:endParaRPr>
-              <a:solidFill>
-                <a:schemeClr val="accent5"/>
-              </a:solidFill>
-            </a:endParaRPr>
+            <a:endParaRPr sz="4000"/>
           </a:p>
         </p:txBody>
       </p:sp>
@@ -15057,10 +12120,10 @@
               <a:buNone/>
             </a:pPr>
             <a:r>
-              <a:rPr lang="en"/>
+              <a:rPr lang="en" sz="4000"/>
               <a:t>Outline</a:t>
             </a:r>
-            <a:endParaRPr/>
+            <a:endParaRPr sz="4000"/>
           </a:p>
         </p:txBody>
       </p:sp>
@@ -15076,8 +12139,8 @@
         </p:nvSpPr>
         <p:spPr>
           <a:xfrm>
-            <a:off x="4542975" y="1376352"/>
-            <a:ext cx="4080000" cy="3252900"/>
+            <a:off x="4572000" y="1416850"/>
+            <a:ext cx="4080000" cy="3236100"/>
           </a:xfrm>
           <a:prstGeom prst="rect">
             <a:avLst/>
@@ -15102,7 +12165,7 @@
               <a:buNone/>
             </a:pPr>
             <a:r>
-              <a:rPr lang="en" sz="1600" u="sng">
+              <a:rPr lang="en" sz="2000" u="sng">
                 <a:solidFill>
                   <a:schemeClr val="hlink"/>
                 </a:solidFill>
@@ -15110,7 +12173,7 @@
               </a:rPr>
               <a:t>Hypothesis</a:t>
             </a:r>
-            <a:endParaRPr sz="1600">
+            <a:endParaRPr sz="2000">
               <a:solidFill>
                 <a:srgbClr val="FFFFFF"/>
               </a:solidFill>
@@ -15130,7 +12193,7 @@
               <a:buNone/>
             </a:pPr>
             <a:r>
-              <a:rPr lang="en" sz="1600" u="sng">
+              <a:rPr lang="en" sz="2000" u="sng">
                 <a:solidFill>
                   <a:schemeClr val="hlink"/>
                 </a:solidFill>
@@ -15138,7 +12201,7 @@
               </a:rPr>
               <a:t>The Data</a:t>
             </a:r>
-            <a:endParaRPr sz="1600">
+            <a:endParaRPr sz="2000">
               <a:solidFill>
                 <a:srgbClr val="FFFFFF"/>
               </a:solidFill>
@@ -15158,7 +12221,7 @@
               <a:buNone/>
             </a:pPr>
             <a:r>
-              <a:rPr lang="en" sz="1600" u="sng">
+              <a:rPr lang="en" sz="2000" u="sng">
                 <a:solidFill>
                   <a:schemeClr val="hlink"/>
                 </a:solidFill>
@@ -15166,7 +12229,7 @@
               </a:rPr>
               <a:t>Cool Graphs</a:t>
             </a:r>
-            <a:endParaRPr sz="1600">
+            <a:endParaRPr sz="2000">
               <a:solidFill>
                 <a:srgbClr val="FFFFFF"/>
               </a:solidFill>
@@ -15186,7 +12249,7 @@
               <a:buNone/>
             </a:pPr>
             <a:r>
-              <a:rPr lang="en" sz="1600" u="sng">
+              <a:rPr lang="en" sz="2000" u="sng">
                 <a:solidFill>
                   <a:schemeClr val="hlink"/>
                 </a:solidFill>
@@ -15194,7 +12257,7 @@
               </a:rPr>
               <a:t>Conclusion</a:t>
             </a:r>
-            <a:endParaRPr sz="1600">
+            <a:endParaRPr sz="2000">
               <a:solidFill>
                 <a:srgbClr val="FFFFFF"/>
               </a:solidFill>
@@ -15251,7 +12314,7 @@
         </p:nvSpPr>
         <p:spPr>
           <a:xfrm>
-            <a:off x="730000" y="1318650"/>
+            <a:off x="635550" y="1472250"/>
             <a:ext cx="3300900" cy="1687200"/>
           </a:xfrm>
           <a:prstGeom prst="rect">
@@ -15293,118 +12356,105 @@
         </p:nvSpPr>
         <p:spPr>
           <a:xfrm>
-            <a:off x="5163450" y="568200"/>
-            <a:ext cx="3374400" cy="4007100"/>
+            <a:off x="4572000" y="953850"/>
+            <a:ext cx="4572000" cy="3450300"/>
           </a:xfrm>
           <a:prstGeom prst="rect">
             <a:avLst/>
           </a:prstGeom>
         </p:spPr>
         <p:txBody>
-          <a:bodyPr spcFirstLastPara="1" wrap="square" lIns="91425" tIns="91425" rIns="91425" bIns="91425" anchor="t" anchorCtr="0">
+          <a:bodyPr spcFirstLastPara="1" wrap="square" lIns="91425" tIns="91425" rIns="91425" bIns="91425" anchor="ctr" anchorCtr="0">
             <a:noAutofit/>
           </a:bodyPr>
           <a:lstStyle/>
           <a:p>
-            <a:pPr marL="0" lvl="0" indent="0" algn="l" rtl="0">
-              <a:spcBef>
-                <a:spcPts val="0"/>
-              </a:spcBef>
-              <a:spcAft>
-                <a:spcPts val="0"/>
-              </a:spcAft>
-              <a:buNone/>
+            <a:pPr marL="457200" lvl="0" indent="-342900" algn="l" rtl="0">
+              <a:lnSpc>
+                <a:spcPct val="115000"/>
+              </a:lnSpc>
+              <a:spcBef>
+                <a:spcPts val="0"/>
+              </a:spcBef>
+              <a:spcAft>
+                <a:spcPts val="0"/>
+              </a:spcAft>
+              <a:buClr>
+                <a:schemeClr val="dk1"/>
+              </a:buClr>
+              <a:buSzPts val="1800"/>
+              <a:buFont typeface="Arial"/>
+              <a:buChar char="●"/>
             </a:pPr>
             <a:r>
-              <a:rPr lang="en" sz="1600">
+              <a:rPr lang="en" sz="1800">
                 <a:solidFill>
                   <a:schemeClr val="dk1"/>
                 </a:solidFill>
                 <a:highlight>
                   <a:srgbClr val="FFFFFF"/>
                 </a:highlight>
-                <a:latin typeface="Arial"/>
-                <a:ea typeface="Arial"/>
-                <a:cs typeface="Arial"/>
-                <a:sym typeface="Arial"/>
               </a:rPr>
-              <a:t>In the 1980’s, the </a:t>
+              <a:t>In the 1985, the </a:t>
             </a:r>
             <a:r>
-              <a:rPr lang="en" sz="1600" b="1">
+              <a:rPr lang="en" sz="1800" b="1">
                 <a:solidFill>
                   <a:schemeClr val="dk1"/>
                 </a:solidFill>
                 <a:highlight>
                   <a:srgbClr val="FFFFFF"/>
                 </a:highlight>
-                <a:latin typeface="Arial"/>
-                <a:ea typeface="Arial"/>
-                <a:cs typeface="Arial"/>
-                <a:sym typeface="Arial"/>
               </a:rPr>
               <a:t>Parents Music Resource Center</a:t>
             </a:r>
             <a:r>
-              <a:rPr lang="en" sz="1600">
+              <a:rPr lang="en" sz="1800">
                 <a:solidFill>
                   <a:schemeClr val="dk1"/>
                 </a:solidFill>
                 <a:highlight>
                   <a:srgbClr val="FFFFFF"/>
                 </a:highlight>
-                <a:latin typeface="Arial"/>
-                <a:ea typeface="Arial"/>
-                <a:cs typeface="Arial"/>
-                <a:sym typeface="Arial"/>
               </a:rPr>
               <a:t> (</a:t>
             </a:r>
             <a:r>
-              <a:rPr lang="en" sz="1600" b="1">
+              <a:rPr lang="en" sz="1800" b="1">
                 <a:solidFill>
                   <a:schemeClr val="dk1"/>
                 </a:solidFill>
                 <a:highlight>
                   <a:srgbClr val="FFFFFF"/>
                 </a:highlight>
-                <a:latin typeface="Arial"/>
-                <a:ea typeface="Arial"/>
-                <a:cs typeface="Arial"/>
-                <a:sym typeface="Arial"/>
               </a:rPr>
               <a:t>PMRC</a:t>
             </a:r>
             <a:r>
-              <a:rPr lang="en" sz="1600">
+              <a:rPr lang="en" sz="1800">
                 <a:solidFill>
                   <a:schemeClr val="dk1"/>
                 </a:solidFill>
                 <a:highlight>
                   <a:srgbClr val="FFFFFF"/>
                 </a:highlight>
-                <a:latin typeface="Arial"/>
-                <a:ea typeface="Arial"/>
-                <a:cs typeface="Arial"/>
-                <a:sym typeface="Arial"/>
               </a:rPr>
-              <a:t>) pushed to put a warning label on records and CD's that were deemed 'explicit'.</a:t>
+              <a:t>) pushed to put a warning label on 'explicit' music</a:t>
             </a:r>
-            <a:endParaRPr sz="1600">
+            <a:endParaRPr sz="1800">
               <a:solidFill>
                 <a:schemeClr val="dk1"/>
               </a:solidFill>
               <a:highlight>
                 <a:srgbClr val="FFFFFF"/>
               </a:highlight>
-              <a:latin typeface="Arial"/>
-              <a:ea typeface="Arial"/>
-              <a:cs typeface="Arial"/>
-              <a:sym typeface="Arial"/>
             </a:endParaRPr>
           </a:p>
           <a:p>
-            <a:pPr marL="0" lvl="0" indent="0" algn="l" rtl="0">
+            <a:pPr marL="457200" lvl="0" indent="0" algn="l" rtl="0">
+              <a:lnSpc>
+                <a:spcPct val="115000"/>
+              </a:lnSpc>
               <a:spcBef>
                 <a:spcPts val="1000"/>
               </a:spcBef>
@@ -15413,67 +12463,54 @@
               </a:spcAft>
               <a:buNone/>
             </a:pPr>
-            <a:r>
-              <a:rPr lang="en" sz="1600">
-                <a:solidFill>
-                  <a:schemeClr val="dk1"/>
-                </a:solidFill>
-                <a:highlight>
-                  <a:srgbClr val="FFFFFF"/>
-                </a:highlight>
-                <a:latin typeface="Arial"/>
-                <a:ea typeface="Arial"/>
-                <a:cs typeface="Arial"/>
-                <a:sym typeface="Arial"/>
-              </a:rPr>
-              <a:t>This was supposed to help parents monitor the music their children were buying. </a:t>
-            </a:r>
-            <a:endParaRPr sz="1600">
+            <a:endParaRPr sz="100">
               <a:solidFill>
                 <a:schemeClr val="dk1"/>
               </a:solidFill>
               <a:highlight>
                 <a:srgbClr val="FFFFFF"/>
               </a:highlight>
-              <a:latin typeface="Arial"/>
-              <a:ea typeface="Arial"/>
-              <a:cs typeface="Arial"/>
-              <a:sym typeface="Arial"/>
             </a:endParaRPr>
           </a:p>
           <a:p>
-            <a:pPr marL="0" lvl="0" indent="0" algn="l" rtl="0">
+            <a:pPr marL="457200" lvl="0" indent="-342900" algn="l" rtl="0">
+              <a:lnSpc>
+                <a:spcPct val="115000"/>
+              </a:lnSpc>
               <a:spcBef>
                 <a:spcPts val="1000"/>
               </a:spcBef>
               <a:spcAft>
                 <a:spcPts val="0"/>
               </a:spcAft>
-              <a:buNone/>
+              <a:buClr>
+                <a:schemeClr val="dk1"/>
+              </a:buClr>
+              <a:buSzPts val="1800"/>
+              <a:buChar char="●"/>
             </a:pPr>
             <a:r>
-              <a:rPr lang="en" sz="1600">
+              <a:rPr lang="en" sz="1800">
                 <a:solidFill>
                   <a:schemeClr val="dk1"/>
                 </a:solidFill>
                 <a:highlight>
                   <a:srgbClr val="FFFFFF"/>
                 </a:highlight>
-                <a:latin typeface="Arial"/>
-                <a:ea typeface="Arial"/>
-                <a:cs typeface="Arial"/>
-                <a:sym typeface="Arial"/>
               </a:rPr>
-              <a:t>I propose it had the opposite effect. Albums and music with explicit lyrics and images were more popular after the mid 1980's.</a:t>
+              <a:t>This was supposed to help parents monitor the music their children were buying</a:t>
             </a:r>
-            <a:endParaRPr sz="1600">
+            <a:endParaRPr sz="1800">
               <a:solidFill>
                 <a:schemeClr val="dk1"/>
               </a:solidFill>
+              <a:highlight>
+                <a:srgbClr val="FFFFFF"/>
+              </a:highlight>
             </a:endParaRPr>
           </a:p>
           <a:p>
-            <a:pPr marL="0" lvl="0" indent="0" algn="l" rtl="0">
+            <a:pPr marL="457200" lvl="0" indent="0" algn="l" rtl="0">
               <a:lnSpc>
                 <a:spcPct val="115000"/>
               </a:lnSpc>
@@ -15481,11 +12518,142 @@
                 <a:spcPts val="1000"/>
               </a:spcBef>
               <a:spcAft>
-                <a:spcPts val="1600"/>
+                <a:spcPts val="0"/>
               </a:spcAft>
               <a:buNone/>
             </a:pPr>
-            <a:endParaRPr/>
+            <a:endParaRPr sz="100">
+              <a:solidFill>
+                <a:schemeClr val="dk1"/>
+              </a:solidFill>
+              <a:highlight>
+                <a:srgbClr val="FFFFFF"/>
+              </a:highlight>
+            </a:endParaRPr>
+          </a:p>
+          <a:p>
+            <a:pPr marL="457200" lvl="0" indent="-342900" algn="l" rtl="0">
+              <a:lnSpc>
+                <a:spcPct val="115000"/>
+              </a:lnSpc>
+              <a:spcBef>
+                <a:spcPts val="1000"/>
+              </a:spcBef>
+              <a:spcAft>
+                <a:spcPts val="0"/>
+              </a:spcAft>
+              <a:buClr>
+                <a:schemeClr val="dk1"/>
+              </a:buClr>
+              <a:buSzPts val="1800"/>
+              <a:buChar char="●"/>
+            </a:pPr>
+            <a:r>
+              <a:rPr lang="en" sz="1800">
+                <a:solidFill>
+                  <a:schemeClr val="dk1"/>
+                </a:solidFill>
+                <a:highlight>
+                  <a:srgbClr val="FFFFFF"/>
+                </a:highlight>
+              </a:rPr>
+              <a:t>I propose it had the opposite effect that was intended</a:t>
+            </a:r>
+            <a:endParaRPr sz="1500"/>
+          </a:p>
+        </p:txBody>
+      </p:sp>
+      <p:pic>
+        <p:nvPicPr>
+          <p:cNvPr id="149" name="Google Shape;149;p19"/>
+          <p:cNvPicPr preferRelativeResize="0"/>
+          <p:nvPr/>
+        </p:nvPicPr>
+        <p:blipFill>
+          <a:blip r:embed="rId3">
+            <a:alphaModFix/>
+          </a:blip>
+          <a:stretch>
+            <a:fillRect/>
+          </a:stretch>
+        </p:blipFill>
+        <p:spPr>
+          <a:xfrm>
+            <a:off x="0" y="953850"/>
+            <a:ext cx="4572000" cy="4189650"/>
+          </a:xfrm>
+          <a:prstGeom prst="rect">
+            <a:avLst/>
+          </a:prstGeom>
+          <a:noFill/>
+          <a:ln>
+            <a:noFill/>
+          </a:ln>
+        </p:spPr>
+      </p:pic>
+      <p:sp>
+        <p:nvSpPr>
+          <p:cNvPr id="150" name="Google Shape;150;p19"/>
+          <p:cNvSpPr txBox="1"/>
+          <p:nvPr/>
+        </p:nvSpPr>
+        <p:spPr>
+          <a:xfrm>
+            <a:off x="0" y="0"/>
+            <a:ext cx="4572000" cy="954000"/>
+          </a:xfrm>
+          <a:prstGeom prst="rect">
+            <a:avLst/>
+          </a:prstGeom>
+          <a:solidFill>
+            <a:schemeClr val="dk1"/>
+          </a:solidFill>
+          <a:ln>
+            <a:noFill/>
+          </a:ln>
+        </p:spPr>
+        <p:txBody>
+          <a:bodyPr spcFirstLastPara="1" wrap="square" lIns="91425" tIns="91425" rIns="91425" bIns="91425" anchor="ctr" anchorCtr="0">
+            <a:noAutofit/>
+          </a:bodyPr>
+          <a:lstStyle/>
+          <a:p>
+            <a:pPr marL="0" lvl="0" indent="0" algn="ctr" rtl="0">
+              <a:spcBef>
+                <a:spcPts val="0"/>
+              </a:spcBef>
+              <a:spcAft>
+                <a:spcPts val="0"/>
+              </a:spcAft>
+              <a:buNone/>
+            </a:pPr>
+            <a:r>
+              <a:rPr lang="en" sz="4000">
+                <a:solidFill>
+                  <a:srgbClr val="FFFFFF"/>
+                </a:solidFill>
+                <a:highlight>
+                  <a:schemeClr val="dk1"/>
+                </a:highlight>
+                <a:latin typeface="Lato"/>
+                <a:ea typeface="Lato"/>
+                <a:cs typeface="Lato"/>
+                <a:sym typeface="Lato"/>
+              </a:rPr>
+              <a:t>Hypothesis</a:t>
+            </a:r>
+            <a:endParaRPr sz="4000">
+              <a:solidFill>
+                <a:srgbClr val="FFFFFF"/>
+              </a:solidFill>
+              <a:highlight>
+                <a:schemeClr val="dk1"/>
+              </a:highlight>
+              <a:latin typeface="Lato"/>
+              <a:ea typeface="Lato"/>
+              <a:cs typeface="Lato"/>
+              <a:sym typeface="Lato"/>
+            </a:endParaRPr>
           </a:p>
         </p:txBody>
       </p:sp>
@@ -15510,7 +12678,7 @@
     </p:bg>
     <p:spTree>
       <p:nvGrpSpPr>
-        <p:cNvPr id="1" name="Shape 152"/>
+        <p:cNvPr id="1" name="Shape 154"/>
         <p:cNvGrpSpPr/>
         <p:nvPr/>
       </p:nvGrpSpPr>
@@ -15524,7 +12692,7 @@
       </p:grpSpPr>
       <p:sp>
         <p:nvSpPr>
-          <p:cNvPr id="153" name="Google Shape;153;p20"/>
+          <p:cNvPr id="155" name="Google Shape;155;p20"/>
           <p:cNvSpPr txBox="1">
             <a:spLocks noGrp="1"/>
           </p:cNvSpPr>
@@ -15534,8 +12702,8 @@
         </p:nvSpPr>
         <p:spPr>
           <a:xfrm>
-            <a:off x="729450" y="1322450"/>
-            <a:ext cx="7688400" cy="1518600"/>
+            <a:off x="787325" y="1334350"/>
+            <a:ext cx="8356800" cy="2555400"/>
           </a:xfrm>
           <a:prstGeom prst="rect">
             <a:avLst/>
@@ -15557,10 +12725,135 @@
               <a:buNone/>
             </a:pPr>
             <a:r>
-              <a:rPr lang="en"/>
+              <a:rPr lang="en" sz="4000"/>
               <a:t>The Data</a:t>
             </a:r>
-            <a:endParaRPr/>
+            <a:endParaRPr sz="4000"/>
+          </a:p>
+          <a:p>
+            <a:pPr marL="0" lvl="0" indent="0" algn="l" rtl="0">
+              <a:spcBef>
+                <a:spcPts val="0"/>
+              </a:spcBef>
+              <a:spcAft>
+                <a:spcPts val="0"/>
+              </a:spcAft>
+              <a:buNone/>
+            </a:pPr>
+            <a:endParaRPr sz="1400"/>
+          </a:p>
+          <a:p>
+            <a:pPr marL="457200" lvl="0" indent="-336550" algn="l" rtl="0">
+              <a:lnSpc>
+                <a:spcPct val="150000"/>
+              </a:lnSpc>
+              <a:spcBef>
+                <a:spcPts val="0"/>
+              </a:spcBef>
+              <a:spcAft>
+                <a:spcPts val="0"/>
+              </a:spcAft>
+              <a:buClr>
+                <a:srgbClr val="FFFFFF"/>
+              </a:buClr>
+              <a:buSzPts val="1700"/>
+              <a:buFont typeface="Lato"/>
+              <a:buChar char="●"/>
+            </a:pPr>
+            <a:r>
+              <a:rPr lang="en" sz="1700" b="0">
+                <a:solidFill>
+                  <a:srgbClr val="FFFFFF"/>
+                </a:solidFill>
+                <a:latin typeface="Lato"/>
+                <a:ea typeface="Lato"/>
+                <a:cs typeface="Lato"/>
+                <a:sym typeface="Lato"/>
+              </a:rPr>
+              <a:t>Weekly Hot 100 singles chart between 1958 and 2019, over 300,000 records</a:t>
+            </a:r>
+            <a:endParaRPr sz="1700" b="0">
+              <a:solidFill>
+                <a:srgbClr val="FFFFFF"/>
+              </a:solidFill>
+              <a:latin typeface="Lato"/>
+              <a:ea typeface="Lato"/>
+              <a:cs typeface="Lato"/>
+              <a:sym typeface="Lato"/>
+            </a:endParaRPr>
+          </a:p>
+          <a:p>
+            <a:pPr marL="457200" lvl="0" indent="-336550" algn="l" rtl="0">
+              <a:lnSpc>
+                <a:spcPct val="150000"/>
+              </a:lnSpc>
+              <a:spcBef>
+                <a:spcPts val="0"/>
+              </a:spcBef>
+              <a:spcAft>
+                <a:spcPts val="0"/>
+              </a:spcAft>
+              <a:buClr>
+                <a:srgbClr val="FFFFFF"/>
+              </a:buClr>
+              <a:buSzPts val="1700"/>
+              <a:buFont typeface="Lato"/>
+              <a:buChar char="●"/>
+            </a:pPr>
+            <a:r>
+              <a:rPr lang="en" sz="1700" b="0">
+                <a:solidFill>
+                  <a:srgbClr val="FFFFFF"/>
+                </a:solidFill>
+                <a:latin typeface="Lato"/>
+                <a:ea typeface="Lato"/>
+                <a:cs typeface="Lato"/>
+                <a:sym typeface="Lato"/>
+              </a:rPr>
+              <a:t>Spotify, including genres and an ‘explicit’ indicator, over 25,000 records</a:t>
+            </a:r>
+            <a:endParaRPr sz="1700" b="0">
+              <a:solidFill>
+                <a:srgbClr val="FFFFFF"/>
+              </a:solidFill>
+              <a:latin typeface="Lato"/>
+              <a:ea typeface="Lato"/>
+              <a:cs typeface="Lato"/>
+              <a:sym typeface="Lato"/>
+            </a:endParaRPr>
+          </a:p>
+          <a:p>
+            <a:pPr marL="457200" lvl="0" indent="-336550" algn="l" rtl="0">
+              <a:lnSpc>
+                <a:spcPct val="150000"/>
+              </a:lnSpc>
+              <a:spcBef>
+                <a:spcPts val="0"/>
+              </a:spcBef>
+              <a:spcAft>
+                <a:spcPts val="0"/>
+              </a:spcAft>
+              <a:buClr>
+                <a:srgbClr val="FFFFFF"/>
+              </a:buClr>
+              <a:buSzPts val="1700"/>
+              <a:buFont typeface="Lato"/>
+              <a:buChar char="●"/>
+            </a:pPr>
+            <a:r>
+              <a:rPr lang="en" sz="1700" b="0" u="sng">
+                <a:solidFill>
+                  <a:srgbClr val="FFFFFF"/>
+                </a:solidFill>
+                <a:latin typeface="Lato"/>
+                <a:ea typeface="Lato"/>
+                <a:cs typeface="Lato"/>
+                <a:sym typeface="Lato"/>
+                <a:hlinkClick r:id="rId3"/>
+              </a:rPr>
+              <a:t>Raw data available here</a:t>
+            </a:r>
+            <a:endParaRPr sz="4000"/>
           </a:p>
         </p:txBody>
       </p:sp>
@@ -15575,9 +12868,17 @@
 <file path=ppt/slides/slide5.xml><?xml version="1.0" encoding="utf-8"?>
 <p:sld xmlns:a="http://schemas.openxmlformats.org/drawingml/2006/main" xmlns:r="http://schemas.openxmlformats.org/officeDocument/2006/relationships" xmlns:p="http://schemas.openxmlformats.org/presentationml/2006/main">
   <p:cSld>
+    <p:bg>
+      <p:bgPr>
+        <a:solidFill>
+          <a:schemeClr val="accent1"/>
+        </a:solidFill>
+        <a:effectLst/>
+      </p:bgPr>
+    </p:bg>
     <p:spTree>
       <p:nvGrpSpPr>
-        <p:cNvPr id="1" name="Shape 157"/>
+        <p:cNvPr id="1" name="Shape 159"/>
         <p:cNvGrpSpPr/>
         <p:nvPr/>
       </p:nvGrpSpPr>
@@ -15591,127 +12892,7 @@
       </p:grpSpPr>
       <p:sp>
         <p:nvSpPr>
-          <p:cNvPr id="158" name="Google Shape;158;p21"/>
-          <p:cNvSpPr txBox="1">
-            <a:spLocks noGrp="1"/>
-          </p:cNvSpPr>
-          <p:nvPr>
-            <p:ph type="title"/>
-          </p:nvPr>
-        </p:nvSpPr>
-        <p:spPr>
-          <a:xfrm>
-            <a:off x="729450" y="1318650"/>
-            <a:ext cx="7688700" cy="535200"/>
-          </a:xfrm>
-          <a:prstGeom prst="rect">
-            <a:avLst/>
-          </a:prstGeom>
-        </p:spPr>
-        <p:txBody>
-          <a:bodyPr spcFirstLastPara="1" wrap="square" lIns="91425" tIns="91425" rIns="91425" bIns="91425" anchor="t" anchorCtr="0">
-            <a:noAutofit/>
-          </a:bodyPr>
-          <a:lstStyle/>
-          <a:p>
-            <a:pPr marL="0" lvl="0" indent="0" algn="l" rtl="0">
-              <a:spcBef>
-                <a:spcPts val="0"/>
-              </a:spcBef>
-              <a:spcAft>
-                <a:spcPts val="0"/>
-              </a:spcAft>
-              <a:buNone/>
-            </a:pPr>
-            <a:r>
-              <a:rPr lang="en"/>
-              <a:t>Solution description</a:t>
-            </a:r>
-            <a:endParaRPr/>
-          </a:p>
-        </p:txBody>
-      </p:sp>
-      <p:sp>
-        <p:nvSpPr>
-          <p:cNvPr id="159" name="Google Shape;159;p21"/>
-          <p:cNvSpPr txBox="1">
-            <a:spLocks noGrp="1"/>
-          </p:cNvSpPr>
-          <p:nvPr>
-            <p:ph type="body" idx="1"/>
-          </p:nvPr>
-        </p:nvSpPr>
-        <p:spPr>
-          <a:xfrm>
-            <a:off x="729450" y="2078875"/>
-            <a:ext cx="7688700" cy="2261100"/>
-          </a:xfrm>
-          <a:prstGeom prst="rect">
-            <a:avLst/>
-          </a:prstGeom>
-        </p:spPr>
-        <p:txBody>
-          <a:bodyPr spcFirstLastPara="1" wrap="square" lIns="91425" tIns="91425" rIns="91425" bIns="91425" anchor="t" anchorCtr="0">
-            <a:noAutofit/>
-          </a:bodyPr>
-          <a:lstStyle/>
-          <a:p>
-            <a:pPr marL="0" lvl="0" indent="0" algn="l" rtl="0">
-              <a:lnSpc>
-                <a:spcPct val="150000"/>
-              </a:lnSpc>
-              <a:spcBef>
-                <a:spcPts val="0"/>
-              </a:spcBef>
-              <a:spcAft>
-                <a:spcPts val="1600"/>
-              </a:spcAft>
-              <a:buNone/>
-            </a:pPr>
-            <a:r>
-              <a:rPr lang="en"/>
-              <a:t>Now that you’ve justified your attention to the problem, summarize your solution in one or two sentences.</a:t>
-            </a:r>
-            <a:endParaRPr/>
-          </a:p>
-        </p:txBody>
-      </p:sp>
-    </p:spTree>
-  </p:cSld>
-  <p:clrMapOvr>
-    <a:masterClrMapping/>
-  </p:clrMapOvr>
-</p:sld>
-</file>
-
-<file path=ppt/slides/slide6.xml><?xml version="1.0" encoding="utf-8"?>
-<p:sld xmlns:a="http://schemas.openxmlformats.org/drawingml/2006/main" xmlns:r="http://schemas.openxmlformats.org/officeDocument/2006/relationships" xmlns:p="http://schemas.openxmlformats.org/presentationml/2006/main">
-  <p:cSld>
-    <p:bg>
-      <p:bgPr>
-        <a:solidFill>
-          <a:schemeClr val="accent1"/>
-        </a:solidFill>
-        <a:effectLst/>
-      </p:bgPr>
-    </p:bg>
-    <p:spTree>
-      <p:nvGrpSpPr>
-        <p:cNvPr id="1" name="Shape 163"/>
-        <p:cNvGrpSpPr/>
-        <p:nvPr/>
-      </p:nvGrpSpPr>
-      <p:grpSpPr>
-        <a:xfrm>
-          <a:off x="0" y="0"/>
-          <a:ext cx="0" cy="0"/>
-          <a:chOff x="0" y="0"/>
-          <a:chExt cx="0" cy="0"/>
-        </a:xfrm>
-      </p:grpSpPr>
-      <p:sp>
-        <p:nvSpPr>
-          <p:cNvPr id="164" name="Google Shape;164;p22"/>
+          <p:cNvPr id="160" name="Google Shape;160;p21"/>
           <p:cNvSpPr txBox="1">
             <a:spLocks noGrp="1"/>
           </p:cNvSpPr>
@@ -15744,16 +12925,16 @@
               <a:buNone/>
             </a:pPr>
             <a:r>
-              <a:rPr lang="en" sz="4100"/>
+              <a:rPr lang="en" sz="4000"/>
               <a:t>Assumptions</a:t>
             </a:r>
-            <a:endParaRPr sz="4100" b="0"/>
+            <a:endParaRPr sz="4000" b="0"/>
           </a:p>
         </p:txBody>
       </p:sp>
       <p:sp>
         <p:nvSpPr>
-          <p:cNvPr id="165" name="Google Shape;165;p22"/>
+          <p:cNvPr id="161" name="Google Shape;161;p21"/>
           <p:cNvSpPr txBox="1">
             <a:spLocks noGrp="1"/>
           </p:cNvSpPr>
@@ -15763,8 +12944,8 @@
         </p:nvSpPr>
         <p:spPr>
           <a:xfrm>
-            <a:off x="729450" y="1745716"/>
-            <a:ext cx="7021200" cy="2211600"/>
+            <a:off x="729450" y="1745728"/>
+            <a:ext cx="7021200" cy="2064300"/>
           </a:xfrm>
           <a:prstGeom prst="rect">
             <a:avLst/>
@@ -15803,50 +12984,72 @@
               <a:sym typeface="Lato"/>
             </a:endParaRPr>
           </a:p>
+        </p:txBody>
+      </p:sp>
+    </p:spTree>
+  </p:cSld>
+  <p:clrMapOvr>
+    <a:masterClrMapping/>
+  </p:clrMapOvr>
+</p:sld>
+</file>
+
+<file path=ppt/slides/slide6.xml><?xml version="1.0" encoding="utf-8"?>
+<p:sld xmlns:a="http://schemas.openxmlformats.org/drawingml/2006/main" xmlns:r="http://schemas.openxmlformats.org/officeDocument/2006/relationships" xmlns:p="http://schemas.openxmlformats.org/presentationml/2006/main">
+  <p:cSld>
+    <p:spTree>
+      <p:nvGrpSpPr>
+        <p:cNvPr id="1" name="Shape 165"/>
+        <p:cNvGrpSpPr/>
+        <p:nvPr/>
+      </p:nvGrpSpPr>
+      <p:grpSpPr>
+        <a:xfrm>
+          <a:off x="0" y="0"/>
+          <a:ext cx="0" cy="0"/>
+          <a:chOff x="0" y="0"/>
+          <a:chExt cx="0" cy="0"/>
+        </a:xfrm>
+      </p:grpSpPr>
+      <p:sp>
+        <p:nvSpPr>
+          <p:cNvPr id="166" name="Google Shape;166;p22"/>
+          <p:cNvSpPr txBox="1">
+            <a:spLocks noGrp="1"/>
+          </p:cNvSpPr>
+          <p:nvPr>
+            <p:ph type="title"/>
+          </p:nvPr>
+        </p:nvSpPr>
+        <p:spPr>
+          <a:xfrm>
+            <a:off x="727800" y="1322450"/>
+            <a:ext cx="7688400" cy="1518600"/>
+          </a:xfrm>
+          <a:prstGeom prst="rect">
+            <a:avLst/>
+          </a:prstGeom>
+        </p:spPr>
+        <p:txBody>
+          <a:bodyPr spcFirstLastPara="1" wrap="square" lIns="91425" tIns="91425" rIns="91425" bIns="91425" anchor="t" anchorCtr="0">
+            <a:noAutofit/>
+          </a:bodyPr>
+          <a:lstStyle/>
           <a:p>
-            <a:pPr marL="457200" lvl="0" indent="0" algn="l" rtl="0">
-              <a:spcBef>
-                <a:spcPts val="0"/>
-              </a:spcBef>
-              <a:spcAft>
-                <a:spcPts val="0"/>
-              </a:spcAft>
-              <a:buNone/>
-            </a:pPr>
-            <a:endParaRPr sz="2600" b="0">
-              <a:latin typeface="Lato"/>
-              <a:ea typeface="Lato"/>
-              <a:cs typeface="Lato"/>
-              <a:sym typeface="Lato"/>
-            </a:endParaRPr>
-          </a:p>
-          <a:p>
-            <a:pPr marL="457200" lvl="0" indent="-393700" algn="l" rtl="0">
-              <a:spcBef>
-                <a:spcPts val="0"/>
-              </a:spcBef>
-              <a:spcAft>
-                <a:spcPts val="0"/>
-              </a:spcAft>
-              <a:buSzPts val="2600"/>
-              <a:buFont typeface="Lato"/>
-              <a:buChar char="➔"/>
+            <a:pPr marL="0" lvl="0" indent="0" algn="l" rtl="0">
+              <a:spcBef>
+                <a:spcPts val="0"/>
+              </a:spcBef>
+              <a:spcAft>
+                <a:spcPts val="0"/>
+              </a:spcAft>
+              <a:buNone/>
             </a:pPr>
             <a:r>
-              <a:rPr lang="en" sz="2600" b="0">
-                <a:latin typeface="Lato"/>
-                <a:ea typeface="Lato"/>
-                <a:cs typeface="Lato"/>
-                <a:sym typeface="Lato"/>
-              </a:rPr>
-              <a:t>My determination of a single genre for each song is accurate</a:t>
+              <a:rPr lang="en" sz="4000"/>
+              <a:t>Cool Graphs</a:t>
             </a:r>
-            <a:endParaRPr sz="2600" b="0">
-              <a:latin typeface="Lato"/>
-              <a:ea typeface="Lato"/>
-              <a:cs typeface="Lato"/>
-              <a:sym typeface="Lato"/>
-            </a:endParaRPr>
+            <a:endParaRPr sz="4000"/>
           </a:p>
         </p:txBody>
       </p:sp>
@@ -15861,9 +13064,17 @@
 <file path=ppt/slides/slide7.xml><?xml version="1.0" encoding="utf-8"?>
 <p:sld xmlns:a="http://schemas.openxmlformats.org/drawingml/2006/main" xmlns:r="http://schemas.openxmlformats.org/officeDocument/2006/relationships" xmlns:p="http://schemas.openxmlformats.org/presentationml/2006/main">
   <p:cSld>
+    <p:bg>
+      <p:bgPr>
+        <a:solidFill>
+          <a:schemeClr val="lt1"/>
+        </a:solidFill>
+        <a:effectLst/>
+      </p:bgPr>
+    </p:bg>
     <p:spTree>
       <p:nvGrpSpPr>
-        <p:cNvPr id="1" name="Shape 169"/>
+        <p:cNvPr id="1" name="Shape 170"/>
         <p:cNvGrpSpPr/>
         <p:nvPr/>
       </p:nvGrpSpPr>
@@ -15877,74 +13088,7 @@
       </p:grpSpPr>
       <p:sp>
         <p:nvSpPr>
-          <p:cNvPr id="170" name="Google Shape;170;p23"/>
-          <p:cNvSpPr txBox="1">
-            <a:spLocks noGrp="1"/>
-          </p:cNvSpPr>
-          <p:nvPr>
-            <p:ph type="title"/>
-          </p:nvPr>
-        </p:nvSpPr>
-        <p:spPr>
-          <a:xfrm>
-            <a:off x="729450" y="1322450"/>
-            <a:ext cx="7688400" cy="1518600"/>
-          </a:xfrm>
-          <a:prstGeom prst="rect">
-            <a:avLst/>
-          </a:prstGeom>
-        </p:spPr>
-        <p:txBody>
-          <a:bodyPr spcFirstLastPara="1" wrap="square" lIns="91425" tIns="91425" rIns="91425" bIns="91425" anchor="t" anchorCtr="0">
-            <a:noAutofit/>
-          </a:bodyPr>
-          <a:lstStyle/>
-          <a:p>
-            <a:pPr marL="0" lvl="0" indent="0" algn="l" rtl="0">
-              <a:spcBef>
-                <a:spcPts val="0"/>
-              </a:spcBef>
-              <a:spcAft>
-                <a:spcPts val="0"/>
-              </a:spcAft>
-              <a:buNone/>
-            </a:pPr>
-            <a:r>
-              <a:rPr lang="en"/>
-              <a:t>Cool Graphs</a:t>
-            </a:r>
-            <a:endParaRPr/>
-          </a:p>
-        </p:txBody>
-      </p:sp>
-    </p:spTree>
-  </p:cSld>
-  <p:clrMapOvr>
-    <a:masterClrMapping/>
-  </p:clrMapOvr>
-</p:sld>
-</file>
-
-<file path=ppt/slides/slide8.xml><?xml version="1.0" encoding="utf-8"?>
-<p:sld xmlns:a="http://schemas.openxmlformats.org/drawingml/2006/main" xmlns:r="http://schemas.openxmlformats.org/officeDocument/2006/relationships" xmlns:p="http://schemas.openxmlformats.org/presentationml/2006/main">
-  <p:cSld>
-    <p:spTree>
-      <p:nvGrpSpPr>
-        <p:cNvPr id="1" name="Shape 174"/>
-        <p:cNvGrpSpPr/>
-        <p:nvPr/>
-      </p:nvGrpSpPr>
-      <p:grpSpPr>
-        <a:xfrm>
-          <a:off x="0" y="0"/>
-          <a:ext cx="0" cy="0"/>
-          <a:chOff x="0" y="0"/>
-          <a:chExt cx="0" cy="0"/>
-        </a:xfrm>
-      </p:grpSpPr>
-      <p:sp>
-        <p:nvSpPr>
-          <p:cNvPr id="175" name="Google Shape;175;p24"/>
+          <p:cNvPr id="171" name="Google Shape;171;p23"/>
           <p:cNvSpPr/>
           <p:nvPr/>
         </p:nvSpPr>
@@ -15989,7 +13133,7 @@
       </p:sp>
       <p:sp>
         <p:nvSpPr>
-          <p:cNvPr id="176" name="Google Shape;176;p24"/>
+          <p:cNvPr id="172" name="Google Shape;172;p23"/>
           <p:cNvSpPr txBox="1">
             <a:spLocks noGrp="1"/>
           </p:cNvSpPr>
@@ -15999,8 +13143,8 @@
         </p:nvSpPr>
         <p:spPr>
           <a:xfrm>
-            <a:off x="346425" y="4747100"/>
-            <a:ext cx="2280600" cy="394200"/>
+            <a:off x="367850" y="4704200"/>
+            <a:ext cx="5247000" cy="482100"/>
           </a:xfrm>
           <a:prstGeom prst="rect">
             <a:avLst/>
@@ -16023,24 +13167,87 @@
               <a:buNone/>
             </a:pPr>
             <a:r>
-              <a:rPr lang="en" sz="1400">
+              <a:rPr lang="en" sz="2000">
+                <a:solidFill>
+                  <a:schemeClr val="lt1"/>
+                </a:solidFill>
+              </a:rPr>
+              <a:t>   </a:t>
+            </a:r>
+            <a:endParaRPr sz="2000">
+              <a:solidFill>
+                <a:schemeClr val="lt1"/>
+              </a:solidFill>
+            </a:endParaRPr>
+          </a:p>
+        </p:txBody>
+      </p:sp>
+      <p:sp>
+        <p:nvSpPr>
+          <p:cNvPr id="173" name="Google Shape;173;p23"/>
+          <p:cNvSpPr txBox="1"/>
+          <p:nvPr/>
+        </p:nvSpPr>
+        <p:spPr>
+          <a:xfrm>
+            <a:off x="0" y="0"/>
+            <a:ext cx="9144000" cy="525000"/>
+          </a:xfrm>
+          <a:prstGeom prst="rect">
+            <a:avLst/>
+          </a:prstGeom>
+          <a:solidFill>
+            <a:schemeClr val="dk1"/>
+          </a:solidFill>
+          <a:ln>
+            <a:noFill/>
+          </a:ln>
+        </p:spPr>
+        <p:txBody>
+          <a:bodyPr spcFirstLastPara="1" wrap="square" lIns="91425" tIns="91425" rIns="91425" bIns="91425" anchor="t" anchorCtr="0">
+            <a:noAutofit/>
+          </a:bodyPr>
+          <a:lstStyle/>
+          <a:p>
+            <a:pPr marL="0" lvl="0" indent="0" algn="ctr" rtl="0">
+              <a:lnSpc>
+                <a:spcPct val="115000"/>
+              </a:lnSpc>
+              <a:spcBef>
+                <a:spcPts val="0"/>
+              </a:spcBef>
+              <a:spcAft>
+                <a:spcPts val="1000"/>
+              </a:spcAft>
+              <a:buNone/>
+            </a:pPr>
+            <a:r>
+              <a:rPr lang="en" sz="2000" b="1">
                 <a:solidFill>
                   <a:srgbClr val="FFFFFF"/>
                 </a:solidFill>
+                <a:latin typeface="Lato"/>
+                <a:ea typeface="Lato"/>
+                <a:cs typeface="Lato"/>
+                <a:sym typeface="Lato"/>
               </a:rPr>
-              <a:t>Information architecture</a:t>
+              <a:t>There were very few 'explicit' songs before 1985</a:t>
             </a:r>
-            <a:endParaRPr sz="1400">
+            <a:endParaRPr sz="2000" b="1">
               <a:solidFill>
                 <a:srgbClr val="FFFFFF"/>
               </a:solidFill>
+              <a:latin typeface="Lato"/>
+              <a:ea typeface="Lato"/>
+              <a:cs typeface="Lato"/>
+              <a:sym typeface="Lato"/>
             </a:endParaRPr>
           </a:p>
         </p:txBody>
       </p:sp>
       <p:pic>
         <p:nvPicPr>
-          <p:cNvPr id="177" name="Google Shape;177;p24" descr="Site Map HD.png"/>
+          <p:cNvPr id="174" name="Google Shape;174;p23"/>
           <p:cNvPicPr preferRelativeResize="0"/>
           <p:nvPr/>
         </p:nvPicPr>
@@ -16054,8 +13261,8 @@
         </p:blipFill>
         <p:spPr>
           <a:xfrm>
-            <a:off x="1127775" y="873225"/>
-            <a:ext cx="6888451" cy="3244650"/>
+            <a:off x="1491513" y="525000"/>
+            <a:ext cx="6160974" cy="4222100"/>
           </a:xfrm>
           <a:prstGeom prst="rect">
             <a:avLst/>
@@ -16066,188 +13273,6 @@
           </a:ln>
         </p:spPr>
       </p:pic>
-      <p:grpSp>
-        <p:nvGrpSpPr>
-          <p:cNvPr id="178" name="Google Shape;178;p24"/>
-          <p:cNvGrpSpPr/>
-          <p:nvPr/>
-        </p:nvGrpSpPr>
-        <p:grpSpPr>
-          <a:xfrm>
-            <a:off x="4117368" y="4819350"/>
-            <a:ext cx="5102882" cy="274500"/>
-            <a:chOff x="3722577" y="4819350"/>
-            <a:chExt cx="5102882" cy="274500"/>
-          </a:xfrm>
-        </p:grpSpPr>
-        <p:sp>
-          <p:nvSpPr>
-            <p:cNvPr id="179" name="Google Shape;179;p24"/>
-            <p:cNvSpPr/>
-            <p:nvPr/>
-          </p:nvSpPr>
-          <p:spPr>
-            <a:xfrm>
-              <a:off x="3722577" y="4844551"/>
-              <a:ext cx="205500" cy="205200"/>
-            </a:xfrm>
-            <a:prstGeom prst="ellipse">
-              <a:avLst/>
-            </a:prstGeom>
-            <a:solidFill>
-              <a:srgbClr val="FFFFFF"/>
-            </a:solidFill>
-            <a:ln>
-              <a:noFill/>
-            </a:ln>
-          </p:spPr>
-          <p:txBody>
-            <a:bodyPr spcFirstLastPara="1" wrap="square" lIns="91425" tIns="91425" rIns="91425" bIns="91425" anchor="ctr" anchorCtr="0">
-              <a:noAutofit/>
-            </a:bodyPr>
-            <a:lstStyle/>
-            <a:p>
-              <a:pPr marL="0" lvl="0" indent="0" algn="l" rtl="0">
-                <a:spcBef>
-                  <a:spcPts val="0"/>
-                </a:spcBef>
-                <a:spcAft>
-                  <a:spcPts val="0"/>
-                </a:spcAft>
-                <a:buNone/>
-              </a:pPr>
-              <a:endParaRPr>
-                <a:latin typeface="Lato"/>
-                <a:ea typeface="Lato"/>
-                <a:cs typeface="Lato"/>
-                <a:sym typeface="Lato"/>
-              </a:endParaRPr>
-            </a:p>
-          </p:txBody>
-        </p:sp>
-        <p:pic>
-          <p:nvPicPr>
-            <p:cNvPr id="180" name="Google Shape;180;p24" descr="ic_lightbulb_green.png"/>
-            <p:cNvPicPr preferRelativeResize="0"/>
-            <p:nvPr/>
-          </p:nvPicPr>
-          <p:blipFill rotWithShape="1">
-            <a:blip r:embed="rId4">
-              <a:alphaModFix/>
-            </a:blip>
-            <a:srcRect/>
-            <a:stretch/>
-          </p:blipFill>
-          <p:spPr>
-            <a:xfrm>
-              <a:off x="3761069" y="4882185"/>
-              <a:ext cx="128438" cy="128438"/>
-            </a:xfrm>
-            <a:prstGeom prst="rect">
-              <a:avLst/>
-            </a:prstGeom>
-            <a:noFill/>
-            <a:ln>
-              <a:noFill/>
-            </a:ln>
-          </p:spPr>
-        </p:pic>
-        <p:sp>
-          <p:nvSpPr>
-            <p:cNvPr id="181" name="Google Shape;181;p24"/>
-            <p:cNvSpPr txBox="1"/>
-            <p:nvPr/>
-          </p:nvSpPr>
-          <p:spPr>
-            <a:xfrm>
-              <a:off x="3927958" y="4819350"/>
-              <a:ext cx="4897500" cy="274500"/>
-            </a:xfrm>
-            <a:prstGeom prst="rect">
-              <a:avLst/>
-            </a:prstGeom>
-            <a:noFill/>
-            <a:ln>
-              <a:noFill/>
-            </a:ln>
-          </p:spPr>
-          <p:txBody>
-            <a:bodyPr spcFirstLastPara="1" wrap="square" lIns="91425" tIns="91425" rIns="91425" bIns="91425" anchor="ctr" anchorCtr="0">
-              <a:noAutofit/>
-            </a:bodyPr>
-            <a:lstStyle/>
-            <a:p>
-              <a:pPr marL="0" lvl="0" indent="0" algn="l" rtl="0">
-                <a:spcBef>
-                  <a:spcPts val="0"/>
-                </a:spcBef>
-                <a:spcAft>
-                  <a:spcPts val="0"/>
-                </a:spcAft>
-                <a:buNone/>
-              </a:pPr>
-              <a:r>
-                <a:rPr lang="en" sz="800" b="1">
-                  <a:solidFill>
-                    <a:srgbClr val="FFFFFF"/>
-                  </a:solidFill>
-                  <a:latin typeface="Lato"/>
-                  <a:ea typeface="Lato"/>
-                  <a:cs typeface="Lato"/>
-                  <a:sym typeface="Lato"/>
-                </a:rPr>
-                <a:t>Balsamiq Tip   |   </a:t>
-              </a:r>
-              <a:r>
-                <a:rPr lang="en" sz="800">
-                  <a:solidFill>
-                    <a:srgbClr val="FFFFFF"/>
-                  </a:solidFill>
-                  <a:latin typeface="Lato"/>
-                  <a:ea typeface="Lato"/>
-                  <a:cs typeface="Lato"/>
-                  <a:sym typeface="Lato"/>
-                </a:rPr>
-                <a:t>Information architecture is the flow of content across the site or application (</a:t>
-              </a:r>
-              <a:r>
-                <a:rPr lang="en" sz="800" u="sng">
-                  <a:solidFill>
-                    <a:schemeClr val="accent4"/>
-                  </a:solidFill>
-                  <a:latin typeface="Lato"/>
-                  <a:ea typeface="Lato"/>
-                  <a:cs typeface="Lato"/>
-                  <a:sym typeface="Lato"/>
-                  <a:hlinkClick r:id="rId5"/>
-                </a:rPr>
-                <a:t>more info</a:t>
-              </a:r>
-              <a:r>
-                <a:rPr lang="en" sz="800">
-                  <a:solidFill>
-                    <a:srgbClr val="FFFFFF"/>
-                  </a:solidFill>
-                  <a:latin typeface="Lato"/>
-                  <a:ea typeface="Lato"/>
-                  <a:cs typeface="Lato"/>
-                  <a:sym typeface="Lato"/>
-                </a:rPr>
-                <a:t>).</a:t>
-              </a:r>
-              <a:endParaRPr>
-                <a:solidFill>
-                  <a:srgbClr val="FFFFFF"/>
-                </a:solidFill>
-                <a:latin typeface="Lato"/>
-                <a:ea typeface="Lato"/>
-                <a:cs typeface="Lato"/>
-                <a:sym typeface="Lato"/>
-              </a:endParaRPr>
-            </a:p>
-          </p:txBody>
-        </p:sp>
-      </p:grpSp>
     </p:spTree>
   </p:cSld>
   <p:clrMapOvr>
@@ -16256,7 +13281,7 @@
 </p:sld>
 </file>
 
-<file path=ppt/slides/slide9.xml><?xml version="1.0" encoding="utf-8"?>
+<file path=ppt/slides/slide8.xml><?xml version="1.0" encoding="utf-8"?>
 <p:sld xmlns:a="http://schemas.openxmlformats.org/drawingml/2006/main" xmlns:r="http://schemas.openxmlformats.org/officeDocument/2006/relationships" xmlns:p="http://schemas.openxmlformats.org/presentationml/2006/main">
   <p:cSld>
     <p:bg>
@@ -16269,7 +13294,7 @@
     </p:bg>
     <p:spTree>
       <p:nvGrpSpPr>
-        <p:cNvPr id="1" name="Shape 185"/>
+        <p:cNvPr id="1" name="Shape 178"/>
         <p:cNvGrpSpPr/>
         <p:nvPr/>
       </p:nvGrpSpPr>
@@ -16281,180 +13306,9 @@
           <a:chExt cx="0" cy="0"/>
         </a:xfrm>
       </p:grpSpPr>
-      <p:pic>
-        <p:nvPicPr>
-          <p:cNvPr id="186" name="Google Shape;186;p25" descr="Components"/>
-          <p:cNvPicPr preferRelativeResize="0"/>
-          <p:nvPr/>
-        </p:nvPicPr>
-        <p:blipFill rotWithShape="1">
-          <a:blip r:embed="rId3">
-            <a:alphaModFix/>
-          </a:blip>
-          <a:srcRect/>
-          <a:stretch/>
-        </p:blipFill>
-        <p:spPr>
-          <a:xfrm>
-            <a:off x="1610463" y="198200"/>
-            <a:ext cx="5923067" cy="4442300"/>
-          </a:xfrm>
-          <a:prstGeom prst="rect">
-            <a:avLst/>
-          </a:prstGeom>
-          <a:noFill/>
-          <a:ln>
-            <a:noFill/>
-          </a:ln>
-        </p:spPr>
-      </p:pic>
-      <p:grpSp>
-        <p:nvGrpSpPr>
-          <p:cNvPr id="187" name="Google Shape;187;p25"/>
-          <p:cNvGrpSpPr/>
-          <p:nvPr/>
-        </p:nvGrpSpPr>
-        <p:grpSpPr>
-          <a:xfrm>
-            <a:off x="5690200" y="933250"/>
-            <a:ext cx="3132300" cy="525000"/>
-            <a:chOff x="5330350" y="2313675"/>
-            <a:chExt cx="3132300" cy="525000"/>
-          </a:xfrm>
-        </p:grpSpPr>
-        <p:sp>
-          <p:nvSpPr>
-            <p:cNvPr id="188" name="Google Shape;188;p25"/>
-            <p:cNvSpPr/>
-            <p:nvPr/>
-          </p:nvSpPr>
-          <p:spPr>
-            <a:xfrm>
-              <a:off x="6175750" y="2313675"/>
-              <a:ext cx="2286900" cy="525000"/>
-            </a:xfrm>
-            <a:prstGeom prst="roundRect">
-              <a:avLst>
-                <a:gd name="adj" fmla="val 10171"/>
-              </a:avLst>
-            </a:prstGeom>
-            <a:solidFill>
-              <a:srgbClr val="1A9988"/>
-            </a:solidFill>
-            <a:ln>
-              <a:noFill/>
-            </a:ln>
-          </p:spPr>
-          <p:txBody>
-            <a:bodyPr spcFirstLastPara="1" wrap="square" lIns="91425" tIns="91425" rIns="91425" bIns="91425" anchor="ctr" anchorCtr="0">
-              <a:noAutofit/>
-            </a:bodyPr>
-            <a:lstStyle/>
-            <a:p>
-              <a:pPr marL="0" lvl="0" indent="0" algn="l" rtl="0">
-                <a:spcBef>
-                  <a:spcPts val="0"/>
-                </a:spcBef>
-                <a:spcAft>
-                  <a:spcPts val="0"/>
-                </a:spcAft>
-                <a:buNone/>
-              </a:pPr>
-              <a:endParaRPr/>
-            </a:p>
-          </p:txBody>
-        </p:sp>
-        <p:sp>
-          <p:nvSpPr>
-            <p:cNvPr id="189" name="Google Shape;189;p25"/>
-            <p:cNvSpPr txBox="1"/>
-            <p:nvPr/>
-          </p:nvSpPr>
-          <p:spPr>
-            <a:xfrm>
-              <a:off x="6278925" y="2387571"/>
-              <a:ext cx="2097000" cy="394200"/>
-            </a:xfrm>
-            <a:prstGeom prst="rect">
-              <a:avLst/>
-            </a:prstGeom>
-            <a:noFill/>
-            <a:ln>
-              <a:noFill/>
-            </a:ln>
-          </p:spPr>
-          <p:txBody>
-            <a:bodyPr spcFirstLastPara="1" wrap="square" lIns="91425" tIns="91425" rIns="91425" bIns="91425" anchor="t" anchorCtr="0">
-              <a:noAutofit/>
-            </a:bodyPr>
-            <a:lstStyle/>
-            <a:p>
-              <a:pPr marL="0" lvl="0" indent="0" algn="l" rtl="0">
-                <a:lnSpc>
-                  <a:spcPct val="115000"/>
-                </a:lnSpc>
-                <a:spcBef>
-                  <a:spcPts val="0"/>
-                </a:spcBef>
-                <a:spcAft>
-                  <a:spcPts val="1000"/>
-                </a:spcAft>
-                <a:buNone/>
-              </a:pPr>
-              <a:r>
-                <a:rPr lang="en" sz="1200">
-                  <a:solidFill>
-                    <a:srgbClr val="FFFFFF"/>
-                  </a:solidFill>
-                  <a:latin typeface="Lato"/>
-                  <a:ea typeface="Lato"/>
-                  <a:cs typeface="Lato"/>
-                  <a:sym typeface="Lato"/>
-                </a:rPr>
-                <a:t>Call out key parts of the UI</a:t>
-              </a:r>
-              <a:endParaRPr sz="1200">
-                <a:solidFill>
-                  <a:srgbClr val="FFFFFF"/>
-                </a:solidFill>
-                <a:latin typeface="Lato"/>
-                <a:ea typeface="Lato"/>
-                <a:cs typeface="Lato"/>
-                <a:sym typeface="Lato"/>
-              </a:endParaRPr>
-            </a:p>
-          </p:txBody>
-        </p:sp>
-        <p:cxnSp>
-          <p:nvCxnSpPr>
-            <p:cNvPr id="190" name="Google Shape;190;p25"/>
-            <p:cNvCxnSpPr/>
-            <p:nvPr/>
-          </p:nvCxnSpPr>
-          <p:spPr>
-            <a:xfrm>
-              <a:off x="5330350" y="2578675"/>
-              <a:ext cx="845400" cy="0"/>
-            </a:xfrm>
-            <a:prstGeom prst="straightConnector1">
-              <a:avLst/>
-            </a:prstGeom>
-            <a:noFill/>
-            <a:ln w="28575" cap="flat" cmpd="sng">
-              <a:solidFill>
-                <a:srgbClr val="1A9988"/>
-              </a:solidFill>
-              <a:prstDash val="solid"/>
-              <a:round/>
-              <a:headEnd type="oval" w="med" len="med"/>
-              <a:tailEnd type="none" w="med" len="med"/>
-            </a:ln>
-          </p:spPr>
-        </p:cxnSp>
-      </p:grpSp>
       <p:sp>
         <p:nvSpPr>
-          <p:cNvPr id="191" name="Google Shape;191;p25"/>
+          <p:cNvPr id="179" name="Google Shape;179;p24"/>
           <p:cNvSpPr/>
           <p:nvPr/>
         </p:nvSpPr>
@@ -16499,7 +13353,7 @@
       </p:sp>
       <p:sp>
         <p:nvSpPr>
-          <p:cNvPr id="192" name="Google Shape;192;p25"/>
+          <p:cNvPr id="180" name="Google Shape;180;p24"/>
           <p:cNvSpPr txBox="1">
             <a:spLocks noGrp="1"/>
           </p:cNvSpPr>
@@ -16509,8 +13363,8 @@
         </p:nvSpPr>
         <p:spPr>
           <a:xfrm>
-            <a:off x="346425" y="4747100"/>
-            <a:ext cx="2280600" cy="394200"/>
+            <a:off x="367850" y="4704200"/>
+            <a:ext cx="5247000" cy="482100"/>
           </a:xfrm>
           <a:prstGeom prst="rect">
             <a:avLst/>
@@ -16533,166 +13387,310 @@
               <a:buNone/>
             </a:pPr>
             <a:r>
-              <a:rPr lang="en" sz="1400">
-                <a:solidFill>
-                  <a:srgbClr val="FFFFFF"/>
+              <a:rPr lang="en" sz="2000">
+                <a:solidFill>
+                  <a:schemeClr val="lt1"/>
                 </a:solidFill>
               </a:rPr>
-              <a:t>Component Browser</a:t>
+              <a:t> </a:t>
             </a:r>
-            <a:endParaRPr sz="1400">
+            <a:endParaRPr sz="2000">
               <a:solidFill>
-                <a:srgbClr val="FFFFFF"/>
+                <a:schemeClr val="lt1"/>
               </a:solidFill>
             </a:endParaRPr>
           </a:p>
         </p:txBody>
       </p:sp>
-      <p:grpSp>
-        <p:nvGrpSpPr>
-          <p:cNvPr id="193" name="Google Shape;193;p25"/>
-          <p:cNvGrpSpPr/>
+      <p:pic>
+        <p:nvPicPr>
+          <p:cNvPr id="181" name="Google Shape;181;p24"/>
+          <p:cNvPicPr preferRelativeResize="0"/>
           <p:nvPr/>
-        </p:nvGrpSpPr>
-        <p:grpSpPr>
+        </p:nvPicPr>
+        <p:blipFill>
+          <a:blip r:embed="rId3">
+            <a:alphaModFix/>
+          </a:blip>
+          <a:stretch>
+            <a:fillRect/>
+          </a:stretch>
+        </p:blipFill>
+        <p:spPr>
           <a:xfrm>
-            <a:off x="5601002" y="4819350"/>
-            <a:ext cx="3695398" cy="274500"/>
-            <a:chOff x="3722577" y="4819350"/>
-            <a:chExt cx="3695398" cy="274500"/>
+            <a:off x="1043850" y="482100"/>
+            <a:ext cx="7056300" cy="4222100"/>
           </a:xfrm>
-        </p:grpSpPr>
-        <p:sp>
-          <p:nvSpPr>
-            <p:cNvPr id="194" name="Google Shape;194;p25"/>
-            <p:cNvSpPr/>
-            <p:nvPr/>
-          </p:nvSpPr>
-          <p:spPr>
-            <a:xfrm>
-              <a:off x="3722577" y="4844551"/>
-              <a:ext cx="205500" cy="205200"/>
-            </a:xfrm>
-            <a:prstGeom prst="ellipse">
-              <a:avLst/>
-            </a:prstGeom>
-            <a:solidFill>
-              <a:srgbClr val="FFFFFF"/>
-            </a:solidFill>
-            <a:ln>
-              <a:noFill/>
-            </a:ln>
-          </p:spPr>
-          <p:txBody>
-            <a:bodyPr spcFirstLastPara="1" wrap="square" lIns="91425" tIns="91425" rIns="91425" bIns="91425" anchor="ctr" anchorCtr="0">
-              <a:noAutofit/>
-            </a:bodyPr>
-            <a:lstStyle/>
-            <a:p>
-              <a:pPr marL="0" lvl="0" indent="0" algn="l" rtl="0">
-                <a:spcBef>
-                  <a:spcPts val="0"/>
-                </a:spcBef>
-                <a:spcAft>
-                  <a:spcPts val="0"/>
-                </a:spcAft>
-                <a:buNone/>
-              </a:pPr>
-              <a:endParaRPr>
+          <a:prstGeom prst="rect">
+            <a:avLst/>
+          </a:prstGeom>
+          <a:noFill/>
+          <a:ln>
+            <a:noFill/>
+          </a:ln>
+        </p:spPr>
+      </p:pic>
+      <p:sp>
+        <p:nvSpPr>
+          <p:cNvPr id="182" name="Google Shape;182;p24"/>
+          <p:cNvSpPr txBox="1"/>
+          <p:nvPr/>
+        </p:nvSpPr>
+        <p:spPr>
+          <a:xfrm>
+            <a:off x="0" y="0"/>
+            <a:ext cx="9144000" cy="482100"/>
+          </a:xfrm>
+          <a:prstGeom prst="rect">
+            <a:avLst/>
+          </a:prstGeom>
+          <a:solidFill>
+            <a:schemeClr val="dk1"/>
+          </a:solidFill>
+          <a:ln>
+            <a:noFill/>
+          </a:ln>
+        </p:spPr>
+        <p:txBody>
+          <a:bodyPr spcFirstLastPara="1" wrap="square" lIns="91425" tIns="91425" rIns="91425" bIns="91425" anchor="t" anchorCtr="0">
+            <a:noAutofit/>
+          </a:bodyPr>
+          <a:lstStyle/>
+          <a:p>
+            <a:pPr marL="0" lvl="0" indent="0" algn="ctr" rtl="0">
+              <a:lnSpc>
+                <a:spcPct val="115000"/>
+              </a:lnSpc>
+              <a:spcBef>
+                <a:spcPts val="0"/>
+              </a:spcBef>
+              <a:spcAft>
+                <a:spcPts val="1000"/>
+              </a:spcAft>
+              <a:buNone/>
+            </a:pPr>
+            <a:r>
+              <a:rPr lang="en" sz="2000" b="1">
+                <a:solidFill>
+                  <a:srgbClr val="FFFFFF"/>
+                </a:solidFill>
                 <a:latin typeface="Lato"/>
                 <a:ea typeface="Lato"/>
                 <a:cs typeface="Lato"/>
                 <a:sym typeface="Lato"/>
-              </a:endParaRPr>
-            </a:p>
-          </p:txBody>
-        </p:sp>
-        <p:pic>
-          <p:nvPicPr>
-            <p:cNvPr id="195" name="Google Shape;195;p25" descr="ic_lightbulb_green.png"/>
-            <p:cNvPicPr preferRelativeResize="0"/>
-            <p:nvPr/>
-          </p:nvPicPr>
-          <p:blipFill rotWithShape="1">
-            <a:blip r:embed="rId4">
-              <a:alphaModFix/>
-            </a:blip>
-            <a:srcRect/>
-            <a:stretch/>
-          </p:blipFill>
-          <p:spPr>
-            <a:xfrm>
-              <a:off x="3761069" y="4882185"/>
-              <a:ext cx="128438" cy="128438"/>
-            </a:xfrm>
-            <a:prstGeom prst="rect">
-              <a:avLst/>
-            </a:prstGeom>
+              </a:rPr>
+              <a:t>Rap and hip-hop became popular right after the PMRC was formed in 1985</a:t>
+            </a:r>
+            <a:endParaRPr sz="2000" b="1">
+              <a:solidFill>
+                <a:srgbClr val="FFFFFF"/>
+              </a:solidFill>
+              <a:latin typeface="Lato"/>
+              <a:ea typeface="Lato"/>
+              <a:cs typeface="Lato"/>
+              <a:sym typeface="Lato"/>
+            </a:endParaRPr>
+          </a:p>
+        </p:txBody>
+      </p:sp>
+    </p:spTree>
+  </p:cSld>
+  <p:clrMapOvr>
+    <a:masterClrMapping/>
+  </p:clrMapOvr>
+</p:sld>
+</file>
+
+<file path=ppt/slides/slide9.xml><?xml version="1.0" encoding="utf-8"?>
+<p:sld xmlns:a="http://schemas.openxmlformats.org/drawingml/2006/main" xmlns:r="http://schemas.openxmlformats.org/officeDocument/2006/relationships" xmlns:p="http://schemas.openxmlformats.org/presentationml/2006/main">
+  <p:cSld>
+    <p:bg>
+      <p:bgPr>
+        <a:solidFill>
+          <a:schemeClr val="lt1"/>
+        </a:solidFill>
+        <a:effectLst/>
+      </p:bgPr>
+    </p:bg>
+    <p:spTree>
+      <p:nvGrpSpPr>
+        <p:cNvPr id="1" name="Shape 186"/>
+        <p:cNvGrpSpPr/>
+        <p:nvPr/>
+      </p:nvGrpSpPr>
+      <p:grpSpPr>
+        <a:xfrm>
+          <a:off x="0" y="0"/>
+          <a:ext cx="0" cy="0"/>
+          <a:chOff x="0" y="0"/>
+          <a:chExt cx="0" cy="0"/>
+        </a:xfrm>
+      </p:grpSpPr>
+      <p:sp>
+        <p:nvSpPr>
+          <p:cNvPr id="187" name="Google Shape;187;p25"/>
+          <p:cNvSpPr/>
+          <p:nvPr/>
+        </p:nvSpPr>
+        <p:spPr>
+          <a:xfrm>
+            <a:off x="0" y="4747100"/>
+            <a:ext cx="9144000" cy="396300"/>
+          </a:xfrm>
+          <a:prstGeom prst="rect">
+            <a:avLst/>
+          </a:prstGeom>
+          <a:solidFill>
+            <a:schemeClr val="dk1"/>
+          </a:solidFill>
+          <a:ln>
             <a:noFill/>
-            <a:ln>
-              <a:noFill/>
-            </a:ln>
-          </p:spPr>
-        </p:pic>
-        <p:sp>
-          <p:nvSpPr>
-            <p:cNvPr id="196" name="Google Shape;196;p25"/>
-            <p:cNvSpPr txBox="1"/>
-            <p:nvPr/>
-          </p:nvSpPr>
-          <p:spPr>
-            <a:xfrm>
-              <a:off x="3928075" y="4819350"/>
-              <a:ext cx="3489900" cy="274500"/>
-            </a:xfrm>
-            <a:prstGeom prst="rect">
-              <a:avLst/>
-            </a:prstGeom>
+          </a:ln>
+        </p:spPr>
+        <p:txBody>
+          <a:bodyPr spcFirstLastPara="1" wrap="square" lIns="91425" tIns="91425" rIns="91425" bIns="91425" anchor="ctr" anchorCtr="0">
+            <a:noAutofit/>
+          </a:bodyPr>
+          <a:lstStyle/>
+          <a:p>
+            <a:pPr marL="0" lvl="0" indent="0" algn="l" rtl="0">
+              <a:spcBef>
+                <a:spcPts val="0"/>
+              </a:spcBef>
+              <a:spcAft>
+                <a:spcPts val="0"/>
+              </a:spcAft>
+              <a:buNone/>
+            </a:pPr>
+            <a:endParaRPr>
+              <a:latin typeface="Lato"/>
+              <a:ea typeface="Lato"/>
+              <a:cs typeface="Lato"/>
+              <a:sym typeface="Lato"/>
+            </a:endParaRPr>
+          </a:p>
+        </p:txBody>
+      </p:sp>
+      <p:sp>
+        <p:nvSpPr>
+          <p:cNvPr id="188" name="Google Shape;188;p25"/>
+          <p:cNvSpPr txBox="1">
+            <a:spLocks noGrp="1"/>
+          </p:cNvSpPr>
+          <p:nvPr>
+            <p:ph type="title" idx="4294967295"/>
+          </p:nvPr>
+        </p:nvSpPr>
+        <p:spPr>
+          <a:xfrm>
+            <a:off x="367850" y="4704200"/>
+            <a:ext cx="7058100" cy="482100"/>
+          </a:xfrm>
+          <a:prstGeom prst="rect">
+            <a:avLst/>
+          </a:prstGeom>
+          <a:noFill/>
+        </p:spPr>
+        <p:txBody>
+          <a:bodyPr spcFirstLastPara="1" wrap="square" lIns="91425" tIns="91425" rIns="91425" bIns="91425" anchor="b" anchorCtr="0">
+            <a:noAutofit/>
+          </a:bodyPr>
+          <a:lstStyle/>
+          <a:p>
+            <a:pPr marL="0" lvl="0" indent="0" algn="l" rtl="0">
+              <a:spcBef>
+                <a:spcPts val="0"/>
+              </a:spcBef>
+              <a:spcAft>
+                <a:spcPts val="0"/>
+              </a:spcAft>
+              <a:buNone/>
+            </a:pPr>
+            <a:r>
+              <a:rPr lang="en" sz="2000">
+                <a:solidFill>
+                  <a:schemeClr val="lt1"/>
+                </a:solidFill>
+              </a:rPr>
+              <a:t> </a:t>
+            </a:r>
+            <a:endParaRPr sz="2000">
+              <a:solidFill>
+                <a:schemeClr val="lt1"/>
+              </a:solidFill>
+            </a:endParaRPr>
+          </a:p>
+        </p:txBody>
+      </p:sp>
+      <p:pic>
+        <p:nvPicPr>
+          <p:cNvPr id="189" name="Google Shape;189;p25"/>
+          <p:cNvPicPr preferRelativeResize="0"/>
+          <p:nvPr/>
+        </p:nvPicPr>
+        <p:blipFill>
+          <a:blip r:embed="rId3">
+            <a:alphaModFix/>
+          </a:blip>
+          <a:stretch>
+            <a:fillRect/>
+          </a:stretch>
+        </p:blipFill>
+        <p:spPr>
+          <a:xfrm>
+            <a:off x="1500200" y="482100"/>
+            <a:ext cx="6143601" cy="4095775"/>
+          </a:xfrm>
+          <a:prstGeom prst="rect">
+            <a:avLst/>
+          </a:prstGeom>
+          <a:noFill/>
+          <a:ln>
             <a:noFill/>
-            <a:ln>
-              <a:noFill/>
-            </a:ln>
-          </p:spPr>
-          <p:txBody>
-            <a:bodyPr spcFirstLastPara="1" wrap="square" lIns="91425" tIns="91425" rIns="91425" bIns="91425" anchor="ctr" anchorCtr="0">
-              <a:noAutofit/>
-            </a:bodyPr>
-            <a:lstStyle/>
-            <a:p>
-              <a:pPr marL="0" lvl="0" indent="0" algn="l" rtl="0">
-                <a:spcBef>
-                  <a:spcPts val="0"/>
-                </a:spcBef>
-                <a:spcAft>
-                  <a:spcPts val="0"/>
-                </a:spcAft>
-                <a:buNone/>
-              </a:pPr>
-              <a:r>
-                <a:rPr lang="en" sz="800" b="1">
-                  <a:solidFill>
-                    <a:schemeClr val="lt1"/>
-                  </a:solidFill>
-                  <a:latin typeface="Lato"/>
-                  <a:ea typeface="Lato"/>
-                  <a:cs typeface="Lato"/>
-                  <a:sym typeface="Lato"/>
-                </a:rPr>
-                <a:t>Balsamiq Tip   |   </a:t>
-              </a:r>
-              <a:r>
-                <a:rPr lang="en" sz="800">
-                  <a:solidFill>
-                    <a:srgbClr val="FFFFFF"/>
-                  </a:solidFill>
-                  <a:latin typeface="Lato"/>
-                  <a:ea typeface="Lato"/>
-                  <a:cs typeface="Lato"/>
-                  <a:sym typeface="Lato"/>
-                </a:rPr>
-                <a:t>Use the Balsamiq add-on to make your own wireframe.</a:t>
-              </a:r>
-              <a:endParaRPr>
+          </a:ln>
+        </p:spPr>
+      </p:pic>
+      <p:sp>
+        <p:nvSpPr>
+          <p:cNvPr id="190" name="Google Shape;190;p25"/>
+          <p:cNvSpPr txBox="1"/>
+          <p:nvPr/>
+        </p:nvSpPr>
+        <p:spPr>
+          <a:xfrm>
+            <a:off x="0" y="0"/>
+            <a:ext cx="9144000" cy="482100"/>
+          </a:xfrm>
+          <a:prstGeom prst="rect">
+            <a:avLst/>
+          </a:prstGeom>
+          <a:solidFill>
+            <a:schemeClr val="dk1"/>
+          </a:solidFill>
+          <a:ln>
+            <a:noFill/>
+          </a:ln>
+        </p:spPr>
+        <p:txBody>
+          <a:bodyPr spcFirstLastPara="1" wrap="square" lIns="91425" tIns="91425" rIns="91425" bIns="91425" anchor="t" anchorCtr="0">
+            <a:noAutofit/>
+          </a:bodyPr>
+          <a:lstStyle/>
+          <a:p>
+            <a:pPr marL="0" lvl="0" indent="0" algn="ctr" rtl="0">
+              <a:lnSpc>
+                <a:spcPct val="115000"/>
+              </a:lnSpc>
+              <a:spcBef>
+                <a:spcPts val="0"/>
+              </a:spcBef>
+              <a:spcAft>
+                <a:spcPts val="1000"/>
+              </a:spcAft>
+              <a:buNone/>
+            </a:pPr>
+            <a:r>
+              <a:rPr lang="en" sz="2000" b="1">
                 <a:solidFill>
                   <a:srgbClr val="FFFFFF"/>
                 </a:solidFill>
@@ -16700,11 +13698,21 @@
                 <a:ea typeface="Lato"/>
                 <a:cs typeface="Lato"/>
                 <a:sym typeface="Lato"/>
-              </a:endParaRPr>
-            </a:p>
-          </p:txBody>
-        </p:sp>
-      </p:grpSp>
+              </a:rPr>
+              <a:t>No difference in Hot 100 ranking between genres</a:t>
+            </a:r>
+            <a:endParaRPr sz="2000" b="1">
+              <a:solidFill>
+                <a:srgbClr val="FFFFFF"/>
+              </a:solidFill>
+              <a:latin typeface="Lato"/>
+              <a:ea typeface="Lato"/>
+              <a:cs typeface="Lato"/>
+              <a:sym typeface="Lato"/>
+            </a:endParaRPr>
+          </a:p>
+        </p:txBody>
+      </p:sp>
     </p:spTree>
   </p:cSld>
   <p:clrMapOvr>
